--- a/courses/oopjava/lecture3.pptx
+++ b/courses/oopjava/lecture3.pptx
@@ -5,27 +5,29 @@
     <p:sldMasterId id="2147483816" r:id="rId1"/>
   </p:sldMasterIdLst>
   <p:notesMasterIdLst>
-    <p:notesMasterId r:id="rId17"/>
+    <p:notesMasterId r:id="rId19"/>
   </p:notesMasterIdLst>
   <p:handoutMasterIdLst>
-    <p:handoutMasterId r:id="rId18"/>
+    <p:handoutMasterId r:id="rId20"/>
   </p:handoutMasterIdLst>
   <p:sldIdLst>
     <p:sldId id="256" r:id="rId2"/>
     <p:sldId id="295" r:id="rId3"/>
-    <p:sldId id="345" r:id="rId4"/>
-    <p:sldId id="346" r:id="rId5"/>
-    <p:sldId id="301" r:id="rId6"/>
-    <p:sldId id="357" r:id="rId7"/>
-    <p:sldId id="358" r:id="rId8"/>
-    <p:sldId id="359" r:id="rId9"/>
-    <p:sldId id="347" r:id="rId10"/>
-    <p:sldId id="348" r:id="rId11"/>
-    <p:sldId id="349" r:id="rId12"/>
-    <p:sldId id="350" r:id="rId13"/>
-    <p:sldId id="352" r:id="rId14"/>
-    <p:sldId id="351" r:id="rId15"/>
-    <p:sldId id="360" r:id="rId16"/>
+    <p:sldId id="361" r:id="rId4"/>
+    <p:sldId id="362" r:id="rId5"/>
+    <p:sldId id="345" r:id="rId6"/>
+    <p:sldId id="346" r:id="rId7"/>
+    <p:sldId id="301" r:id="rId8"/>
+    <p:sldId id="357" r:id="rId9"/>
+    <p:sldId id="358" r:id="rId10"/>
+    <p:sldId id="359" r:id="rId11"/>
+    <p:sldId id="347" r:id="rId12"/>
+    <p:sldId id="348" r:id="rId13"/>
+    <p:sldId id="349" r:id="rId14"/>
+    <p:sldId id="350" r:id="rId15"/>
+    <p:sldId id="352" r:id="rId16"/>
+    <p:sldId id="351" r:id="rId17"/>
+    <p:sldId id="360" r:id="rId18"/>
   </p:sldIdLst>
   <p:sldSz cx="9144000" cy="6858000" type="screen4x3"/>
   <p:notesSz cx="6858000" cy="9144000"/>
@@ -762,7 +764,7 @@
             <a:fld id="{CB4F38C2-4548-F541-8261-4C1D96E7A166}" type="slidenum">
               <a:rPr lang="en-US" smtClean="0"/>
               <a:pPr/>
-              <a:t>8</a:t>
+              <a:t>10</a:t>
             </a:fld>
             <a:endParaRPr lang="en-US"/>
           </a:p>
@@ -4736,3429 +4738,6 @@
           <a:p>
             <a:r>
               <a:rPr lang="en-US" dirty="0"/>
-              <a:t>Interface example</a:t>
-            </a:r>
-          </a:p>
-        </p:txBody>
-      </p:sp>
-      <p:sp>
-        <p:nvSpPr>
-          <p:cNvPr id="3" name="Content Placeholder 2"/>
-          <p:cNvSpPr>
-            <a:spLocks noGrp="1"/>
-          </p:cNvSpPr>
-          <p:nvPr>
-            <p:ph idx="1"/>
-          </p:nvPr>
-        </p:nvSpPr>
-        <p:spPr/>
-        <p:txBody>
-          <a:bodyPr/>
-          <a:lstStyle/>
-          <a:p>
-            <a:r>
-              <a:rPr lang="en-US" sz="2000" dirty="0"/>
-              <a:t>Interface: similar to role &amp; its responsibility. </a:t>
-            </a:r>
-          </a:p>
-          <a:p>
-            <a:pPr marL="0" indent="0">
-              <a:buNone/>
-            </a:pPr>
-            <a:r>
-              <a:rPr lang="en-US" sz="2000" dirty="0"/>
-              <a:t>interface </a:t>
-            </a:r>
-            <a:r>
-              <a:rPr lang="en-US" sz="2000" dirty="0" err="1"/>
-              <a:t>SoftwareEngineer</a:t>
-            </a:r>
-            <a:r>
-              <a:rPr lang="en-US" sz="2000" dirty="0"/>
-              <a:t> {</a:t>
-            </a:r>
-          </a:p>
-          <a:p>
-            <a:pPr marL="0" indent="0">
-              <a:buNone/>
-            </a:pPr>
-            <a:r>
-              <a:rPr lang="en-US" sz="2000" dirty="0"/>
-              <a:t>   public String code(String requirements);</a:t>
-            </a:r>
-          </a:p>
-          <a:p>
-            <a:pPr marL="0" indent="0">
-              <a:buNone/>
-            </a:pPr>
-            <a:r>
-              <a:rPr lang="en-US" sz="2000" dirty="0"/>
-              <a:t>   public Software deliver();</a:t>
-            </a:r>
-          </a:p>
-          <a:p>
-            <a:pPr marL="0" indent="0">
-              <a:buNone/>
-            </a:pPr>
-            <a:r>
-              <a:rPr lang="en-US" sz="2000" dirty="0"/>
-              <a:t>   public Software debug();</a:t>
-            </a:r>
-          </a:p>
-          <a:p>
-            <a:pPr marL="0" indent="0">
-              <a:buNone/>
-            </a:pPr>
-            <a:r>
-              <a:rPr lang="en-US" sz="2000" dirty="0"/>
-              <a:t>}</a:t>
-            </a:r>
-          </a:p>
-          <a:p>
-            <a:pPr marL="0" indent="0">
-              <a:buNone/>
-            </a:pPr>
-            <a:r>
-              <a:rPr lang="en-US" sz="2000" dirty="0"/>
-              <a:t>Public class Person implements </a:t>
-            </a:r>
-            <a:r>
-              <a:rPr lang="en-US" sz="2000" dirty="0" err="1"/>
-              <a:t>SoftwareEngineer</a:t>
-            </a:r>
-            <a:r>
-              <a:rPr lang="en-US" sz="2000" dirty="0"/>
-              <a:t> {</a:t>
-            </a:r>
-          </a:p>
-          <a:p>
-            <a:pPr marL="0" indent="0">
-              <a:buNone/>
-            </a:pPr>
-            <a:r>
-              <a:rPr lang="en-US" sz="2000" dirty="0"/>
-              <a:t>   public String code(String requirements) { </a:t>
-            </a:r>
-            <a:r>
-              <a:rPr lang="mr-IN" sz="2000" dirty="0"/>
-              <a:t>…</a:t>
-            </a:r>
-            <a:r>
-              <a:rPr lang="en-US" sz="2000" dirty="0"/>
-              <a:t>. };</a:t>
-            </a:r>
-          </a:p>
-          <a:p>
-            <a:pPr marL="0" indent="0">
-              <a:buNone/>
-            </a:pPr>
-            <a:r>
-              <a:rPr lang="en-US" sz="2000" dirty="0"/>
-              <a:t>   public Software deliver() { </a:t>
-            </a:r>
-            <a:r>
-              <a:rPr lang="mr-IN" sz="2000" dirty="0"/>
-              <a:t>…</a:t>
-            </a:r>
-            <a:r>
-              <a:rPr lang="en-US" sz="2000" dirty="0"/>
-              <a:t>. };</a:t>
-            </a:r>
-          </a:p>
-          <a:p>
-            <a:pPr marL="0" indent="0">
-              <a:buNone/>
-            </a:pPr>
-            <a:r>
-              <a:rPr lang="en-US" sz="2000" dirty="0"/>
-              <a:t>   public Software debug() { </a:t>
-            </a:r>
-            <a:r>
-              <a:rPr lang="mr-IN" sz="2000" dirty="0"/>
-              <a:t>…</a:t>
-            </a:r>
-            <a:r>
-              <a:rPr lang="en-US" sz="2000" dirty="0"/>
-              <a:t> };</a:t>
-            </a:r>
-          </a:p>
-          <a:p>
-            <a:pPr marL="0" indent="0">
-              <a:buNone/>
-            </a:pPr>
-            <a:r>
-              <a:rPr lang="en-US" sz="2000" dirty="0"/>
-              <a:t>}</a:t>
-            </a:r>
-          </a:p>
-          <a:p>
-            <a:endParaRPr lang="en-US" sz="2000" dirty="0"/>
-          </a:p>
-        </p:txBody>
-      </p:sp>
-      <p:sp>
-        <p:nvSpPr>
-          <p:cNvPr id="4" name="Footer Placeholder 3"/>
-          <p:cNvSpPr>
-            <a:spLocks noGrp="1"/>
-          </p:cNvSpPr>
-          <p:nvPr>
-            <p:ph type="ftr" sz="quarter" idx="10"/>
-          </p:nvPr>
-        </p:nvSpPr>
-        <p:spPr/>
-        <p:txBody>
-          <a:bodyPr/>
-          <a:lstStyle/>
-          <a:p>
-            <a:r>
-              <a:rPr lang="en-US" dirty="0"/>
-              <a:t>Lecture 3: OOP</a:t>
-            </a:r>
-          </a:p>
-        </p:txBody>
-      </p:sp>
-      <p:sp>
-        <p:nvSpPr>
-          <p:cNvPr id="5" name="Date Placeholder 4"/>
-          <p:cNvSpPr>
-            <a:spLocks noGrp="1"/>
-          </p:cNvSpPr>
-          <p:nvPr>
-            <p:ph type="dt" sz="half" idx="11"/>
-          </p:nvPr>
-        </p:nvSpPr>
-        <p:spPr/>
-        <p:txBody>
-          <a:bodyPr/>
-          <a:lstStyle/>
-          <a:p>
-            <a:r>
-              <a:rPr lang="mr-IN" dirty="0"/>
-              <a:t>03/10/2020</a:t>
-            </a:r>
-            <a:endParaRPr lang="en-US" dirty="0"/>
-          </a:p>
-        </p:txBody>
-      </p:sp>
-      <p:sp>
-        <p:nvSpPr>
-          <p:cNvPr id="6" name="Slide Number Placeholder 5"/>
-          <p:cNvSpPr>
-            <a:spLocks noGrp="1"/>
-          </p:cNvSpPr>
-          <p:nvPr>
-            <p:ph type="sldNum" sz="quarter" idx="12"/>
-          </p:nvPr>
-        </p:nvSpPr>
-        <p:spPr/>
-        <p:txBody>
-          <a:bodyPr/>
-          <a:lstStyle/>
-          <a:p>
-            <a:fld id="{1D5CD492-2BC6-F348-9965-EC1D86DF57A8}" type="slidenum">
-              <a:rPr lang="en-US" smtClean="0"/>
-              <a:t>10</a:t>
-            </a:fld>
-            <a:endParaRPr lang="en-US"/>
-          </a:p>
-        </p:txBody>
-      </p:sp>
-    </p:spTree>
-    <p:extLst>
-      <p:ext uri="{BB962C8B-B14F-4D97-AF65-F5344CB8AC3E}">
-        <p14:creationId xmlns:p14="http://schemas.microsoft.com/office/powerpoint/2010/main" val="468529659"/>
-      </p:ext>
-    </p:extLst>
-  </p:cSld>
-  <p:clrMapOvr>
-    <a:masterClrMapping/>
-  </p:clrMapOvr>
-  <p:transition spd="med">
-    <p:wipe dir="r"/>
-  </p:transition>
-</p:sld>
-</file>
-
-<file path=ppt/slides/slide11.xml><?xml version="1.0" encoding="utf-8"?>
-<p:sld xmlns:a="http://schemas.openxmlformats.org/drawingml/2006/main" xmlns:r="http://schemas.openxmlformats.org/officeDocument/2006/relationships" xmlns:p="http://schemas.openxmlformats.org/presentationml/2006/main">
-  <p:cSld>
-    <p:spTree>
-      <p:nvGrpSpPr>
-        <p:cNvPr id="1" name=""/>
-        <p:cNvGrpSpPr/>
-        <p:nvPr/>
-      </p:nvGrpSpPr>
-      <p:grpSpPr>
-        <a:xfrm>
-          <a:off x="0" y="0"/>
-          <a:ext cx="0" cy="0"/>
-          <a:chOff x="0" y="0"/>
-          <a:chExt cx="0" cy="0"/>
-        </a:xfrm>
-      </p:grpSpPr>
-      <p:sp>
-        <p:nvSpPr>
-          <p:cNvPr id="2" name="Title 1"/>
-          <p:cNvSpPr>
-            <a:spLocks noGrp="1"/>
-          </p:cNvSpPr>
-          <p:nvPr>
-            <p:ph type="title"/>
-          </p:nvPr>
-        </p:nvSpPr>
-        <p:spPr/>
-        <p:txBody>
-          <a:bodyPr/>
-          <a:lstStyle/>
-          <a:p>
-            <a:r>
-              <a:rPr lang="en-US" dirty="0"/>
-              <a:t>Interface example</a:t>
-            </a:r>
-          </a:p>
-        </p:txBody>
-      </p:sp>
-      <p:sp>
-        <p:nvSpPr>
-          <p:cNvPr id="3" name="Content Placeholder 2"/>
-          <p:cNvSpPr>
-            <a:spLocks noGrp="1"/>
-          </p:cNvSpPr>
-          <p:nvPr>
-            <p:ph idx="1"/>
-          </p:nvPr>
-        </p:nvSpPr>
-        <p:spPr/>
-        <p:txBody>
-          <a:bodyPr/>
-          <a:lstStyle/>
-          <a:p>
-            <a:r>
-              <a:rPr lang="en-US" dirty="0"/>
-              <a:t>So, when a class implements an interface might be seen as the person must have the ability to carry out what the role requires.</a:t>
-            </a:r>
-          </a:p>
-          <a:p>
-            <a:r>
-              <a:rPr lang="en-US" dirty="0"/>
-              <a:t>So a person can play 2 roles simultaneously: mother &amp; software engineer</a:t>
-            </a:r>
-          </a:p>
-          <a:p>
-            <a:r>
-              <a:rPr lang="en-US" dirty="0"/>
-              <a:t>Mother interface has </a:t>
-            </a:r>
-            <a:r>
-              <a:rPr lang="en-US" dirty="0" err="1"/>
-              <a:t>breastFeeding</a:t>
-            </a:r>
-            <a:r>
-              <a:rPr lang="en-US" dirty="0"/>
-              <a:t>(Person child) method, raise(Person child) method, cook() method, and teach(Person child) method.</a:t>
-            </a:r>
-          </a:p>
-          <a:p>
-            <a:r>
-              <a:rPr lang="en-US" dirty="0"/>
-              <a:t>Class Person implements Mother, </a:t>
-            </a:r>
-            <a:r>
-              <a:rPr lang="en-US" dirty="0" err="1"/>
-              <a:t>SoftwareEngineer</a:t>
-            </a:r>
-            <a:r>
-              <a:rPr lang="en-US" dirty="0"/>
-              <a:t> {</a:t>
-            </a:r>
-            <a:r>
-              <a:rPr lang="mr-IN" dirty="0"/>
-              <a:t>…</a:t>
-            </a:r>
-            <a:r>
-              <a:rPr lang="en-US" dirty="0"/>
-              <a:t>}</a:t>
-            </a:r>
-          </a:p>
-        </p:txBody>
-      </p:sp>
-      <p:sp>
-        <p:nvSpPr>
-          <p:cNvPr id="4" name="Footer Placeholder 3"/>
-          <p:cNvSpPr>
-            <a:spLocks noGrp="1"/>
-          </p:cNvSpPr>
-          <p:nvPr>
-            <p:ph type="ftr" sz="quarter" idx="10"/>
-          </p:nvPr>
-        </p:nvSpPr>
-        <p:spPr/>
-        <p:txBody>
-          <a:bodyPr/>
-          <a:lstStyle/>
-          <a:p>
-            <a:r>
-              <a:rPr lang="en-US" dirty="0"/>
-              <a:t>Lecture 3: OOP</a:t>
-            </a:r>
-          </a:p>
-        </p:txBody>
-      </p:sp>
-      <p:sp>
-        <p:nvSpPr>
-          <p:cNvPr id="5" name="Date Placeholder 4"/>
-          <p:cNvSpPr>
-            <a:spLocks noGrp="1"/>
-          </p:cNvSpPr>
-          <p:nvPr>
-            <p:ph type="dt" sz="half" idx="11"/>
-          </p:nvPr>
-        </p:nvSpPr>
-        <p:spPr/>
-        <p:txBody>
-          <a:bodyPr/>
-          <a:lstStyle/>
-          <a:p>
-            <a:r>
-              <a:rPr lang="mr-IN" dirty="0"/>
-              <a:t>03/10/2020</a:t>
-            </a:r>
-            <a:endParaRPr lang="en-US" dirty="0"/>
-          </a:p>
-        </p:txBody>
-      </p:sp>
-      <p:sp>
-        <p:nvSpPr>
-          <p:cNvPr id="6" name="Slide Number Placeholder 5"/>
-          <p:cNvSpPr>
-            <a:spLocks noGrp="1"/>
-          </p:cNvSpPr>
-          <p:nvPr>
-            <p:ph type="sldNum" sz="quarter" idx="12"/>
-          </p:nvPr>
-        </p:nvSpPr>
-        <p:spPr/>
-        <p:txBody>
-          <a:bodyPr/>
-          <a:lstStyle/>
-          <a:p>
-            <a:fld id="{1D5CD492-2BC6-F348-9965-EC1D86DF57A8}" type="slidenum">
-              <a:rPr lang="en-US" smtClean="0"/>
-              <a:t>11</a:t>
-            </a:fld>
-            <a:endParaRPr lang="en-US"/>
-          </a:p>
-        </p:txBody>
-      </p:sp>
-    </p:spTree>
-    <p:extLst>
-      <p:ext uri="{BB962C8B-B14F-4D97-AF65-F5344CB8AC3E}">
-        <p14:creationId xmlns:p14="http://schemas.microsoft.com/office/powerpoint/2010/main" val="376477224"/>
-      </p:ext>
-    </p:extLst>
-  </p:cSld>
-  <p:clrMapOvr>
-    <a:masterClrMapping/>
-  </p:clrMapOvr>
-  <p:transition spd="med">
-    <p:wipe dir="r"/>
-  </p:transition>
-</p:sld>
-</file>
-
-<file path=ppt/slides/slide12.xml><?xml version="1.0" encoding="utf-8"?>
-<p:sld xmlns:a="http://schemas.openxmlformats.org/drawingml/2006/main" xmlns:r="http://schemas.openxmlformats.org/officeDocument/2006/relationships" xmlns:p="http://schemas.openxmlformats.org/presentationml/2006/main">
-  <p:cSld>
-    <p:spTree>
-      <p:nvGrpSpPr>
-        <p:cNvPr id="1" name=""/>
-        <p:cNvGrpSpPr/>
-        <p:nvPr/>
-      </p:nvGrpSpPr>
-      <p:grpSpPr>
-        <a:xfrm>
-          <a:off x="0" y="0"/>
-          <a:ext cx="0" cy="0"/>
-          <a:chOff x="0" y="0"/>
-          <a:chExt cx="0" cy="0"/>
-        </a:xfrm>
-      </p:grpSpPr>
-      <p:sp>
-        <p:nvSpPr>
-          <p:cNvPr id="2" name="Title 1"/>
-          <p:cNvSpPr>
-            <a:spLocks noGrp="1"/>
-          </p:cNvSpPr>
-          <p:nvPr>
-            <p:ph type="title"/>
-          </p:nvPr>
-        </p:nvSpPr>
-        <p:spPr/>
-        <p:txBody>
-          <a:bodyPr/>
-          <a:lstStyle/>
-          <a:p>
-            <a:r>
-              <a:rPr lang="en-US" dirty="0"/>
-              <a:t>Abstract class example</a:t>
-            </a:r>
-          </a:p>
-        </p:txBody>
-      </p:sp>
-      <p:sp>
-        <p:nvSpPr>
-          <p:cNvPr id="3" name="Content Placeholder 2"/>
-          <p:cNvSpPr>
-            <a:spLocks noGrp="1"/>
-          </p:cNvSpPr>
-          <p:nvPr>
-            <p:ph idx="1"/>
-          </p:nvPr>
-        </p:nvSpPr>
-        <p:spPr/>
-        <p:txBody>
-          <a:bodyPr/>
-          <a:lstStyle/>
-          <a:p>
-            <a:r>
-              <a:rPr lang="en-US" dirty="0"/>
-              <a:t>Abstract class might be used to define a common behavior of similar classes. So we put all common methods into an abstract class, and we might put some default behaviors by implementing some methods in abstract class, </a:t>
-            </a:r>
-            <a:r>
-              <a:rPr lang="en-US"/>
-              <a:t>while leaving </a:t>
-            </a:r>
-            <a:r>
-              <a:rPr lang="en-US" dirty="0"/>
-              <a:t>some methods empty for its child to implement.</a:t>
-            </a:r>
-          </a:p>
-          <a:p>
-            <a:r>
-              <a:rPr lang="en-US" dirty="0"/>
-              <a:t>Since java supports only single inheritance, a class might only extends directly 1 abstract class.</a:t>
-            </a:r>
-          </a:p>
-        </p:txBody>
-      </p:sp>
-      <p:sp>
-        <p:nvSpPr>
-          <p:cNvPr id="4" name="Footer Placeholder 3"/>
-          <p:cNvSpPr>
-            <a:spLocks noGrp="1"/>
-          </p:cNvSpPr>
-          <p:nvPr>
-            <p:ph type="ftr" sz="quarter" idx="10"/>
-          </p:nvPr>
-        </p:nvSpPr>
-        <p:spPr/>
-        <p:txBody>
-          <a:bodyPr/>
-          <a:lstStyle/>
-          <a:p>
-            <a:r>
-              <a:rPr lang="en-US" dirty="0"/>
-              <a:t>Lecture 3: OOP</a:t>
-            </a:r>
-          </a:p>
-        </p:txBody>
-      </p:sp>
-      <p:sp>
-        <p:nvSpPr>
-          <p:cNvPr id="5" name="Date Placeholder 4"/>
-          <p:cNvSpPr>
-            <a:spLocks noGrp="1"/>
-          </p:cNvSpPr>
-          <p:nvPr>
-            <p:ph type="dt" sz="half" idx="11"/>
-          </p:nvPr>
-        </p:nvSpPr>
-        <p:spPr/>
-        <p:txBody>
-          <a:bodyPr/>
-          <a:lstStyle/>
-          <a:p>
-            <a:r>
-              <a:rPr lang="mr-IN" dirty="0"/>
-              <a:t>03/10/2020</a:t>
-            </a:r>
-            <a:endParaRPr lang="en-US" dirty="0"/>
-          </a:p>
-        </p:txBody>
-      </p:sp>
-      <p:sp>
-        <p:nvSpPr>
-          <p:cNvPr id="6" name="Slide Number Placeholder 5"/>
-          <p:cNvSpPr>
-            <a:spLocks noGrp="1"/>
-          </p:cNvSpPr>
-          <p:nvPr>
-            <p:ph type="sldNum" sz="quarter" idx="12"/>
-          </p:nvPr>
-        </p:nvSpPr>
-        <p:spPr/>
-        <p:txBody>
-          <a:bodyPr/>
-          <a:lstStyle/>
-          <a:p>
-            <a:fld id="{1D5CD492-2BC6-F348-9965-EC1D86DF57A8}" type="slidenum">
-              <a:rPr lang="en-US" smtClean="0"/>
-              <a:t>12</a:t>
-            </a:fld>
-            <a:endParaRPr lang="en-US"/>
-          </a:p>
-        </p:txBody>
-      </p:sp>
-    </p:spTree>
-    <p:extLst>
-      <p:ext uri="{BB962C8B-B14F-4D97-AF65-F5344CB8AC3E}">
-        <p14:creationId xmlns:p14="http://schemas.microsoft.com/office/powerpoint/2010/main" val="1636169102"/>
-      </p:ext>
-    </p:extLst>
-  </p:cSld>
-  <p:clrMapOvr>
-    <a:masterClrMapping/>
-  </p:clrMapOvr>
-  <p:transition spd="med">
-    <p:wipe dir="r"/>
-  </p:transition>
-</p:sld>
-</file>
-
-<file path=ppt/slides/slide13.xml><?xml version="1.0" encoding="utf-8"?>
-<p:sld xmlns:a="http://schemas.openxmlformats.org/drawingml/2006/main" xmlns:r="http://schemas.openxmlformats.org/officeDocument/2006/relationships" xmlns:p="http://schemas.openxmlformats.org/presentationml/2006/main">
-  <p:cSld>
-    <p:spTree>
-      <p:nvGrpSpPr>
-        <p:cNvPr id="1" name=""/>
-        <p:cNvGrpSpPr/>
-        <p:nvPr/>
-      </p:nvGrpSpPr>
-      <p:grpSpPr>
-        <a:xfrm>
-          <a:off x="0" y="0"/>
-          <a:ext cx="0" cy="0"/>
-          <a:chOff x="0" y="0"/>
-          <a:chExt cx="0" cy="0"/>
-        </a:xfrm>
-      </p:grpSpPr>
-      <p:sp>
-        <p:nvSpPr>
-          <p:cNvPr id="2" name="Title 1"/>
-          <p:cNvSpPr>
-            <a:spLocks noGrp="1"/>
-          </p:cNvSpPr>
-          <p:nvPr>
-            <p:ph type="title"/>
-          </p:nvPr>
-        </p:nvSpPr>
-        <p:spPr/>
-        <p:txBody>
-          <a:bodyPr/>
-          <a:lstStyle/>
-          <a:p>
-            <a:r>
-              <a:rPr lang="en-US" dirty="0"/>
-              <a:t>Type checking</a:t>
-            </a:r>
-          </a:p>
-        </p:txBody>
-      </p:sp>
-      <p:sp>
-        <p:nvSpPr>
-          <p:cNvPr id="3" name="Content Placeholder 2"/>
-          <p:cNvSpPr>
-            <a:spLocks noGrp="1"/>
-          </p:cNvSpPr>
-          <p:nvPr>
-            <p:ph idx="1"/>
-          </p:nvPr>
-        </p:nvSpPr>
-        <p:spPr>
-          <a:xfrm>
-            <a:off x="457200" y="1600200"/>
-            <a:ext cx="8229600" cy="4756150"/>
-          </a:xfrm>
-        </p:spPr>
-        <p:txBody>
-          <a:bodyPr/>
-          <a:lstStyle/>
-          <a:p>
-            <a:r>
-              <a:rPr lang="en-US" dirty="0"/>
-              <a:t>We might think about the metaphor of type with the “is a” relation, for example:</a:t>
-            </a:r>
-          </a:p>
-          <a:p>
-            <a:pPr lvl="1"/>
-            <a:r>
-              <a:rPr lang="en-US" dirty="0"/>
-              <a:t>An eagle “is a” bird, a bird “is an” animal, and (so) an eagle “is an” animal</a:t>
-            </a:r>
-          </a:p>
-          <a:p>
-            <a:pPr marL="57150" indent="0">
-              <a:buNone/>
-            </a:pPr>
-            <a:r>
-              <a:rPr lang="en-US" dirty="0">
-                <a:latin typeface="+mj-lt"/>
-              </a:rPr>
-              <a:t>class Animal extends </a:t>
-            </a:r>
-            <a:r>
-              <a:rPr lang="en-US" dirty="0" err="1">
-                <a:latin typeface="+mj-lt"/>
-              </a:rPr>
-              <a:t>LiveThing</a:t>
-            </a:r>
-            <a:r>
-              <a:rPr lang="en-US" dirty="0">
-                <a:latin typeface="+mj-lt"/>
-              </a:rPr>
-              <a:t> { public method move() {</a:t>
-            </a:r>
-            <a:r>
-              <a:rPr lang="mr-IN" dirty="0">
-                <a:latin typeface="+mj-lt"/>
-              </a:rPr>
-              <a:t>…</a:t>
-            </a:r>
-            <a:r>
-              <a:rPr lang="en-US" dirty="0">
-                <a:latin typeface="+mj-lt"/>
-              </a:rPr>
-              <a:t>} </a:t>
-            </a:r>
-            <a:r>
-              <a:rPr lang="mr-IN" dirty="0">
-                <a:latin typeface="+mj-lt"/>
-              </a:rPr>
-              <a:t>…</a:t>
-            </a:r>
-            <a:r>
-              <a:rPr lang="en-US" dirty="0">
-                <a:latin typeface="+mj-lt"/>
-              </a:rPr>
-              <a:t> }</a:t>
-            </a:r>
-          </a:p>
-          <a:p>
-            <a:pPr marL="57150" indent="0">
-              <a:buNone/>
-            </a:pPr>
-            <a:r>
-              <a:rPr lang="en-US" dirty="0">
-                <a:latin typeface="+mj-lt"/>
-              </a:rPr>
-              <a:t>class Bird extends Animal { public method fly(){</a:t>
-            </a:r>
-            <a:r>
-              <a:rPr lang="mr-IN" dirty="0">
-                <a:latin typeface="+mj-lt"/>
-              </a:rPr>
-              <a:t>…</a:t>
-            </a:r>
-            <a:r>
-              <a:rPr lang="en-US" dirty="0">
-                <a:latin typeface="+mj-lt"/>
-              </a:rPr>
-              <a:t>} </a:t>
-            </a:r>
-            <a:r>
-              <a:rPr lang="mr-IN" dirty="0">
-                <a:latin typeface="+mj-lt"/>
-              </a:rPr>
-              <a:t>…</a:t>
-            </a:r>
-            <a:r>
-              <a:rPr lang="en-US" dirty="0">
-                <a:latin typeface="+mj-lt"/>
-              </a:rPr>
-              <a:t> }</a:t>
-            </a:r>
-          </a:p>
-          <a:p>
-            <a:pPr marL="57150" indent="0">
-              <a:buNone/>
-            </a:pPr>
-            <a:r>
-              <a:rPr lang="en-US" dirty="0">
-                <a:latin typeface="+mj-lt"/>
-              </a:rPr>
-              <a:t>class Eagle extends Bird { public method </a:t>
-            </a:r>
-            <a:r>
-              <a:rPr lang="en-US" dirty="0" err="1">
-                <a:latin typeface="+mj-lt"/>
-              </a:rPr>
-              <a:t>eat_snake</a:t>
-            </a:r>
-            <a:r>
-              <a:rPr lang="en-US" dirty="0">
-                <a:latin typeface="+mj-lt"/>
-              </a:rPr>
-              <a:t>(){</a:t>
-            </a:r>
-            <a:r>
-              <a:rPr lang="mr-IN" dirty="0">
-                <a:latin typeface="+mj-lt"/>
-              </a:rPr>
-              <a:t>…</a:t>
-            </a:r>
-            <a:r>
-              <a:rPr lang="en-US" dirty="0">
-                <a:latin typeface="+mj-lt"/>
-              </a:rPr>
-              <a:t>} </a:t>
-            </a:r>
-            <a:r>
-              <a:rPr lang="mr-IN" dirty="0">
-                <a:latin typeface="+mj-lt"/>
-              </a:rPr>
-              <a:t>…</a:t>
-            </a:r>
-            <a:r>
-              <a:rPr lang="en-US" dirty="0">
-                <a:latin typeface="+mj-lt"/>
-              </a:rPr>
-              <a:t> }</a:t>
-            </a:r>
-          </a:p>
-          <a:p>
-            <a:pPr lvl="1"/>
-            <a:r>
-              <a:rPr lang="en-US" dirty="0"/>
-              <a:t>As we see, the child class has all its parent classes behaviors, and they also have their own behaviors.</a:t>
-            </a:r>
-          </a:p>
-          <a:p>
-            <a:pPr lvl="1"/>
-            <a:r>
-              <a:rPr lang="en-US" dirty="0"/>
-              <a:t>That’s why we can say: my eagle is an animal.</a:t>
-            </a:r>
-          </a:p>
-          <a:p>
-            <a:pPr marL="57150" indent="0">
-              <a:buNone/>
-            </a:pPr>
-            <a:r>
-              <a:rPr lang="en-US" dirty="0"/>
-              <a:t>Equivalent statement: Animal </a:t>
-            </a:r>
-            <a:r>
-              <a:rPr lang="en-US" dirty="0" err="1"/>
-              <a:t>my_eagle</a:t>
-            </a:r>
-            <a:r>
-              <a:rPr lang="en-US" dirty="0"/>
-              <a:t> = new Eagle();</a:t>
-            </a:r>
-          </a:p>
-        </p:txBody>
-      </p:sp>
-      <p:sp>
-        <p:nvSpPr>
-          <p:cNvPr id="4" name="Footer Placeholder 3"/>
-          <p:cNvSpPr>
-            <a:spLocks noGrp="1"/>
-          </p:cNvSpPr>
-          <p:nvPr>
-            <p:ph type="ftr" sz="quarter" idx="10"/>
-          </p:nvPr>
-        </p:nvSpPr>
-        <p:spPr/>
-        <p:txBody>
-          <a:bodyPr/>
-          <a:lstStyle/>
-          <a:p>
-            <a:r>
-              <a:rPr lang="en-US" dirty="0"/>
-              <a:t>Lecture 3: OOP</a:t>
-            </a:r>
-          </a:p>
-        </p:txBody>
-      </p:sp>
-      <p:sp>
-        <p:nvSpPr>
-          <p:cNvPr id="5" name="Date Placeholder 4"/>
-          <p:cNvSpPr>
-            <a:spLocks noGrp="1"/>
-          </p:cNvSpPr>
-          <p:nvPr>
-            <p:ph type="dt" sz="half" idx="11"/>
-          </p:nvPr>
-        </p:nvSpPr>
-        <p:spPr/>
-        <p:txBody>
-          <a:bodyPr/>
-          <a:lstStyle/>
-          <a:p>
-            <a:r>
-              <a:rPr lang="mr-IN" dirty="0"/>
-              <a:t>03/10/2020</a:t>
-            </a:r>
-            <a:endParaRPr lang="en-US" dirty="0"/>
-          </a:p>
-        </p:txBody>
-      </p:sp>
-      <p:sp>
-        <p:nvSpPr>
-          <p:cNvPr id="6" name="Slide Number Placeholder 5"/>
-          <p:cNvSpPr>
-            <a:spLocks noGrp="1"/>
-          </p:cNvSpPr>
-          <p:nvPr>
-            <p:ph type="sldNum" sz="quarter" idx="12"/>
-          </p:nvPr>
-        </p:nvSpPr>
-        <p:spPr/>
-        <p:txBody>
-          <a:bodyPr/>
-          <a:lstStyle/>
-          <a:p>
-            <a:fld id="{1D5CD492-2BC6-F348-9965-EC1D86DF57A8}" type="slidenum">
-              <a:rPr lang="en-US" smtClean="0"/>
-              <a:t>13</a:t>
-            </a:fld>
-            <a:endParaRPr lang="en-US"/>
-          </a:p>
-        </p:txBody>
-      </p:sp>
-    </p:spTree>
-    <p:extLst>
-      <p:ext uri="{BB962C8B-B14F-4D97-AF65-F5344CB8AC3E}">
-        <p14:creationId xmlns:p14="http://schemas.microsoft.com/office/powerpoint/2010/main" val="312882625"/>
-      </p:ext>
-    </p:extLst>
-  </p:cSld>
-  <p:clrMapOvr>
-    <a:masterClrMapping/>
-  </p:clrMapOvr>
-  <p:transition spd="med">
-    <p:wipe dir="r"/>
-  </p:transition>
-</p:sld>
-</file>
-
-<file path=ppt/slides/slide14.xml><?xml version="1.0" encoding="utf-8"?>
-<p:sld xmlns:a="http://schemas.openxmlformats.org/drawingml/2006/main" xmlns:r="http://schemas.openxmlformats.org/officeDocument/2006/relationships" xmlns:p="http://schemas.openxmlformats.org/presentationml/2006/main">
-  <p:cSld>
-    <p:spTree>
-      <p:nvGrpSpPr>
-        <p:cNvPr id="1" name=""/>
-        <p:cNvGrpSpPr/>
-        <p:nvPr/>
-      </p:nvGrpSpPr>
-      <p:grpSpPr>
-        <a:xfrm>
-          <a:off x="0" y="0"/>
-          <a:ext cx="0" cy="0"/>
-          <a:chOff x="0" y="0"/>
-          <a:chExt cx="0" cy="0"/>
-        </a:xfrm>
-      </p:grpSpPr>
-      <p:sp>
-        <p:nvSpPr>
-          <p:cNvPr id="2" name="Title 1"/>
-          <p:cNvSpPr>
-            <a:spLocks noGrp="1"/>
-          </p:cNvSpPr>
-          <p:nvPr>
-            <p:ph type="title"/>
-          </p:nvPr>
-        </p:nvSpPr>
-        <p:spPr/>
-        <p:txBody>
-          <a:bodyPr/>
-          <a:lstStyle/>
-          <a:p>
-            <a:r>
-              <a:rPr lang="en-US" dirty="0"/>
-              <a:t>Type checking</a:t>
-            </a:r>
-          </a:p>
-        </p:txBody>
-      </p:sp>
-      <p:sp>
-        <p:nvSpPr>
-          <p:cNvPr id="3" name="Content Placeholder 2"/>
-          <p:cNvSpPr>
-            <a:spLocks noGrp="1"/>
-          </p:cNvSpPr>
-          <p:nvPr>
-            <p:ph idx="1"/>
-          </p:nvPr>
-        </p:nvSpPr>
-        <p:spPr/>
-        <p:txBody>
-          <a:bodyPr/>
-          <a:lstStyle/>
-          <a:p>
-            <a:r>
-              <a:rPr lang="en-US" dirty="0"/>
-              <a:t>We might keep the metaphor of interface as role.</a:t>
-            </a:r>
-          </a:p>
-          <a:p>
-            <a:r>
-              <a:rPr lang="en-US" dirty="0"/>
-              <a:t>So an interface is like a role, a person can play as many roles as he want, as long as he “knows” the behavior of the roles that he plays, “knows” means he implements the behaviors so that he can be able to receive the messages (behavior = method, calling a method = sending a message) and return the corresponding actions (return the right object).</a:t>
-            </a:r>
-          </a:p>
-          <a:p>
-            <a:r>
-              <a:rPr lang="en-US" dirty="0"/>
-              <a:t>For example: the person Obama can play father role and president role and husband role at </a:t>
-            </a:r>
-            <a:r>
-              <a:rPr lang="en-US"/>
-              <a:t>the same time.</a:t>
-            </a:r>
-            <a:endParaRPr lang="en-US" dirty="0"/>
-          </a:p>
-        </p:txBody>
-      </p:sp>
-      <p:sp>
-        <p:nvSpPr>
-          <p:cNvPr id="4" name="Footer Placeholder 3"/>
-          <p:cNvSpPr>
-            <a:spLocks noGrp="1"/>
-          </p:cNvSpPr>
-          <p:nvPr>
-            <p:ph type="ftr" sz="quarter" idx="10"/>
-          </p:nvPr>
-        </p:nvSpPr>
-        <p:spPr/>
-        <p:txBody>
-          <a:bodyPr/>
-          <a:lstStyle/>
-          <a:p>
-            <a:r>
-              <a:rPr lang="en-US" dirty="0"/>
-              <a:t>Lecture 3: OOP</a:t>
-            </a:r>
-          </a:p>
-        </p:txBody>
-      </p:sp>
-      <p:sp>
-        <p:nvSpPr>
-          <p:cNvPr id="5" name="Date Placeholder 4"/>
-          <p:cNvSpPr>
-            <a:spLocks noGrp="1"/>
-          </p:cNvSpPr>
-          <p:nvPr>
-            <p:ph type="dt" sz="half" idx="11"/>
-          </p:nvPr>
-        </p:nvSpPr>
-        <p:spPr/>
-        <p:txBody>
-          <a:bodyPr/>
-          <a:lstStyle/>
-          <a:p>
-            <a:r>
-              <a:rPr lang="mr-IN" dirty="0"/>
-              <a:t>03/10/2020</a:t>
-            </a:r>
-            <a:endParaRPr lang="en-US" dirty="0"/>
-          </a:p>
-        </p:txBody>
-      </p:sp>
-      <p:sp>
-        <p:nvSpPr>
-          <p:cNvPr id="6" name="Slide Number Placeholder 5"/>
-          <p:cNvSpPr>
-            <a:spLocks noGrp="1"/>
-          </p:cNvSpPr>
-          <p:nvPr>
-            <p:ph type="sldNum" sz="quarter" idx="12"/>
-          </p:nvPr>
-        </p:nvSpPr>
-        <p:spPr/>
-        <p:txBody>
-          <a:bodyPr/>
-          <a:lstStyle/>
-          <a:p>
-            <a:fld id="{1D5CD492-2BC6-F348-9965-EC1D86DF57A8}" type="slidenum">
-              <a:rPr lang="en-US" smtClean="0"/>
-              <a:t>14</a:t>
-            </a:fld>
-            <a:endParaRPr lang="en-US"/>
-          </a:p>
-        </p:txBody>
-      </p:sp>
-    </p:spTree>
-    <p:extLst>
-      <p:ext uri="{BB962C8B-B14F-4D97-AF65-F5344CB8AC3E}">
-        <p14:creationId xmlns:p14="http://schemas.microsoft.com/office/powerpoint/2010/main" val="1203550780"/>
-      </p:ext>
-    </p:extLst>
-  </p:cSld>
-  <p:clrMapOvr>
-    <a:masterClrMapping/>
-  </p:clrMapOvr>
-  <p:transition spd="med">
-    <p:wipe dir="r"/>
-  </p:transition>
-</p:sld>
-</file>
-
-<file path=ppt/slides/slide15.xml><?xml version="1.0" encoding="utf-8"?>
-<p:sld xmlns:a="http://schemas.openxmlformats.org/drawingml/2006/main" xmlns:r="http://schemas.openxmlformats.org/officeDocument/2006/relationships" xmlns:p="http://schemas.openxmlformats.org/presentationml/2006/main">
-  <p:cSld>
-    <p:spTree>
-      <p:nvGrpSpPr>
-        <p:cNvPr id="1" name=""/>
-        <p:cNvGrpSpPr/>
-        <p:nvPr/>
-      </p:nvGrpSpPr>
-      <p:grpSpPr>
-        <a:xfrm>
-          <a:off x="0" y="0"/>
-          <a:ext cx="0" cy="0"/>
-          <a:chOff x="0" y="0"/>
-          <a:chExt cx="0" cy="0"/>
-        </a:xfrm>
-      </p:grpSpPr>
-      <p:sp>
-        <p:nvSpPr>
-          <p:cNvPr id="2" name="Title 1">
-            <a:extLst>
-              <a:ext uri="{FF2B5EF4-FFF2-40B4-BE49-F238E27FC236}">
-                <a16:creationId xmlns:a16="http://schemas.microsoft.com/office/drawing/2014/main" id="{AA21C826-35C8-8647-8443-4FE147423E41}"/>
-              </a:ext>
-            </a:extLst>
-          </p:cNvPr>
-          <p:cNvSpPr>
-            <a:spLocks noGrp="1"/>
-          </p:cNvSpPr>
-          <p:nvPr>
-            <p:ph type="title"/>
-          </p:nvPr>
-        </p:nvSpPr>
-        <p:spPr/>
-        <p:txBody>
-          <a:bodyPr/>
-          <a:lstStyle/>
-          <a:p>
-            <a:r>
-              <a:rPr lang="en-VN" dirty="0"/>
-              <a:t>Homework</a:t>
-            </a:r>
-          </a:p>
-        </p:txBody>
-      </p:sp>
-      <p:sp>
-        <p:nvSpPr>
-          <p:cNvPr id="3" name="Content Placeholder 2">
-            <a:extLst>
-              <a:ext uri="{FF2B5EF4-FFF2-40B4-BE49-F238E27FC236}">
-                <a16:creationId xmlns:a16="http://schemas.microsoft.com/office/drawing/2014/main" id="{28C1C79B-821A-804D-8E76-F278764819EF}"/>
-              </a:ext>
-            </a:extLst>
-          </p:cNvPr>
-          <p:cNvSpPr>
-            <a:spLocks noGrp="1"/>
-          </p:cNvSpPr>
-          <p:nvPr>
-            <p:ph idx="1"/>
-          </p:nvPr>
-        </p:nvSpPr>
-        <p:spPr/>
-        <p:txBody>
-          <a:bodyPr/>
-          <a:lstStyle/>
-          <a:p>
-            <a:r>
-              <a:rPr lang="en-VN" dirty="0"/>
-              <a:t>Read OOP slides (Chapter 1)</a:t>
-            </a:r>
-          </a:p>
-          <a:p>
-            <a:r>
-              <a:rPr lang="en-VN" dirty="0"/>
-              <a:t>OOP Exercise (1.1 </a:t>
-            </a:r>
-            <a:r>
-              <a:rPr lang="en-VN" dirty="0">
-                <a:sym typeface="Wingdings" pitchFamily="2" charset="2"/>
-              </a:rPr>
-              <a:t> 1.9)</a:t>
-            </a:r>
-            <a:endParaRPr lang="en-VN" dirty="0"/>
-          </a:p>
-        </p:txBody>
-      </p:sp>
-      <p:sp>
-        <p:nvSpPr>
-          <p:cNvPr id="4" name="Footer Placeholder 3">
-            <a:extLst>
-              <a:ext uri="{FF2B5EF4-FFF2-40B4-BE49-F238E27FC236}">
-                <a16:creationId xmlns:a16="http://schemas.microsoft.com/office/drawing/2014/main" id="{8F500321-CDCA-1B4C-BD98-D802AFDC2408}"/>
-              </a:ext>
-            </a:extLst>
-          </p:cNvPr>
-          <p:cNvSpPr>
-            <a:spLocks noGrp="1"/>
-          </p:cNvSpPr>
-          <p:nvPr>
-            <p:ph type="ftr" sz="quarter" idx="10"/>
-          </p:nvPr>
-        </p:nvSpPr>
-        <p:spPr/>
-        <p:txBody>
-          <a:bodyPr/>
-          <a:lstStyle/>
-          <a:p>
-            <a:r>
-              <a:rPr lang="en-US"/>
-              <a:t>Lecture 3: OOP</a:t>
-            </a:r>
-            <a:endParaRPr lang="en-US" dirty="0"/>
-          </a:p>
-        </p:txBody>
-      </p:sp>
-      <p:sp>
-        <p:nvSpPr>
-          <p:cNvPr id="5" name="Date Placeholder 4">
-            <a:extLst>
-              <a:ext uri="{FF2B5EF4-FFF2-40B4-BE49-F238E27FC236}">
-                <a16:creationId xmlns:a16="http://schemas.microsoft.com/office/drawing/2014/main" id="{40C2BD27-E2DD-1E4F-B753-FD6D31FE57CF}"/>
-              </a:ext>
-            </a:extLst>
-          </p:cNvPr>
-          <p:cNvSpPr>
-            <a:spLocks noGrp="1"/>
-          </p:cNvSpPr>
-          <p:nvPr>
-            <p:ph type="dt" sz="half" idx="11"/>
-          </p:nvPr>
-        </p:nvSpPr>
-        <p:spPr/>
-        <p:txBody>
-          <a:bodyPr/>
-          <a:lstStyle/>
-          <a:p>
-            <a:r>
-              <a:rPr lang="mr-IN"/>
-              <a:t>03/10/2020</a:t>
-            </a:r>
-            <a:endParaRPr lang="en-US" dirty="0"/>
-          </a:p>
-        </p:txBody>
-      </p:sp>
-      <p:sp>
-        <p:nvSpPr>
-          <p:cNvPr id="6" name="Slide Number Placeholder 5">
-            <a:extLst>
-              <a:ext uri="{FF2B5EF4-FFF2-40B4-BE49-F238E27FC236}">
-                <a16:creationId xmlns:a16="http://schemas.microsoft.com/office/drawing/2014/main" id="{B0F79584-FA4D-B748-A78C-641EF66191F0}"/>
-              </a:ext>
-            </a:extLst>
-          </p:cNvPr>
-          <p:cNvSpPr>
-            <a:spLocks noGrp="1"/>
-          </p:cNvSpPr>
-          <p:nvPr>
-            <p:ph type="sldNum" sz="quarter" idx="12"/>
-          </p:nvPr>
-        </p:nvSpPr>
-        <p:spPr/>
-        <p:txBody>
-          <a:bodyPr/>
-          <a:lstStyle/>
-          <a:p>
-            <a:fld id="{1D5CD492-2BC6-F348-9965-EC1D86DF57A8}" type="slidenum">
-              <a:rPr lang="en-US" smtClean="0"/>
-              <a:t>15</a:t>
-            </a:fld>
-            <a:endParaRPr lang="en-US"/>
-          </a:p>
-        </p:txBody>
-      </p:sp>
-    </p:spTree>
-    <p:extLst>
-      <p:ext uri="{BB962C8B-B14F-4D97-AF65-F5344CB8AC3E}">
-        <p14:creationId xmlns:p14="http://schemas.microsoft.com/office/powerpoint/2010/main" val="2960818013"/>
-      </p:ext>
-    </p:extLst>
-  </p:cSld>
-  <p:clrMapOvr>
-    <a:masterClrMapping/>
-  </p:clrMapOvr>
-  <p:transition spd="med">
-    <p:wipe dir="r"/>
-  </p:transition>
-</p:sld>
-</file>
-
-<file path=ppt/slides/slide2.xml><?xml version="1.0" encoding="utf-8"?>
-<p:sld xmlns:a="http://schemas.openxmlformats.org/drawingml/2006/main" xmlns:r="http://schemas.openxmlformats.org/officeDocument/2006/relationships" xmlns:p="http://schemas.openxmlformats.org/presentationml/2006/main">
-  <p:cSld>
-    <p:spTree>
-      <p:nvGrpSpPr>
-        <p:cNvPr id="1" name=""/>
-        <p:cNvGrpSpPr/>
-        <p:nvPr/>
-      </p:nvGrpSpPr>
-      <p:grpSpPr>
-        <a:xfrm>
-          <a:off x="0" y="0"/>
-          <a:ext cx="0" cy="0"/>
-          <a:chOff x="0" y="0"/>
-          <a:chExt cx="0" cy="0"/>
-        </a:xfrm>
-      </p:grpSpPr>
-      <p:sp>
-        <p:nvSpPr>
-          <p:cNvPr id="2" name="Title 1"/>
-          <p:cNvSpPr>
-            <a:spLocks noGrp="1"/>
-          </p:cNvSpPr>
-          <p:nvPr>
-            <p:ph type="title"/>
-          </p:nvPr>
-        </p:nvSpPr>
-        <p:spPr/>
-        <p:txBody>
-          <a:bodyPr/>
-          <a:lstStyle/>
-          <a:p>
-            <a:r>
-              <a:rPr lang="en-US" dirty="0"/>
-              <a:t>Today’s topic</a:t>
-            </a:r>
-          </a:p>
-        </p:txBody>
-      </p:sp>
-      <p:sp>
-        <p:nvSpPr>
-          <p:cNvPr id="3" name="Content Placeholder 2"/>
-          <p:cNvSpPr>
-            <a:spLocks noGrp="1"/>
-          </p:cNvSpPr>
-          <p:nvPr>
-            <p:ph idx="1"/>
-          </p:nvPr>
-        </p:nvSpPr>
-        <p:spPr/>
-        <p:txBody>
-          <a:bodyPr/>
-          <a:lstStyle/>
-          <a:p>
-            <a:r>
-              <a:rPr lang="en-US" dirty="0"/>
-              <a:t>Class, Object, Interface, Abstract Class Review</a:t>
-            </a:r>
-          </a:p>
-          <a:p>
-            <a:r>
-              <a:rPr lang="en-US" dirty="0"/>
-              <a:t>Inheritance review in Java</a:t>
-            </a:r>
-          </a:p>
-          <a:p>
-            <a:r>
-              <a:rPr lang="en-US" dirty="0"/>
-              <a:t>Examples</a:t>
-            </a:r>
-          </a:p>
-        </p:txBody>
-      </p:sp>
-      <p:sp>
-        <p:nvSpPr>
-          <p:cNvPr id="7" name="Footer Placeholder 6"/>
-          <p:cNvSpPr>
-            <a:spLocks noGrp="1"/>
-          </p:cNvSpPr>
-          <p:nvPr>
-            <p:ph type="ftr" sz="quarter" idx="10"/>
-          </p:nvPr>
-        </p:nvSpPr>
-        <p:spPr/>
-        <p:txBody>
-          <a:bodyPr/>
-          <a:lstStyle/>
-          <a:p>
-            <a:r>
-              <a:rPr lang="en-US" dirty="0"/>
-              <a:t>Lecture 3: OOP</a:t>
-            </a:r>
-          </a:p>
-        </p:txBody>
-      </p:sp>
-      <p:sp>
-        <p:nvSpPr>
-          <p:cNvPr id="8" name="Date Placeholder 7"/>
-          <p:cNvSpPr>
-            <a:spLocks noGrp="1"/>
-          </p:cNvSpPr>
-          <p:nvPr>
-            <p:ph type="dt" sz="half" idx="11"/>
-          </p:nvPr>
-        </p:nvSpPr>
-        <p:spPr/>
-        <p:txBody>
-          <a:bodyPr/>
-          <a:lstStyle/>
-          <a:p>
-            <a:r>
-              <a:rPr lang="en-GB" dirty="0"/>
-              <a:t>03/10/2020</a:t>
-            </a:r>
-            <a:endParaRPr lang="en-US" dirty="0"/>
-          </a:p>
-        </p:txBody>
-      </p:sp>
-      <p:sp>
-        <p:nvSpPr>
-          <p:cNvPr id="9" name="Slide Number Placeholder 8"/>
-          <p:cNvSpPr>
-            <a:spLocks noGrp="1"/>
-          </p:cNvSpPr>
-          <p:nvPr>
-            <p:ph type="sldNum" sz="quarter" idx="12"/>
-          </p:nvPr>
-        </p:nvSpPr>
-        <p:spPr/>
-        <p:txBody>
-          <a:bodyPr/>
-          <a:lstStyle/>
-          <a:p>
-            <a:fld id="{1D5CD492-2BC6-F348-9965-EC1D86DF57A8}" type="slidenum">
-              <a:rPr lang="en-US" smtClean="0"/>
-              <a:t>2</a:t>
-            </a:fld>
-            <a:endParaRPr lang="en-US"/>
-          </a:p>
-        </p:txBody>
-      </p:sp>
-    </p:spTree>
-  </p:cSld>
-  <p:clrMapOvr>
-    <a:masterClrMapping/>
-  </p:clrMapOvr>
-  <p:transition spd="med">
-    <p:wipe dir="r"/>
-  </p:transition>
-</p:sld>
-</file>
-
-<file path=ppt/slides/slide3.xml><?xml version="1.0" encoding="utf-8"?>
-<p:sld xmlns:a="http://schemas.openxmlformats.org/drawingml/2006/main" xmlns:r="http://schemas.openxmlformats.org/officeDocument/2006/relationships" xmlns:p="http://schemas.openxmlformats.org/presentationml/2006/main">
-  <p:cSld>
-    <p:spTree>
-      <p:nvGrpSpPr>
-        <p:cNvPr id="1" name=""/>
-        <p:cNvGrpSpPr/>
-        <p:nvPr/>
-      </p:nvGrpSpPr>
-      <p:grpSpPr>
-        <a:xfrm>
-          <a:off x="0" y="0"/>
-          <a:ext cx="0" cy="0"/>
-          <a:chOff x="0" y="0"/>
-          <a:chExt cx="0" cy="0"/>
-        </a:xfrm>
-      </p:grpSpPr>
-      <p:sp>
-        <p:nvSpPr>
-          <p:cNvPr id="2" name="Title 1"/>
-          <p:cNvSpPr>
-            <a:spLocks noGrp="1"/>
-          </p:cNvSpPr>
-          <p:nvPr>
-            <p:ph type="title"/>
-          </p:nvPr>
-        </p:nvSpPr>
-        <p:spPr/>
-        <p:txBody>
-          <a:bodyPr/>
-          <a:lstStyle/>
-          <a:p>
-            <a:r>
-              <a:rPr lang="en-US" dirty="0"/>
-              <a:t>Class</a:t>
-            </a:r>
-          </a:p>
-        </p:txBody>
-      </p:sp>
-      <p:sp>
-        <p:nvSpPr>
-          <p:cNvPr id="3" name="Content Placeholder 2"/>
-          <p:cNvSpPr>
-            <a:spLocks noGrp="1"/>
-          </p:cNvSpPr>
-          <p:nvPr>
-            <p:ph idx="1"/>
-          </p:nvPr>
-        </p:nvSpPr>
-        <p:spPr/>
-        <p:txBody>
-          <a:bodyPr/>
-          <a:lstStyle/>
-          <a:p>
-            <a:pPr>
-              <a:defRPr/>
-            </a:pPr>
-            <a:r>
-              <a:rPr lang="en-US" altLang="x-none" dirty="0"/>
-              <a:t>Class is template to create object (instance)</a:t>
-            </a:r>
-          </a:p>
-          <a:p>
-            <a:pPr>
-              <a:defRPr/>
-            </a:pPr>
-            <a:r>
-              <a:rPr lang="en-US" altLang="x-none" dirty="0"/>
-              <a:t>field = instance variable = attribute = property = state</a:t>
-            </a:r>
-          </a:p>
-          <a:p>
-            <a:pPr>
-              <a:defRPr/>
-            </a:pPr>
-            <a:r>
-              <a:rPr lang="en-US" altLang="x-none" dirty="0"/>
-              <a:t>method = function = operation = behavior</a:t>
-            </a:r>
-          </a:p>
-          <a:p>
-            <a:pPr>
-              <a:defRPr/>
-            </a:pPr>
-            <a:r>
-              <a:rPr lang="en-US" altLang="x-none" dirty="0"/>
-              <a:t>sending a message to an object =</a:t>
-            </a:r>
-            <a:br>
-              <a:rPr lang="en-US" altLang="x-none" dirty="0"/>
-            </a:br>
-            <a:r>
-              <a:rPr lang="en-US" altLang="x-none" dirty="0"/>
-              <a:t>  calling a function</a:t>
-            </a:r>
-          </a:p>
-          <a:p>
-            <a:pPr>
-              <a:defRPr/>
-            </a:pPr>
-            <a:r>
-              <a:rPr lang="en-US" altLang="x-none" dirty="0"/>
-              <a:t>These are all </a:t>
-            </a:r>
-            <a:r>
-              <a:rPr lang="en-US" altLang="x-none" i="1" dirty="0"/>
-              <a:t>approximately</a:t>
-            </a:r>
-            <a:r>
-              <a:rPr lang="en-US" altLang="x-none" dirty="0"/>
-              <a:t> true</a:t>
-            </a:r>
-          </a:p>
-          <a:p>
-            <a:r>
-              <a:rPr lang="sv-SE" dirty="0">
-                <a:hlinkClick r:id="rId2"/>
-              </a:rPr>
-              <a:t>https://www.javatpoint.com/java-oops-concepts</a:t>
-            </a:r>
-            <a:endParaRPr lang="sv-SE" dirty="0"/>
-          </a:p>
-          <a:p>
-            <a:r>
-              <a:rPr lang="sv-SE" dirty="0">
-                <a:hlinkClick r:id="rId3"/>
-              </a:rPr>
-              <a:t>https://www.javatpoint.com/object-and-class-in-java</a:t>
-            </a:r>
-            <a:endParaRPr lang="en-US" altLang="x-none" dirty="0"/>
-          </a:p>
-          <a:p>
-            <a:endParaRPr lang="en-US" dirty="0"/>
-          </a:p>
-        </p:txBody>
-      </p:sp>
-      <p:sp>
-        <p:nvSpPr>
-          <p:cNvPr id="4" name="Footer Placeholder 3"/>
-          <p:cNvSpPr>
-            <a:spLocks noGrp="1"/>
-          </p:cNvSpPr>
-          <p:nvPr>
-            <p:ph type="ftr" sz="quarter" idx="10"/>
-          </p:nvPr>
-        </p:nvSpPr>
-        <p:spPr/>
-        <p:txBody>
-          <a:bodyPr/>
-          <a:lstStyle/>
-          <a:p>
-            <a:r>
-              <a:rPr lang="en-US" dirty="0"/>
-              <a:t>Lecture 3: OOP</a:t>
-            </a:r>
-          </a:p>
-        </p:txBody>
-      </p:sp>
-      <p:sp>
-        <p:nvSpPr>
-          <p:cNvPr id="5" name="Date Placeholder 4"/>
-          <p:cNvSpPr>
-            <a:spLocks noGrp="1"/>
-          </p:cNvSpPr>
-          <p:nvPr>
-            <p:ph type="dt" sz="half" idx="11"/>
-          </p:nvPr>
-        </p:nvSpPr>
-        <p:spPr/>
-        <p:txBody>
-          <a:bodyPr/>
-          <a:lstStyle/>
-          <a:p>
-            <a:r>
-              <a:rPr lang="mr-IN" dirty="0"/>
-              <a:t>03/10/2020</a:t>
-            </a:r>
-            <a:endParaRPr lang="en-US" dirty="0"/>
-          </a:p>
-        </p:txBody>
-      </p:sp>
-      <p:sp>
-        <p:nvSpPr>
-          <p:cNvPr id="6" name="Slide Number Placeholder 5"/>
-          <p:cNvSpPr>
-            <a:spLocks noGrp="1"/>
-          </p:cNvSpPr>
-          <p:nvPr>
-            <p:ph type="sldNum" sz="quarter" idx="12"/>
-          </p:nvPr>
-        </p:nvSpPr>
-        <p:spPr/>
-        <p:txBody>
-          <a:bodyPr/>
-          <a:lstStyle/>
-          <a:p>
-            <a:fld id="{1D5CD492-2BC6-F348-9965-EC1D86DF57A8}" type="slidenum">
-              <a:rPr lang="en-US" smtClean="0"/>
-              <a:t>3</a:t>
-            </a:fld>
-            <a:endParaRPr lang="en-US"/>
-          </a:p>
-        </p:txBody>
-      </p:sp>
-    </p:spTree>
-    <p:extLst>
-      <p:ext uri="{BB962C8B-B14F-4D97-AF65-F5344CB8AC3E}">
-        <p14:creationId xmlns:p14="http://schemas.microsoft.com/office/powerpoint/2010/main" val="1520294458"/>
-      </p:ext>
-    </p:extLst>
-  </p:cSld>
-  <p:clrMapOvr>
-    <a:masterClrMapping/>
-  </p:clrMapOvr>
-  <p:transition spd="med">
-    <p:wipe dir="r"/>
-  </p:transition>
-</p:sld>
-</file>
-
-<file path=ppt/slides/slide4.xml><?xml version="1.0" encoding="utf-8"?>
-<p:sld xmlns:a="http://schemas.openxmlformats.org/drawingml/2006/main" xmlns:r="http://schemas.openxmlformats.org/officeDocument/2006/relationships" xmlns:p="http://schemas.openxmlformats.org/presentationml/2006/main">
-  <p:cSld>
-    <p:spTree>
-      <p:nvGrpSpPr>
-        <p:cNvPr id="1" name=""/>
-        <p:cNvGrpSpPr/>
-        <p:nvPr/>
-      </p:nvGrpSpPr>
-      <p:grpSpPr>
-        <a:xfrm>
-          <a:off x="0" y="0"/>
-          <a:ext cx="0" cy="0"/>
-          <a:chOff x="0" y="0"/>
-          <a:chExt cx="0" cy="0"/>
-        </a:xfrm>
-      </p:grpSpPr>
-      <p:sp>
-        <p:nvSpPr>
-          <p:cNvPr id="2" name="Title 1"/>
-          <p:cNvSpPr>
-            <a:spLocks noGrp="1"/>
-          </p:cNvSpPr>
-          <p:nvPr>
-            <p:ph type="title"/>
-          </p:nvPr>
-        </p:nvSpPr>
-        <p:spPr/>
-        <p:txBody>
-          <a:bodyPr/>
-          <a:lstStyle/>
-          <a:p>
-            <a:r>
-              <a:rPr lang="en-US" dirty="0"/>
-              <a:t>Class &amp; Instance examples</a:t>
-            </a:r>
-          </a:p>
-        </p:txBody>
-      </p:sp>
-      <p:sp>
-        <p:nvSpPr>
-          <p:cNvPr id="3" name="Content Placeholder 2"/>
-          <p:cNvSpPr>
-            <a:spLocks noGrp="1"/>
-          </p:cNvSpPr>
-          <p:nvPr>
-            <p:ph idx="1"/>
-          </p:nvPr>
-        </p:nvSpPr>
-        <p:spPr>
-          <a:xfrm>
-            <a:off x="457200" y="1600200"/>
-            <a:ext cx="8229600" cy="4756150"/>
-          </a:xfrm>
-        </p:spPr>
-        <p:txBody>
-          <a:bodyPr numCol="2"/>
-          <a:lstStyle/>
-          <a:p>
-            <a:pPr marL="0" marR="0" lvl="0" indent="0" defTabSz="914400" eaLnBrk="1" fontAlgn="auto" latinLnBrk="0" hangingPunct="1">
-              <a:lnSpc>
-                <a:spcPct val="100000"/>
-              </a:lnSpc>
-              <a:spcBef>
-                <a:spcPts val="0"/>
-              </a:spcBef>
-              <a:spcAft>
-                <a:spcPts val="0"/>
-              </a:spcAft>
-              <a:buClrTx/>
-              <a:buSzTx/>
-              <a:buFontTx/>
-              <a:buNone/>
-              <a:tabLst/>
-              <a:defRPr/>
-            </a:pPr>
-            <a:r>
-              <a:rPr lang="en-US" sz="1400" dirty="0"/>
-              <a:t>public class Person {</a:t>
-            </a:r>
-          </a:p>
-          <a:p>
-            <a:pPr marL="0" marR="0" lvl="0" indent="0" defTabSz="914400" eaLnBrk="1" fontAlgn="auto" latinLnBrk="0" hangingPunct="1">
-              <a:lnSpc>
-                <a:spcPct val="100000"/>
-              </a:lnSpc>
-              <a:spcBef>
-                <a:spcPts val="0"/>
-              </a:spcBef>
-              <a:spcAft>
-                <a:spcPts val="0"/>
-              </a:spcAft>
-              <a:buClrTx/>
-              <a:buSzTx/>
-              <a:buFontTx/>
-              <a:buNone/>
-              <a:tabLst/>
-              <a:defRPr/>
-            </a:pPr>
-            <a:r>
-              <a:rPr lang="en-US" sz="1400" dirty="0"/>
-              <a:t>     public String name;// public property</a:t>
-            </a:r>
-          </a:p>
-          <a:p>
-            <a:pPr marL="0" marR="0" lvl="0" indent="0" defTabSz="914400" eaLnBrk="1" fontAlgn="auto" latinLnBrk="0" hangingPunct="1">
-              <a:lnSpc>
-                <a:spcPct val="100000"/>
-              </a:lnSpc>
-              <a:spcBef>
-                <a:spcPts val="0"/>
-              </a:spcBef>
-              <a:spcAft>
-                <a:spcPts val="0"/>
-              </a:spcAft>
-              <a:buClrTx/>
-              <a:buSzTx/>
-              <a:buFontTx/>
-              <a:buNone/>
-              <a:tabLst/>
-              <a:defRPr/>
-            </a:pPr>
-            <a:r>
-              <a:rPr lang="en-US" sz="1400" dirty="0"/>
-              <a:t>     private </a:t>
-            </a:r>
-            <a:r>
-              <a:rPr lang="en-US" sz="1400" dirty="0" err="1"/>
-              <a:t>int</a:t>
-            </a:r>
-            <a:r>
-              <a:rPr lang="en-US" sz="1400" dirty="0"/>
-              <a:t> weight;    // private property</a:t>
-            </a:r>
-          </a:p>
-          <a:p>
-            <a:pPr marL="0" marR="0" lvl="0" indent="0" defTabSz="914400" eaLnBrk="1" fontAlgn="auto" latinLnBrk="0" hangingPunct="1">
-              <a:lnSpc>
-                <a:spcPct val="100000"/>
-              </a:lnSpc>
-              <a:spcBef>
-                <a:spcPts val="0"/>
-              </a:spcBef>
-              <a:spcAft>
-                <a:spcPts val="0"/>
-              </a:spcAft>
-              <a:buClrTx/>
-              <a:buSzTx/>
-              <a:buFontTx/>
-              <a:buNone/>
-              <a:tabLst/>
-              <a:defRPr/>
-            </a:pPr>
-            <a:r>
-              <a:rPr lang="en-US" sz="1400" dirty="0"/>
-              <a:t>     protected </a:t>
-            </a:r>
-            <a:r>
-              <a:rPr lang="en-US" sz="1400" dirty="0" err="1"/>
-              <a:t>int</a:t>
-            </a:r>
-            <a:r>
-              <a:rPr lang="en-US" sz="1400" dirty="0"/>
-              <a:t> health;</a:t>
-            </a:r>
-          </a:p>
-          <a:p>
-            <a:pPr marL="0" marR="0" lvl="0" indent="0" defTabSz="914400" eaLnBrk="1" fontAlgn="auto" latinLnBrk="0" hangingPunct="1">
-              <a:lnSpc>
-                <a:spcPct val="100000"/>
-              </a:lnSpc>
-              <a:spcBef>
-                <a:spcPts val="0"/>
-              </a:spcBef>
-              <a:spcAft>
-                <a:spcPts val="0"/>
-              </a:spcAft>
-              <a:buClrTx/>
-              <a:buSzTx/>
-              <a:buFontTx/>
-              <a:buNone/>
-              <a:tabLst/>
-              <a:defRPr/>
-            </a:pPr>
-            <a:r>
-              <a:rPr lang="en-US" sz="1400" dirty="0"/>
-              <a:t>     public void eat() {</a:t>
-            </a:r>
-          </a:p>
-          <a:p>
-            <a:pPr marL="0" lvl="0" indent="0" defTabSz="914400" fontAlgn="auto">
-              <a:spcBef>
-                <a:spcPts val="0"/>
-              </a:spcBef>
-              <a:spcAft>
-                <a:spcPts val="0"/>
-              </a:spcAft>
-              <a:buNone/>
-            </a:pPr>
-            <a:r>
-              <a:rPr lang="en-US" sz="1400" dirty="0"/>
-              <a:t>          weight = weight + 1;</a:t>
-            </a:r>
-          </a:p>
-          <a:p>
-            <a:pPr marL="0" lvl="0" indent="0" defTabSz="914400" fontAlgn="auto">
-              <a:spcBef>
-                <a:spcPts val="0"/>
-              </a:spcBef>
-              <a:spcAft>
-                <a:spcPts val="0"/>
-              </a:spcAft>
-              <a:buNone/>
-            </a:pPr>
-            <a:r>
-              <a:rPr lang="en-US" sz="1400" dirty="0"/>
-              <a:t> </a:t>
-            </a:r>
-            <a:r>
-              <a:rPr lang="en-US" sz="1400" dirty="0" err="1"/>
-              <a:t>increaseHealth</a:t>
-            </a:r>
-            <a:r>
-              <a:rPr lang="en-US" sz="1400" dirty="0"/>
-              <a:t>(); </a:t>
-            </a:r>
-            <a:r>
-              <a:rPr lang="en-US" sz="1400" dirty="0" err="1"/>
-              <a:t>increaseHealth</a:t>
-            </a:r>
-            <a:r>
-              <a:rPr lang="en-US" sz="1400" dirty="0"/>
-              <a:t>();</a:t>
-            </a:r>
-          </a:p>
-          <a:p>
-            <a:pPr marL="0" marR="0" lvl="0" indent="0" defTabSz="914400" eaLnBrk="1" fontAlgn="auto" latinLnBrk="0" hangingPunct="1">
-              <a:lnSpc>
-                <a:spcPct val="100000"/>
-              </a:lnSpc>
-              <a:spcBef>
-                <a:spcPts val="0"/>
-              </a:spcBef>
-              <a:spcAft>
-                <a:spcPts val="0"/>
-              </a:spcAft>
-              <a:buClrTx/>
-              <a:buSzTx/>
-              <a:buFontTx/>
-              <a:buNone/>
-              <a:tabLst/>
-              <a:defRPr/>
-            </a:pPr>
-            <a:r>
-              <a:rPr lang="en-US" sz="1400" dirty="0"/>
-              <a:t>     }</a:t>
-            </a:r>
-          </a:p>
-          <a:p>
-            <a:pPr marL="0" marR="0" lvl="0" indent="0" defTabSz="914400" eaLnBrk="1" fontAlgn="auto" latinLnBrk="0" hangingPunct="1">
-              <a:lnSpc>
-                <a:spcPct val="100000"/>
-              </a:lnSpc>
-              <a:spcBef>
-                <a:spcPts val="0"/>
-              </a:spcBef>
-              <a:spcAft>
-                <a:spcPts val="0"/>
-              </a:spcAft>
-              <a:buClrTx/>
-              <a:buSzTx/>
-              <a:buFontTx/>
-              <a:buNone/>
-              <a:tabLst/>
-              <a:defRPr/>
-            </a:pPr>
-            <a:r>
-              <a:rPr lang="en-US" sz="1400" dirty="0"/>
-              <a:t>     public </a:t>
-            </a:r>
-            <a:r>
-              <a:rPr lang="en-US" sz="1400" dirty="0" err="1"/>
-              <a:t>int</a:t>
-            </a:r>
-            <a:r>
-              <a:rPr lang="en-US" sz="1400" dirty="0"/>
-              <a:t> </a:t>
-            </a:r>
-            <a:r>
-              <a:rPr lang="en-US" sz="1400" dirty="0" err="1"/>
-              <a:t>getPower</a:t>
-            </a:r>
-            <a:r>
-              <a:rPr lang="en-US" sz="1400" dirty="0"/>
-              <a:t>() {</a:t>
-            </a:r>
-          </a:p>
-          <a:p>
-            <a:pPr marL="0" lvl="0" indent="0" defTabSz="914400" fontAlgn="auto">
-              <a:spcBef>
-                <a:spcPts val="0"/>
-              </a:spcBef>
-              <a:spcAft>
-                <a:spcPts val="0"/>
-              </a:spcAft>
-              <a:buNone/>
-            </a:pPr>
-            <a:r>
-              <a:rPr lang="en-US" sz="1400" dirty="0"/>
-              <a:t>        return weight;</a:t>
-            </a:r>
-          </a:p>
-          <a:p>
-            <a:pPr marL="0" marR="0" lvl="0" indent="0" defTabSz="914400" eaLnBrk="1" fontAlgn="auto" latinLnBrk="0" hangingPunct="1">
-              <a:lnSpc>
-                <a:spcPct val="100000"/>
-              </a:lnSpc>
-              <a:spcBef>
-                <a:spcPts val="0"/>
-              </a:spcBef>
-              <a:spcAft>
-                <a:spcPts val="0"/>
-              </a:spcAft>
-              <a:buClrTx/>
-              <a:buSzTx/>
-              <a:buFontTx/>
-              <a:buNone/>
-              <a:tabLst/>
-              <a:defRPr/>
-            </a:pPr>
-            <a:r>
-              <a:rPr lang="en-US" sz="1400" dirty="0"/>
-              <a:t>     }</a:t>
-            </a:r>
-          </a:p>
-          <a:p>
-            <a:pPr marL="0" marR="0" lvl="0" indent="0" defTabSz="914400" eaLnBrk="1" fontAlgn="auto" latinLnBrk="0" hangingPunct="1">
-              <a:lnSpc>
-                <a:spcPct val="100000"/>
-              </a:lnSpc>
-              <a:spcBef>
-                <a:spcPts val="0"/>
-              </a:spcBef>
-              <a:spcAft>
-                <a:spcPts val="0"/>
-              </a:spcAft>
-              <a:buClrTx/>
-              <a:buSzTx/>
-              <a:buFontTx/>
-              <a:buNone/>
-              <a:tabLst/>
-              <a:defRPr/>
-            </a:pPr>
-            <a:r>
-              <a:rPr lang="en-US" sz="1400" dirty="0"/>
-              <a:t>     protected </a:t>
-            </a:r>
-            <a:r>
-              <a:rPr lang="en-US" sz="1400" dirty="0" err="1"/>
-              <a:t>int</a:t>
-            </a:r>
-            <a:r>
-              <a:rPr lang="en-US" sz="1400" dirty="0"/>
-              <a:t> </a:t>
-            </a:r>
-            <a:r>
-              <a:rPr lang="en-US" sz="1400" dirty="0" err="1"/>
-              <a:t>increaseHealth</a:t>
-            </a:r>
-            <a:r>
-              <a:rPr lang="en-US" sz="1400" dirty="0"/>
-              <a:t>() {</a:t>
-            </a:r>
-          </a:p>
-          <a:p>
-            <a:pPr marL="0" marR="0" lvl="0" indent="0" defTabSz="914400" eaLnBrk="1" fontAlgn="auto" latinLnBrk="0" hangingPunct="1">
-              <a:lnSpc>
-                <a:spcPct val="100000"/>
-              </a:lnSpc>
-              <a:spcBef>
-                <a:spcPts val="0"/>
-              </a:spcBef>
-              <a:spcAft>
-                <a:spcPts val="0"/>
-              </a:spcAft>
-              <a:buClrTx/>
-              <a:buSzTx/>
-              <a:buFontTx/>
-              <a:buNone/>
-              <a:tabLst/>
-              <a:defRPr/>
-            </a:pPr>
-            <a:r>
-              <a:rPr lang="en-US" sz="1400" dirty="0"/>
-              <a:t>        health = </a:t>
-            </a:r>
-            <a:r>
-              <a:rPr lang="en-US" sz="1400" dirty="0" err="1"/>
-              <a:t>getHealth</a:t>
-            </a:r>
-            <a:r>
-              <a:rPr lang="en-US" sz="1400" dirty="0"/>
-              <a:t>() + 1;</a:t>
-            </a:r>
-          </a:p>
-          <a:p>
-            <a:pPr marL="0" marR="0" lvl="0" indent="0" defTabSz="914400" eaLnBrk="1" fontAlgn="auto" latinLnBrk="0" hangingPunct="1">
-              <a:lnSpc>
-                <a:spcPct val="100000"/>
-              </a:lnSpc>
-              <a:spcBef>
-                <a:spcPts val="0"/>
-              </a:spcBef>
-              <a:spcAft>
-                <a:spcPts val="0"/>
-              </a:spcAft>
-              <a:buClrTx/>
-              <a:buSzTx/>
-              <a:buFontTx/>
-              <a:buNone/>
-              <a:tabLst/>
-              <a:defRPr/>
-            </a:pPr>
-            <a:r>
-              <a:rPr lang="en-US" sz="1400" dirty="0"/>
-              <a:t>     }</a:t>
-            </a:r>
-          </a:p>
-          <a:p>
-            <a:pPr marL="0" marR="0" lvl="0" indent="0" defTabSz="914400" eaLnBrk="1" fontAlgn="auto" latinLnBrk="0" hangingPunct="1">
-              <a:lnSpc>
-                <a:spcPct val="100000"/>
-              </a:lnSpc>
-              <a:spcBef>
-                <a:spcPts val="0"/>
-              </a:spcBef>
-              <a:spcAft>
-                <a:spcPts val="0"/>
-              </a:spcAft>
-              <a:buClrTx/>
-              <a:buSzTx/>
-              <a:buFontTx/>
-              <a:buNone/>
-              <a:tabLst/>
-              <a:defRPr/>
-            </a:pPr>
-            <a:r>
-              <a:rPr lang="en-US" sz="1400" dirty="0"/>
-              <a:t>     private </a:t>
-            </a:r>
-            <a:r>
-              <a:rPr lang="en-US" sz="1400" dirty="0" err="1"/>
-              <a:t>int</a:t>
-            </a:r>
-            <a:r>
-              <a:rPr lang="en-US" sz="1400" dirty="0"/>
-              <a:t> </a:t>
-            </a:r>
-            <a:r>
-              <a:rPr lang="en-US" sz="1400" dirty="0" err="1"/>
-              <a:t>getHealth</a:t>
-            </a:r>
-            <a:r>
-              <a:rPr lang="en-US" sz="1400" dirty="0"/>
-              <a:t>() {</a:t>
-            </a:r>
-          </a:p>
-          <a:p>
-            <a:pPr marL="0" marR="0" lvl="0" indent="0" defTabSz="914400" eaLnBrk="1" fontAlgn="auto" latinLnBrk="0" hangingPunct="1">
-              <a:lnSpc>
-                <a:spcPct val="100000"/>
-              </a:lnSpc>
-              <a:spcBef>
-                <a:spcPts val="0"/>
-              </a:spcBef>
-              <a:spcAft>
-                <a:spcPts val="0"/>
-              </a:spcAft>
-              <a:buClrTx/>
-              <a:buSzTx/>
-              <a:buFontTx/>
-              <a:buNone/>
-              <a:tabLst/>
-              <a:defRPr/>
-            </a:pPr>
-            <a:r>
-              <a:rPr lang="en-US" sz="1400" dirty="0"/>
-              <a:t>         return health;</a:t>
-            </a:r>
-          </a:p>
-          <a:p>
-            <a:pPr marL="0" marR="0" lvl="0" indent="0" defTabSz="914400" eaLnBrk="1" fontAlgn="auto" latinLnBrk="0" hangingPunct="1">
-              <a:lnSpc>
-                <a:spcPct val="100000"/>
-              </a:lnSpc>
-              <a:spcBef>
-                <a:spcPts val="0"/>
-              </a:spcBef>
-              <a:spcAft>
-                <a:spcPts val="0"/>
-              </a:spcAft>
-              <a:buClrTx/>
-              <a:buSzTx/>
-              <a:buFontTx/>
-              <a:buNone/>
-              <a:tabLst/>
-              <a:defRPr/>
-            </a:pPr>
-            <a:r>
-              <a:rPr lang="en-US" sz="1400" dirty="0"/>
-              <a:t>     }</a:t>
-            </a:r>
-          </a:p>
-          <a:p>
-            <a:pPr marL="0" marR="0" lvl="0" indent="0" defTabSz="914400" eaLnBrk="1" fontAlgn="auto" latinLnBrk="0" hangingPunct="1">
-              <a:lnSpc>
-                <a:spcPct val="100000"/>
-              </a:lnSpc>
-              <a:spcBef>
-                <a:spcPts val="0"/>
-              </a:spcBef>
-              <a:spcAft>
-                <a:spcPts val="0"/>
-              </a:spcAft>
-              <a:buClrTx/>
-              <a:buSzTx/>
-              <a:buFontTx/>
-              <a:buNone/>
-              <a:tabLst/>
-              <a:defRPr/>
-            </a:pPr>
-            <a:r>
-              <a:rPr lang="en-US" sz="1400" dirty="0"/>
-              <a:t>     public </a:t>
-            </a:r>
-            <a:r>
-              <a:rPr lang="en-US" sz="1400" dirty="0" err="1"/>
-              <a:t>int</a:t>
-            </a:r>
-            <a:r>
-              <a:rPr lang="en-US" sz="1400" dirty="0"/>
-              <a:t> health2() {</a:t>
-            </a:r>
-          </a:p>
-          <a:p>
-            <a:pPr marL="0" marR="0" lvl="0" indent="0" defTabSz="914400" eaLnBrk="1" fontAlgn="auto" latinLnBrk="0" hangingPunct="1">
-              <a:lnSpc>
-                <a:spcPct val="100000"/>
-              </a:lnSpc>
-              <a:spcBef>
-                <a:spcPts val="0"/>
-              </a:spcBef>
-              <a:spcAft>
-                <a:spcPts val="0"/>
-              </a:spcAft>
-              <a:buClrTx/>
-              <a:buSzTx/>
-              <a:buFontTx/>
-              <a:buNone/>
-              <a:tabLst/>
-              <a:defRPr/>
-            </a:pPr>
-            <a:r>
-              <a:rPr lang="en-US" sz="1400" dirty="0"/>
-              <a:t>       return health;</a:t>
-            </a:r>
-          </a:p>
-          <a:p>
-            <a:pPr marL="0" marR="0" lvl="0" indent="0" defTabSz="914400" eaLnBrk="1" fontAlgn="auto" latinLnBrk="0" hangingPunct="1">
-              <a:lnSpc>
-                <a:spcPct val="100000"/>
-              </a:lnSpc>
-              <a:spcBef>
-                <a:spcPts val="0"/>
-              </a:spcBef>
-              <a:spcAft>
-                <a:spcPts val="0"/>
-              </a:spcAft>
-              <a:buClrTx/>
-              <a:buSzTx/>
-              <a:buFontTx/>
-              <a:buNone/>
-              <a:tabLst/>
-              <a:defRPr/>
-            </a:pPr>
-            <a:r>
-              <a:rPr lang="en-US" sz="1400" dirty="0"/>
-              <a:t>    }</a:t>
-            </a:r>
-          </a:p>
-          <a:p>
-            <a:pPr marL="0" marR="0" lvl="0" indent="0" defTabSz="914400" eaLnBrk="1" fontAlgn="auto" latinLnBrk="0" hangingPunct="1">
-              <a:lnSpc>
-                <a:spcPct val="100000"/>
-              </a:lnSpc>
-              <a:spcBef>
-                <a:spcPts val="0"/>
-              </a:spcBef>
-              <a:spcAft>
-                <a:spcPts val="0"/>
-              </a:spcAft>
-              <a:buClrTx/>
-              <a:buSzTx/>
-              <a:buFontTx/>
-              <a:buNone/>
-              <a:tabLst/>
-              <a:defRPr/>
-            </a:pPr>
-            <a:r>
-              <a:rPr lang="en-US" sz="1400" dirty="0"/>
-              <a:t>}</a:t>
-            </a:r>
-          </a:p>
-          <a:p>
-            <a:pPr marL="0" lvl="0" indent="0" defTabSz="914400" fontAlgn="auto">
-              <a:spcBef>
-                <a:spcPts val="0"/>
-              </a:spcBef>
-              <a:spcAft>
-                <a:spcPts val="0"/>
-              </a:spcAft>
-              <a:buNone/>
-            </a:pPr>
-            <a:r>
-              <a:rPr lang="en-US" sz="1600" dirty="0"/>
-              <a:t>public class </a:t>
-            </a:r>
-            <a:r>
-              <a:rPr lang="en-US" sz="1600" dirty="0" err="1"/>
-              <a:t>PersonTest</a:t>
-            </a:r>
-            <a:r>
-              <a:rPr lang="en-US" sz="1600" dirty="0"/>
-              <a:t> {   </a:t>
-            </a:r>
-          </a:p>
-          <a:p>
-            <a:pPr marL="0" lvl="0" indent="0" defTabSz="914400" fontAlgn="auto">
-              <a:spcBef>
-                <a:spcPts val="0"/>
-              </a:spcBef>
-              <a:spcAft>
-                <a:spcPts val="0"/>
-              </a:spcAft>
-              <a:buNone/>
-            </a:pPr>
-            <a:r>
-              <a:rPr lang="en-US" sz="1600" dirty="0"/>
-              <a:t>  public static void main(String[] </a:t>
-            </a:r>
-            <a:r>
-              <a:rPr lang="en-US" sz="1600" dirty="0" err="1"/>
-              <a:t>args</a:t>
-            </a:r>
-            <a:r>
-              <a:rPr lang="en-US" sz="1600" dirty="0"/>
-              <a:t>) {      </a:t>
-            </a:r>
-          </a:p>
-          <a:p>
-            <a:pPr marL="0" lvl="0" indent="0" defTabSz="914400" fontAlgn="auto">
-              <a:spcBef>
-                <a:spcPts val="0"/>
-              </a:spcBef>
-              <a:spcAft>
-                <a:spcPts val="0"/>
-              </a:spcAft>
-              <a:buNone/>
-            </a:pPr>
-            <a:r>
-              <a:rPr lang="en-US" sz="1600" dirty="0"/>
-              <a:t>    Person </a:t>
-            </a:r>
-            <a:r>
-              <a:rPr lang="en-US" sz="1600" dirty="0" err="1"/>
-              <a:t>Hieu</a:t>
-            </a:r>
-            <a:r>
-              <a:rPr lang="en-US" sz="1600" dirty="0"/>
-              <a:t> = new Person(); </a:t>
-            </a:r>
-          </a:p>
-          <a:p>
-            <a:pPr marL="0" lvl="0" indent="0" defTabSz="914400" fontAlgn="auto">
-              <a:spcBef>
-                <a:spcPts val="0"/>
-              </a:spcBef>
-              <a:spcAft>
-                <a:spcPts val="0"/>
-              </a:spcAft>
-              <a:buNone/>
-            </a:pPr>
-            <a:r>
-              <a:rPr lang="en-US" sz="1600" dirty="0"/>
-              <a:t>    </a:t>
-            </a:r>
-            <a:r>
-              <a:rPr lang="en-US" sz="1600" dirty="0" err="1"/>
-              <a:t>Hieu.name</a:t>
-            </a:r>
-            <a:r>
-              <a:rPr lang="en-US" sz="1600" dirty="0"/>
-              <a:t> = "Duong Viet Minh </a:t>
-            </a:r>
-            <a:r>
-              <a:rPr lang="en-US" sz="1600" dirty="0" err="1"/>
-              <a:t>Hieu</a:t>
-            </a:r>
-            <a:r>
-              <a:rPr lang="en-US" sz="1600" dirty="0"/>
-              <a:t>";     </a:t>
-            </a:r>
-          </a:p>
-          <a:p>
-            <a:pPr marL="0" lvl="0" indent="0" defTabSz="914400" fontAlgn="auto">
-              <a:spcBef>
-                <a:spcPts val="0"/>
-              </a:spcBef>
-              <a:spcAft>
-                <a:spcPts val="0"/>
-              </a:spcAft>
-              <a:buNone/>
-            </a:pPr>
-            <a:r>
-              <a:rPr lang="en-US" sz="1600" dirty="0"/>
-              <a:t>    </a:t>
-            </a:r>
-            <a:r>
-              <a:rPr lang="en-US" sz="1600" dirty="0" err="1"/>
-              <a:t>System.out.println</a:t>
-            </a:r>
-            <a:r>
-              <a:rPr lang="en-US" sz="1600" dirty="0"/>
-              <a:t>(</a:t>
-            </a:r>
-            <a:r>
-              <a:rPr lang="en-US" sz="1600" dirty="0" err="1"/>
-              <a:t>Hieu.name</a:t>
-            </a:r>
-            <a:r>
-              <a:rPr lang="en-US" sz="1600" dirty="0"/>
-              <a:t>);    </a:t>
-            </a:r>
-          </a:p>
-          <a:p>
-            <a:pPr marL="0" lvl="0" indent="0" defTabSz="914400" fontAlgn="auto">
-              <a:spcBef>
-                <a:spcPts val="0"/>
-              </a:spcBef>
-              <a:spcAft>
-                <a:spcPts val="0"/>
-              </a:spcAft>
-              <a:buNone/>
-            </a:pPr>
-            <a:r>
-              <a:rPr lang="en-US" sz="1600" dirty="0"/>
-              <a:t>    </a:t>
-            </a:r>
-            <a:r>
-              <a:rPr lang="en-US" sz="1600" dirty="0" err="1"/>
-              <a:t>System.out.println</a:t>
-            </a:r>
-            <a:r>
-              <a:rPr lang="en-US" sz="1600" dirty="0"/>
-              <a:t>(</a:t>
-            </a:r>
-            <a:r>
-              <a:rPr lang="en-US" sz="1600" dirty="0" err="1"/>
-              <a:t>Hieu.getPower</a:t>
-            </a:r>
-            <a:r>
-              <a:rPr lang="en-US" sz="1600" dirty="0"/>
-              <a:t>());    </a:t>
-            </a:r>
-          </a:p>
-          <a:p>
-            <a:pPr marL="0" lvl="0" indent="0" defTabSz="914400" fontAlgn="auto">
-              <a:spcBef>
-                <a:spcPts val="0"/>
-              </a:spcBef>
-              <a:spcAft>
-                <a:spcPts val="0"/>
-              </a:spcAft>
-              <a:buNone/>
-            </a:pPr>
-            <a:r>
-              <a:rPr lang="en-US" sz="1600" dirty="0"/>
-              <a:t>    </a:t>
-            </a:r>
-            <a:r>
-              <a:rPr lang="en-US" sz="1600" dirty="0" err="1"/>
-              <a:t>Hieu.eat</a:t>
-            </a:r>
-            <a:r>
-              <a:rPr lang="en-US" sz="1600" dirty="0"/>
-              <a:t>();    </a:t>
-            </a:r>
-          </a:p>
-          <a:p>
-            <a:pPr marL="0" lvl="0" indent="0" defTabSz="914400" fontAlgn="auto">
-              <a:spcBef>
-                <a:spcPts val="0"/>
-              </a:spcBef>
-              <a:spcAft>
-                <a:spcPts val="0"/>
-              </a:spcAft>
-              <a:buNone/>
-            </a:pPr>
-            <a:r>
-              <a:rPr lang="en-US" sz="1600" dirty="0"/>
-              <a:t>    </a:t>
-            </a:r>
-            <a:r>
-              <a:rPr lang="en-US" sz="1600" dirty="0" err="1"/>
-              <a:t>System.out.println</a:t>
-            </a:r>
-            <a:r>
-              <a:rPr lang="en-US" sz="1600" dirty="0"/>
-              <a:t>(</a:t>
-            </a:r>
-            <a:r>
-              <a:rPr lang="en-US" sz="1600" dirty="0" err="1"/>
-              <a:t>Hieu.getPower</a:t>
-            </a:r>
-            <a:r>
-              <a:rPr lang="en-US" sz="1600" dirty="0"/>
-              <a:t>());         </a:t>
-            </a:r>
-          </a:p>
-          <a:p>
-            <a:pPr marL="0" lvl="0" indent="0" defTabSz="914400" fontAlgn="auto">
-              <a:spcBef>
-                <a:spcPts val="0"/>
-              </a:spcBef>
-              <a:spcAft>
-                <a:spcPts val="0"/>
-              </a:spcAft>
-              <a:buNone/>
-            </a:pPr>
-            <a:r>
-              <a:rPr lang="en-US" sz="1600" dirty="0"/>
-              <a:t>    </a:t>
-            </a:r>
-            <a:r>
-              <a:rPr lang="en-US" sz="1600" dirty="0" err="1"/>
-              <a:t>Hieu.eat</a:t>
-            </a:r>
-            <a:r>
-              <a:rPr lang="en-US" sz="1600" dirty="0"/>
-              <a:t>(); </a:t>
-            </a:r>
-            <a:r>
-              <a:rPr lang="en-US" sz="1600" dirty="0" err="1"/>
-              <a:t>Hieu.eat</a:t>
-            </a:r>
-            <a:r>
-              <a:rPr lang="en-US" sz="1600" dirty="0"/>
-              <a:t>(); </a:t>
-            </a:r>
-            <a:r>
-              <a:rPr lang="en-US" sz="1600" dirty="0" err="1"/>
-              <a:t>Hieu.eat</a:t>
-            </a:r>
-            <a:r>
-              <a:rPr lang="en-US" sz="1600" dirty="0"/>
-              <a:t>();    </a:t>
-            </a:r>
-          </a:p>
-          <a:p>
-            <a:pPr marL="0" lvl="0" indent="0" defTabSz="914400" fontAlgn="auto">
-              <a:spcBef>
-                <a:spcPts val="0"/>
-              </a:spcBef>
-              <a:spcAft>
-                <a:spcPts val="0"/>
-              </a:spcAft>
-              <a:buNone/>
-            </a:pPr>
-            <a:r>
-              <a:rPr lang="en-US" sz="1600" dirty="0"/>
-              <a:t>    </a:t>
-            </a:r>
-            <a:r>
-              <a:rPr lang="en-US" sz="1600" dirty="0" err="1"/>
-              <a:t>System.out.println</a:t>
-            </a:r>
-            <a:r>
-              <a:rPr lang="en-US" sz="1600" dirty="0"/>
-              <a:t>(</a:t>
-            </a:r>
-            <a:r>
-              <a:rPr lang="en-US" sz="1600" dirty="0" err="1"/>
-              <a:t>Hieu.getPower</a:t>
-            </a:r>
-            <a:r>
-              <a:rPr lang="en-US" sz="1600" dirty="0"/>
-              <a:t>());</a:t>
-            </a:r>
-          </a:p>
-          <a:p>
-            <a:pPr marL="0" lvl="0" indent="0" defTabSz="914400" fontAlgn="auto">
-              <a:spcBef>
-                <a:spcPts val="0"/>
-              </a:spcBef>
-              <a:spcAft>
-                <a:spcPts val="0"/>
-              </a:spcAft>
-              <a:buNone/>
-            </a:pPr>
-            <a:r>
-              <a:rPr lang="en-US" sz="1600" dirty="0"/>
-              <a:t>    //Cannot call </a:t>
-            </a:r>
-            <a:r>
-              <a:rPr lang="en-US" sz="1600" dirty="0" err="1"/>
-              <a:t>increaseHealth</a:t>
-            </a:r>
-            <a:r>
-              <a:rPr lang="en-US" sz="1600" dirty="0"/>
-              <a:t>() </a:t>
-            </a:r>
-          </a:p>
-          <a:p>
-            <a:pPr marL="0" lvl="0" indent="0" defTabSz="914400" fontAlgn="auto">
-              <a:spcBef>
-                <a:spcPts val="0"/>
-              </a:spcBef>
-              <a:spcAft>
-                <a:spcPts val="0"/>
-              </a:spcAft>
-              <a:buNone/>
-            </a:pPr>
-            <a:r>
-              <a:rPr lang="en-US" sz="1600" dirty="0"/>
-              <a:t>   // Cannot  </a:t>
-            </a:r>
-            <a:r>
-              <a:rPr lang="en-US" sz="1600" dirty="0" err="1"/>
-              <a:t>getHealth</a:t>
-            </a:r>
-            <a:r>
-              <a:rPr lang="en-US" sz="1600" dirty="0"/>
-              <a:t>()   </a:t>
-            </a:r>
-          </a:p>
-          <a:p>
-            <a:pPr marL="0" lvl="0" indent="0" defTabSz="914400" fontAlgn="auto">
-              <a:spcBef>
-                <a:spcPts val="0"/>
-              </a:spcBef>
-              <a:spcAft>
-                <a:spcPts val="0"/>
-              </a:spcAft>
-              <a:buNone/>
-            </a:pPr>
-            <a:r>
-              <a:rPr lang="en-US" sz="1600" dirty="0"/>
-              <a:t>    </a:t>
-            </a:r>
-            <a:r>
-              <a:rPr lang="en-US" sz="1600" dirty="0" err="1"/>
-              <a:t>System.out.println</a:t>
-            </a:r>
-            <a:r>
-              <a:rPr lang="en-US" sz="1600" dirty="0"/>
-              <a:t>(Hieu.health2());</a:t>
-            </a:r>
-          </a:p>
-          <a:p>
-            <a:pPr marL="0" lvl="0" indent="0" defTabSz="914400" fontAlgn="auto">
-              <a:spcBef>
-                <a:spcPts val="0"/>
-              </a:spcBef>
-              <a:spcAft>
-                <a:spcPts val="0"/>
-              </a:spcAft>
-              <a:buNone/>
-            </a:pPr>
-            <a:r>
-              <a:rPr lang="en-US" sz="1600" dirty="0"/>
-              <a:t>  }</a:t>
-            </a:r>
-          </a:p>
-          <a:p>
-            <a:pPr marL="0" lvl="0" indent="0" defTabSz="914400" fontAlgn="auto">
-              <a:spcBef>
-                <a:spcPts val="0"/>
-              </a:spcBef>
-              <a:spcAft>
-                <a:spcPts val="0"/>
-              </a:spcAft>
-              <a:buNone/>
-            </a:pPr>
-            <a:r>
-              <a:rPr lang="en-US" sz="1600" dirty="0"/>
-              <a:t>}</a:t>
-            </a:r>
-          </a:p>
-        </p:txBody>
-      </p:sp>
-      <p:sp>
-        <p:nvSpPr>
-          <p:cNvPr id="4" name="Footer Placeholder 3"/>
-          <p:cNvSpPr>
-            <a:spLocks noGrp="1"/>
-          </p:cNvSpPr>
-          <p:nvPr>
-            <p:ph type="ftr" sz="quarter" idx="10"/>
-          </p:nvPr>
-        </p:nvSpPr>
-        <p:spPr/>
-        <p:txBody>
-          <a:bodyPr/>
-          <a:lstStyle/>
-          <a:p>
-            <a:r>
-              <a:rPr lang="en-US" dirty="0"/>
-              <a:t>Lecture 3: OOP</a:t>
-            </a:r>
-          </a:p>
-        </p:txBody>
-      </p:sp>
-      <p:sp>
-        <p:nvSpPr>
-          <p:cNvPr id="5" name="Date Placeholder 4"/>
-          <p:cNvSpPr>
-            <a:spLocks noGrp="1"/>
-          </p:cNvSpPr>
-          <p:nvPr>
-            <p:ph type="dt" sz="half" idx="11"/>
-          </p:nvPr>
-        </p:nvSpPr>
-        <p:spPr/>
-        <p:txBody>
-          <a:bodyPr/>
-          <a:lstStyle/>
-          <a:p>
-            <a:r>
-              <a:rPr lang="mr-IN" dirty="0"/>
-              <a:t>03/10/2020</a:t>
-            </a:r>
-            <a:endParaRPr lang="en-US" dirty="0"/>
-          </a:p>
-        </p:txBody>
-      </p:sp>
-      <p:sp>
-        <p:nvSpPr>
-          <p:cNvPr id="6" name="Slide Number Placeholder 5"/>
-          <p:cNvSpPr>
-            <a:spLocks noGrp="1"/>
-          </p:cNvSpPr>
-          <p:nvPr>
-            <p:ph type="sldNum" sz="quarter" idx="12"/>
-          </p:nvPr>
-        </p:nvSpPr>
-        <p:spPr/>
-        <p:txBody>
-          <a:bodyPr/>
-          <a:lstStyle/>
-          <a:p>
-            <a:fld id="{1D5CD492-2BC6-F348-9965-EC1D86DF57A8}" type="slidenum">
-              <a:rPr lang="en-US" smtClean="0"/>
-              <a:t>4</a:t>
-            </a:fld>
-            <a:endParaRPr lang="en-US"/>
-          </a:p>
-        </p:txBody>
-      </p:sp>
-    </p:spTree>
-    <p:extLst>
-      <p:ext uri="{BB962C8B-B14F-4D97-AF65-F5344CB8AC3E}">
-        <p14:creationId xmlns:p14="http://schemas.microsoft.com/office/powerpoint/2010/main" val="612867310"/>
-      </p:ext>
-    </p:extLst>
-  </p:cSld>
-  <p:clrMapOvr>
-    <a:masterClrMapping/>
-  </p:clrMapOvr>
-  <p:transition spd="med">
-    <p:wipe dir="r"/>
-  </p:transition>
-</p:sld>
-</file>
-
-<file path=ppt/slides/slide5.xml><?xml version="1.0" encoding="utf-8"?>
-<p:sld xmlns:a="http://schemas.openxmlformats.org/drawingml/2006/main" xmlns:r="http://schemas.openxmlformats.org/officeDocument/2006/relationships" xmlns:p="http://schemas.openxmlformats.org/presentationml/2006/main">
-  <p:cSld>
-    <p:spTree>
-      <p:nvGrpSpPr>
-        <p:cNvPr id="1" name=""/>
-        <p:cNvGrpSpPr/>
-        <p:nvPr/>
-      </p:nvGrpSpPr>
-      <p:grpSpPr>
-        <a:xfrm>
-          <a:off x="0" y="0"/>
-          <a:ext cx="0" cy="0"/>
-          <a:chOff x="0" y="0"/>
-          <a:chExt cx="0" cy="0"/>
-        </a:xfrm>
-      </p:grpSpPr>
-      <p:sp>
-        <p:nvSpPr>
-          <p:cNvPr id="2" name="Rubrik 1">
-            <a:extLst>
-              <a:ext uri="{FF2B5EF4-FFF2-40B4-BE49-F238E27FC236}">
-                <a16:creationId xmlns:a16="http://schemas.microsoft.com/office/drawing/2014/main" id="{982AF24D-0AA7-884B-B701-8DC48CF3AC6F}"/>
-              </a:ext>
-            </a:extLst>
-          </p:cNvPr>
-          <p:cNvSpPr>
-            <a:spLocks noGrp="1"/>
-          </p:cNvSpPr>
-          <p:nvPr>
-            <p:ph type="title"/>
-          </p:nvPr>
-        </p:nvSpPr>
-        <p:spPr/>
-        <p:txBody>
-          <a:bodyPr/>
-          <a:lstStyle/>
-          <a:p>
-            <a:r>
-              <a:rPr lang="sv-SE" dirty="0"/>
-              <a:t>Class &amp; </a:t>
-            </a:r>
-            <a:r>
-              <a:rPr lang="sv-SE" dirty="0" err="1"/>
-              <a:t>Instance</a:t>
-            </a:r>
-            <a:endParaRPr lang="sv-SE" dirty="0"/>
-          </a:p>
-        </p:txBody>
-      </p:sp>
-      <p:sp>
-        <p:nvSpPr>
-          <p:cNvPr id="3" name="Platshållare för innehåll 2">
-            <a:extLst>
-              <a:ext uri="{FF2B5EF4-FFF2-40B4-BE49-F238E27FC236}">
-                <a16:creationId xmlns:a16="http://schemas.microsoft.com/office/drawing/2014/main" id="{E0824E89-5050-0447-93F2-C3821D7FD4AE}"/>
-              </a:ext>
-            </a:extLst>
-          </p:cNvPr>
-          <p:cNvSpPr>
-            <a:spLocks noGrp="1"/>
-          </p:cNvSpPr>
-          <p:nvPr>
-            <p:ph idx="1"/>
-          </p:nvPr>
-        </p:nvSpPr>
-        <p:spPr/>
-        <p:txBody>
-          <a:bodyPr/>
-          <a:lstStyle/>
-          <a:p>
-            <a:r>
-              <a:rPr lang="sv-SE" dirty="0" err="1"/>
-              <a:t>Constructor</a:t>
-            </a:r>
-            <a:r>
-              <a:rPr lang="sv-SE" dirty="0"/>
-              <a:t>: </a:t>
-            </a:r>
-            <a:r>
-              <a:rPr lang="sv-SE" dirty="0">
-                <a:hlinkClick r:id="rId2"/>
-              </a:rPr>
-              <a:t>https://www.javatpoint.com/java-constructor</a:t>
-            </a:r>
-            <a:endParaRPr lang="sv-SE" dirty="0"/>
-          </a:p>
-          <a:p>
-            <a:r>
-              <a:rPr lang="sv-SE" dirty="0" err="1"/>
-              <a:t>Instance</a:t>
-            </a:r>
-            <a:r>
-              <a:rPr lang="sv-SE" dirty="0"/>
-              <a:t> </a:t>
-            </a:r>
-            <a:r>
-              <a:rPr lang="sv-SE" dirty="0" err="1"/>
-              <a:t>variable</a:t>
-            </a:r>
-            <a:r>
-              <a:rPr lang="sv-SE" dirty="0"/>
-              <a:t> &amp; </a:t>
-            </a:r>
-            <a:r>
-              <a:rPr lang="sv-SE" dirty="0" err="1"/>
-              <a:t>method</a:t>
-            </a:r>
-            <a:endParaRPr lang="sv-SE" dirty="0"/>
-          </a:p>
-          <a:p>
-            <a:r>
-              <a:rPr lang="sv-SE" dirty="0">
-                <a:hlinkClick r:id="rId3"/>
-              </a:rPr>
-              <a:t>https://www.javatpoint.com/this-keyword</a:t>
-            </a:r>
-            <a:endParaRPr lang="sv-SE" dirty="0"/>
-          </a:p>
-          <a:p>
-            <a:r>
-              <a:rPr lang="sv-SE" dirty="0" err="1"/>
-              <a:t>Static</a:t>
-            </a:r>
-            <a:r>
-              <a:rPr lang="sv-SE" dirty="0"/>
-              <a:t> </a:t>
-            </a:r>
-            <a:r>
-              <a:rPr lang="sv-SE" dirty="0" err="1"/>
-              <a:t>variable</a:t>
-            </a:r>
-            <a:r>
-              <a:rPr lang="sv-SE" dirty="0"/>
-              <a:t> &amp; </a:t>
-            </a:r>
-            <a:r>
-              <a:rPr lang="sv-SE" dirty="0" err="1"/>
-              <a:t>Method</a:t>
-            </a:r>
-            <a:r>
-              <a:rPr lang="sv-SE" dirty="0"/>
-              <a:t>:</a:t>
-            </a:r>
-          </a:p>
-          <a:p>
-            <a:pPr marL="0" indent="0">
-              <a:buNone/>
-            </a:pPr>
-            <a:r>
-              <a:rPr lang="sv-SE" dirty="0">
-                <a:hlinkClick r:id="rId4"/>
-              </a:rPr>
-              <a:t>https://www.javatpoint.com/static-keyword-in-java</a:t>
-            </a:r>
-            <a:endParaRPr lang="sv-SE" dirty="0"/>
-          </a:p>
-        </p:txBody>
-      </p:sp>
-      <p:sp>
-        <p:nvSpPr>
-          <p:cNvPr id="4" name="Platshållare för sidfot 3">
-            <a:extLst>
-              <a:ext uri="{FF2B5EF4-FFF2-40B4-BE49-F238E27FC236}">
-                <a16:creationId xmlns:a16="http://schemas.microsoft.com/office/drawing/2014/main" id="{6246D557-7391-D04A-A478-1277660BF9C2}"/>
-              </a:ext>
-            </a:extLst>
-          </p:cNvPr>
-          <p:cNvSpPr>
-            <a:spLocks noGrp="1"/>
-          </p:cNvSpPr>
-          <p:nvPr>
-            <p:ph type="ftr" sz="quarter" idx="10"/>
-          </p:nvPr>
-        </p:nvSpPr>
-        <p:spPr/>
-        <p:txBody>
-          <a:bodyPr/>
-          <a:lstStyle/>
-          <a:p>
-            <a:r>
-              <a:rPr lang="en-US" dirty="0"/>
-              <a:t>Lecture 2: Java Basic</a:t>
-            </a:r>
-          </a:p>
-        </p:txBody>
-      </p:sp>
-      <p:sp>
-        <p:nvSpPr>
-          <p:cNvPr id="5" name="Platshållare för datum 4">
-            <a:extLst>
-              <a:ext uri="{FF2B5EF4-FFF2-40B4-BE49-F238E27FC236}">
-                <a16:creationId xmlns:a16="http://schemas.microsoft.com/office/drawing/2014/main" id="{489A7D01-9DA6-D44E-BE1D-98AF8EB91243}"/>
-              </a:ext>
-            </a:extLst>
-          </p:cNvPr>
-          <p:cNvSpPr>
-            <a:spLocks noGrp="1"/>
-          </p:cNvSpPr>
-          <p:nvPr>
-            <p:ph type="dt" sz="half" idx="11"/>
-          </p:nvPr>
-        </p:nvSpPr>
-        <p:spPr/>
-        <p:txBody>
-          <a:bodyPr/>
-          <a:lstStyle/>
-          <a:p>
-            <a:r>
-              <a:rPr lang="mr-IN" dirty="0"/>
-              <a:t>26/09/2020</a:t>
-            </a:r>
-            <a:endParaRPr lang="en-US" dirty="0"/>
-          </a:p>
-        </p:txBody>
-      </p:sp>
-      <p:sp>
-        <p:nvSpPr>
-          <p:cNvPr id="6" name="Platshållare för bildnummer 5">
-            <a:extLst>
-              <a:ext uri="{FF2B5EF4-FFF2-40B4-BE49-F238E27FC236}">
-                <a16:creationId xmlns:a16="http://schemas.microsoft.com/office/drawing/2014/main" id="{8248C967-498D-994E-8F7D-4E3227B0ABEB}"/>
-              </a:ext>
-            </a:extLst>
-          </p:cNvPr>
-          <p:cNvSpPr>
-            <a:spLocks noGrp="1"/>
-          </p:cNvSpPr>
-          <p:nvPr>
-            <p:ph type="sldNum" sz="quarter" idx="12"/>
-          </p:nvPr>
-        </p:nvSpPr>
-        <p:spPr/>
-        <p:txBody>
-          <a:bodyPr/>
-          <a:lstStyle/>
-          <a:p>
-            <a:fld id="{1D5CD492-2BC6-F348-9965-EC1D86DF57A8}" type="slidenum">
-              <a:rPr lang="en-US" smtClean="0"/>
-              <a:t>5</a:t>
-            </a:fld>
-            <a:endParaRPr lang="en-US"/>
-          </a:p>
-        </p:txBody>
-      </p:sp>
-    </p:spTree>
-    <p:extLst>
-      <p:ext uri="{BB962C8B-B14F-4D97-AF65-F5344CB8AC3E}">
-        <p14:creationId xmlns:p14="http://schemas.microsoft.com/office/powerpoint/2010/main" val="3488804761"/>
-      </p:ext>
-    </p:extLst>
-  </p:cSld>
-  <p:clrMapOvr>
-    <a:masterClrMapping/>
-  </p:clrMapOvr>
-  <p:transition spd="med">
-    <p:wipe dir="r"/>
-  </p:transition>
-</p:sld>
-</file>
-
-<file path=ppt/slides/slide6.xml><?xml version="1.0" encoding="utf-8"?>
-<p:sld xmlns:a="http://schemas.openxmlformats.org/drawingml/2006/main" xmlns:r="http://schemas.openxmlformats.org/officeDocument/2006/relationships" xmlns:p="http://schemas.openxmlformats.org/presentationml/2006/main">
-  <p:cSld>
-    <p:spTree>
-      <p:nvGrpSpPr>
-        <p:cNvPr id="1" name=""/>
-        <p:cNvGrpSpPr/>
-        <p:nvPr/>
-      </p:nvGrpSpPr>
-      <p:grpSpPr>
-        <a:xfrm>
-          <a:off x="0" y="0"/>
-          <a:ext cx="0" cy="0"/>
-          <a:chOff x="0" y="0"/>
-          <a:chExt cx="0" cy="0"/>
-        </a:xfrm>
-      </p:grpSpPr>
-      <p:sp>
-        <p:nvSpPr>
-          <p:cNvPr id="2" name="Title 1"/>
-          <p:cNvSpPr>
-            <a:spLocks noGrp="1"/>
-          </p:cNvSpPr>
-          <p:nvPr>
-            <p:ph type="title"/>
-          </p:nvPr>
-        </p:nvSpPr>
-        <p:spPr/>
-        <p:txBody>
-          <a:bodyPr/>
-          <a:lstStyle/>
-          <a:p>
-            <a:r>
-              <a:rPr lang="en-US" dirty="0"/>
-              <a:t>Scope</a:t>
-            </a:r>
-          </a:p>
-        </p:txBody>
-      </p:sp>
-      <p:sp>
-        <p:nvSpPr>
-          <p:cNvPr id="3" name="Content Placeholder 2"/>
-          <p:cNvSpPr>
-            <a:spLocks noGrp="1"/>
-          </p:cNvSpPr>
-          <p:nvPr>
-            <p:ph idx="1"/>
-          </p:nvPr>
-        </p:nvSpPr>
-        <p:spPr/>
-        <p:txBody>
-          <a:bodyPr/>
-          <a:lstStyle/>
-          <a:p>
-            <a:r>
-              <a:rPr lang="en-US" dirty="0"/>
-              <a:t>Public = allow outside to see.</a:t>
-            </a:r>
-          </a:p>
-          <a:p>
-            <a:r>
-              <a:rPr lang="en-US" dirty="0"/>
-              <a:t>Protected = not allow outside to see, but let my children &amp; grant children see</a:t>
-            </a:r>
-          </a:p>
-          <a:p>
-            <a:r>
-              <a:rPr lang="en-US" dirty="0"/>
-              <a:t>Private = only me can see.</a:t>
-            </a:r>
-          </a:p>
-          <a:p>
-            <a:r>
-              <a:rPr lang="en-US" dirty="0"/>
-              <a:t>Package</a:t>
-            </a:r>
-          </a:p>
-          <a:p>
-            <a:pPr marL="0" indent="0">
-              <a:buNone/>
-            </a:pPr>
-            <a:r>
-              <a:rPr lang="sv-SE" dirty="0">
-                <a:hlinkClick r:id="rId2"/>
-              </a:rPr>
-              <a:t>https://www.dreamincode.net/forums/topic/158726-scope-and-static-variables/</a:t>
-            </a:r>
-            <a:endParaRPr lang="sv-SE" dirty="0"/>
-          </a:p>
-        </p:txBody>
-      </p:sp>
-      <p:sp>
-        <p:nvSpPr>
-          <p:cNvPr id="4" name="Footer Placeholder 3"/>
-          <p:cNvSpPr>
-            <a:spLocks noGrp="1"/>
-          </p:cNvSpPr>
-          <p:nvPr>
-            <p:ph type="ftr" sz="quarter" idx="10"/>
-          </p:nvPr>
-        </p:nvSpPr>
-        <p:spPr/>
-        <p:txBody>
-          <a:bodyPr/>
-          <a:lstStyle/>
-          <a:p>
-            <a:r>
-              <a:rPr lang="en-US" dirty="0"/>
-              <a:t>Lecture 3: OOP</a:t>
-            </a:r>
-          </a:p>
-        </p:txBody>
-      </p:sp>
-      <p:sp>
-        <p:nvSpPr>
-          <p:cNvPr id="5" name="Date Placeholder 4"/>
-          <p:cNvSpPr>
-            <a:spLocks noGrp="1"/>
-          </p:cNvSpPr>
-          <p:nvPr>
-            <p:ph type="dt" sz="half" idx="11"/>
-          </p:nvPr>
-        </p:nvSpPr>
-        <p:spPr/>
-        <p:txBody>
-          <a:bodyPr/>
-          <a:lstStyle/>
-          <a:p>
-            <a:r>
-              <a:rPr lang="mr-IN" dirty="0"/>
-              <a:t>03/10/2020</a:t>
-            </a:r>
-            <a:endParaRPr lang="en-US" dirty="0"/>
-          </a:p>
-        </p:txBody>
-      </p:sp>
-      <p:sp>
-        <p:nvSpPr>
-          <p:cNvPr id="6" name="Slide Number Placeholder 5"/>
-          <p:cNvSpPr>
-            <a:spLocks noGrp="1"/>
-          </p:cNvSpPr>
-          <p:nvPr>
-            <p:ph type="sldNum" sz="quarter" idx="12"/>
-          </p:nvPr>
-        </p:nvSpPr>
-        <p:spPr/>
-        <p:txBody>
-          <a:bodyPr/>
-          <a:lstStyle/>
-          <a:p>
-            <a:fld id="{1D5CD492-2BC6-F348-9965-EC1D86DF57A8}" type="slidenum">
-              <a:rPr lang="en-US" smtClean="0"/>
-              <a:t>6</a:t>
-            </a:fld>
-            <a:endParaRPr lang="en-US"/>
-          </a:p>
-        </p:txBody>
-      </p:sp>
-    </p:spTree>
-    <p:extLst>
-      <p:ext uri="{BB962C8B-B14F-4D97-AF65-F5344CB8AC3E}">
-        <p14:creationId xmlns:p14="http://schemas.microsoft.com/office/powerpoint/2010/main" val="2919075101"/>
-      </p:ext>
-    </p:extLst>
-  </p:cSld>
-  <p:clrMapOvr>
-    <a:masterClrMapping/>
-  </p:clrMapOvr>
-  <p:transition spd="med">
-    <p:wipe dir="r"/>
-  </p:transition>
-</p:sld>
-</file>
-
-<file path=ppt/slides/slide7.xml><?xml version="1.0" encoding="utf-8"?>
-<p:sld xmlns:a="http://schemas.openxmlformats.org/drawingml/2006/main" xmlns:r="http://schemas.openxmlformats.org/officeDocument/2006/relationships" xmlns:p="http://schemas.openxmlformats.org/presentationml/2006/main">
-  <p:cSld>
-    <p:spTree>
-      <p:nvGrpSpPr>
-        <p:cNvPr id="1" name=""/>
-        <p:cNvGrpSpPr/>
-        <p:nvPr/>
-      </p:nvGrpSpPr>
-      <p:grpSpPr>
-        <a:xfrm>
-          <a:off x="0" y="0"/>
-          <a:ext cx="0" cy="0"/>
-          <a:chOff x="0" y="0"/>
-          <a:chExt cx="0" cy="0"/>
-        </a:xfrm>
-      </p:grpSpPr>
-      <p:sp>
-        <p:nvSpPr>
-          <p:cNvPr id="2" name="Title 1"/>
-          <p:cNvSpPr>
-            <a:spLocks noGrp="1"/>
-          </p:cNvSpPr>
-          <p:nvPr>
-            <p:ph type="title"/>
-          </p:nvPr>
-        </p:nvSpPr>
-        <p:spPr/>
-        <p:txBody>
-          <a:bodyPr/>
-          <a:lstStyle/>
-          <a:p>
-            <a:r>
-              <a:rPr lang="en-US" dirty="0"/>
-              <a:t>Scope &amp; Encapsulation</a:t>
-            </a:r>
-          </a:p>
-        </p:txBody>
-      </p:sp>
-      <p:sp>
-        <p:nvSpPr>
-          <p:cNvPr id="3" name="Content Placeholder 2"/>
-          <p:cNvSpPr>
-            <a:spLocks noGrp="1"/>
-          </p:cNvSpPr>
-          <p:nvPr>
-            <p:ph idx="1"/>
-          </p:nvPr>
-        </p:nvSpPr>
-        <p:spPr>
-          <a:xfrm>
-            <a:off x="457200" y="1600200"/>
-            <a:ext cx="8229600" cy="4756150"/>
-          </a:xfrm>
-        </p:spPr>
-        <p:txBody>
-          <a:bodyPr/>
-          <a:lstStyle/>
-          <a:p>
-            <a:r>
-              <a:rPr lang="en-US" sz="2000" dirty="0"/>
-              <a:t>Although we can expose object states to be accessed from outside, we are not recommended to do so.</a:t>
-            </a:r>
-          </a:p>
-          <a:p>
-            <a:pPr marL="0" indent="0">
-              <a:buNone/>
-            </a:pPr>
-            <a:r>
-              <a:rPr lang="en-US" sz="2000" dirty="0"/>
-              <a:t>“expose = public: e.g. </a:t>
-            </a:r>
-            <a:r>
-              <a:rPr lang="mr-IN" sz="2000" dirty="0"/>
-              <a:t>–</a:t>
-            </a:r>
-            <a:r>
-              <a:rPr lang="en-US" sz="2000" dirty="0"/>
-              <a:t> public </a:t>
-            </a:r>
-            <a:r>
-              <a:rPr lang="en-US" sz="2000" dirty="0" err="1"/>
-              <a:t>int</a:t>
-            </a:r>
-            <a:r>
-              <a:rPr lang="en-US" sz="2000" dirty="0"/>
-              <a:t> age();</a:t>
-            </a:r>
-          </a:p>
-          <a:p>
-            <a:r>
-              <a:rPr lang="en-US" sz="2000" dirty="0"/>
-              <a:t>The reason is that we should always control our behaviors. For instance, instead of exposing age, we might define a method like this:</a:t>
-            </a:r>
-          </a:p>
-          <a:p>
-            <a:pPr marL="0" indent="0">
-              <a:buNone/>
-            </a:pPr>
-            <a:r>
-              <a:rPr lang="en-US" sz="1600" dirty="0"/>
-              <a:t>public </a:t>
-            </a:r>
-            <a:r>
-              <a:rPr lang="en-US" sz="1600" dirty="0" err="1"/>
-              <a:t>int</a:t>
-            </a:r>
-            <a:r>
-              <a:rPr lang="en-US" sz="1600" dirty="0"/>
-              <a:t> </a:t>
-            </a:r>
-            <a:r>
-              <a:rPr lang="en-US" sz="1600" dirty="0" err="1"/>
-              <a:t>getAge</a:t>
-            </a:r>
-            <a:r>
-              <a:rPr lang="en-US" sz="1600" dirty="0"/>
-              <a:t>() {</a:t>
-            </a:r>
-          </a:p>
-          <a:p>
-            <a:pPr marL="0" indent="0">
-              <a:buNone/>
-            </a:pPr>
-            <a:r>
-              <a:rPr lang="en-US" sz="1600" dirty="0"/>
-              <a:t>   if (the asking person is my friends) return age;</a:t>
-            </a:r>
-          </a:p>
-          <a:p>
-            <a:pPr marL="0" indent="0">
-              <a:buNone/>
-            </a:pPr>
-            <a:r>
-              <a:rPr lang="en-US" sz="1600" dirty="0"/>
-              <a:t>   else return 30;</a:t>
-            </a:r>
-          </a:p>
-          <a:p>
-            <a:pPr marL="0" indent="0">
-              <a:buNone/>
-            </a:pPr>
-            <a:r>
-              <a:rPr lang="en-US" sz="1600" dirty="0"/>
-              <a:t>}</a:t>
-            </a:r>
-          </a:p>
-          <a:p>
-            <a:r>
-              <a:rPr lang="en-US" sz="2000" dirty="0"/>
-              <a:t>We have 3 scopes of behaviors &amp; methods: public, protected, private.</a:t>
-            </a:r>
-          </a:p>
-        </p:txBody>
-      </p:sp>
-      <p:sp>
-        <p:nvSpPr>
-          <p:cNvPr id="4" name="Footer Placeholder 3"/>
-          <p:cNvSpPr>
-            <a:spLocks noGrp="1"/>
-          </p:cNvSpPr>
-          <p:nvPr>
-            <p:ph type="ftr" sz="quarter" idx="10"/>
-          </p:nvPr>
-        </p:nvSpPr>
-        <p:spPr/>
-        <p:txBody>
-          <a:bodyPr/>
-          <a:lstStyle/>
-          <a:p>
-            <a:r>
-              <a:rPr lang="en-US" dirty="0"/>
-              <a:t>Lecture 3: OOP</a:t>
-            </a:r>
-          </a:p>
-        </p:txBody>
-      </p:sp>
-      <p:sp>
-        <p:nvSpPr>
-          <p:cNvPr id="5" name="Date Placeholder 4"/>
-          <p:cNvSpPr>
-            <a:spLocks noGrp="1"/>
-          </p:cNvSpPr>
-          <p:nvPr>
-            <p:ph type="dt" sz="half" idx="11"/>
-          </p:nvPr>
-        </p:nvSpPr>
-        <p:spPr/>
-        <p:txBody>
-          <a:bodyPr/>
-          <a:lstStyle/>
-          <a:p>
-            <a:r>
-              <a:rPr lang="mr-IN" dirty="0"/>
-              <a:t>03/10/2020</a:t>
-            </a:r>
-            <a:endParaRPr lang="en-US" dirty="0"/>
-          </a:p>
-        </p:txBody>
-      </p:sp>
-      <p:sp>
-        <p:nvSpPr>
-          <p:cNvPr id="6" name="Slide Number Placeholder 5"/>
-          <p:cNvSpPr>
-            <a:spLocks noGrp="1"/>
-          </p:cNvSpPr>
-          <p:nvPr>
-            <p:ph type="sldNum" sz="quarter" idx="12"/>
-          </p:nvPr>
-        </p:nvSpPr>
-        <p:spPr/>
-        <p:txBody>
-          <a:bodyPr/>
-          <a:lstStyle/>
-          <a:p>
-            <a:fld id="{1D5CD492-2BC6-F348-9965-EC1D86DF57A8}" type="slidenum">
-              <a:rPr lang="en-US" smtClean="0"/>
-              <a:t>7</a:t>
-            </a:fld>
-            <a:endParaRPr lang="en-US"/>
-          </a:p>
-        </p:txBody>
-      </p:sp>
-    </p:spTree>
-    <p:extLst>
-      <p:ext uri="{BB962C8B-B14F-4D97-AF65-F5344CB8AC3E}">
-        <p14:creationId xmlns:p14="http://schemas.microsoft.com/office/powerpoint/2010/main" val="1274400799"/>
-      </p:ext>
-    </p:extLst>
-  </p:cSld>
-  <p:clrMapOvr>
-    <a:masterClrMapping/>
-  </p:clrMapOvr>
-  <p:transition spd="med">
-    <p:wipe dir="r"/>
-  </p:transition>
-</p:sld>
-</file>
-
-<file path=ppt/slides/slide8.xml><?xml version="1.0" encoding="utf-8"?>
-<p:sld xmlns:a="http://schemas.openxmlformats.org/drawingml/2006/main" xmlns:r="http://schemas.openxmlformats.org/officeDocument/2006/relationships" xmlns:p="http://schemas.openxmlformats.org/presentationml/2006/main">
-  <p:cSld>
-    <p:spTree>
-      <p:nvGrpSpPr>
-        <p:cNvPr id="1" name=""/>
-        <p:cNvGrpSpPr/>
-        <p:nvPr/>
-      </p:nvGrpSpPr>
-      <p:grpSpPr>
-        <a:xfrm>
-          <a:off x="0" y="0"/>
-          <a:ext cx="0" cy="0"/>
-          <a:chOff x="0" y="0"/>
-          <a:chExt cx="0" cy="0"/>
-        </a:xfrm>
-      </p:grpSpPr>
-      <p:sp>
-        <p:nvSpPr>
-          <p:cNvPr id="2" name="Title 1"/>
-          <p:cNvSpPr>
-            <a:spLocks noGrp="1"/>
-          </p:cNvSpPr>
-          <p:nvPr>
-            <p:ph type="title"/>
-          </p:nvPr>
-        </p:nvSpPr>
-        <p:spPr/>
-        <p:txBody>
-          <a:bodyPr/>
-          <a:lstStyle/>
-          <a:p>
-            <a:r>
-              <a:rPr lang="en-US" dirty="0"/>
               <a:t>Static, final</a:t>
             </a:r>
           </a:p>
@@ -8253,7 +4832,7 @@
           <a:p>
             <a:fld id="{1D5CD492-2BC6-F348-9965-EC1D86DF57A8}" type="slidenum">
               <a:rPr lang="en-US" smtClean="0"/>
-              <a:t>8</a:t>
+              <a:t>10</a:t>
             </a:fld>
             <a:endParaRPr lang="en-US"/>
           </a:p>
@@ -8698,6 +5277,3829 @@
 </p:sld>
 </file>
 
+<file path=ppt/slides/slide11.xml><?xml version="1.0" encoding="utf-8"?>
+<p:sld xmlns:a="http://schemas.openxmlformats.org/drawingml/2006/main" xmlns:r="http://schemas.openxmlformats.org/officeDocument/2006/relationships" xmlns:p="http://schemas.openxmlformats.org/presentationml/2006/main">
+  <p:cSld>
+    <p:spTree>
+      <p:nvGrpSpPr>
+        <p:cNvPr id="1" name=""/>
+        <p:cNvGrpSpPr/>
+        <p:nvPr/>
+      </p:nvGrpSpPr>
+      <p:grpSpPr>
+        <a:xfrm>
+          <a:off x="0" y="0"/>
+          <a:ext cx="0" cy="0"/>
+          <a:chOff x="0" y="0"/>
+          <a:chExt cx="0" cy="0"/>
+        </a:xfrm>
+      </p:grpSpPr>
+      <p:sp>
+        <p:nvSpPr>
+          <p:cNvPr id="2" name="Title 1"/>
+          <p:cNvSpPr>
+            <a:spLocks noGrp="1"/>
+          </p:cNvSpPr>
+          <p:nvPr>
+            <p:ph type="title"/>
+          </p:nvPr>
+        </p:nvSpPr>
+        <p:spPr/>
+        <p:txBody>
+          <a:bodyPr/>
+          <a:lstStyle/>
+          <a:p>
+            <a:r>
+              <a:rPr lang="en-US" dirty="0"/>
+              <a:t>Interface vs abstract class &amp; Inheritance</a:t>
+            </a:r>
+          </a:p>
+        </p:txBody>
+      </p:sp>
+      <p:sp>
+        <p:nvSpPr>
+          <p:cNvPr id="3" name="Content Placeholder 2"/>
+          <p:cNvSpPr>
+            <a:spLocks noGrp="1"/>
+          </p:cNvSpPr>
+          <p:nvPr>
+            <p:ph idx="1"/>
+          </p:nvPr>
+        </p:nvSpPr>
+        <p:spPr/>
+        <p:txBody>
+          <a:bodyPr/>
+          <a:lstStyle/>
+          <a:p>
+            <a:r>
+              <a:rPr lang="en-US" dirty="0"/>
+              <a:t>When a class inherits from another class: anything from father/mother/parent is also belong to child.</a:t>
+            </a:r>
+          </a:p>
+          <a:p>
+            <a:r>
+              <a:rPr lang="en-US" dirty="0"/>
+              <a:t>Unfortunately, Java does not have multiple inheritance.</a:t>
+            </a:r>
+          </a:p>
+          <a:p>
+            <a:r>
+              <a:rPr lang="en-US" dirty="0"/>
+              <a:t>Abstract class is just like class, except it has some methods not implemented (so it requires child class to implement).</a:t>
+            </a:r>
+          </a:p>
+          <a:p>
+            <a:r>
+              <a:rPr lang="en-US" dirty="0"/>
+              <a:t>Interface can be considered as empty class, or like responsibility: anything implements interface = must satisfy its behavior.</a:t>
+            </a:r>
+          </a:p>
+        </p:txBody>
+      </p:sp>
+      <p:sp>
+        <p:nvSpPr>
+          <p:cNvPr id="4" name="Footer Placeholder 3"/>
+          <p:cNvSpPr>
+            <a:spLocks noGrp="1"/>
+          </p:cNvSpPr>
+          <p:nvPr>
+            <p:ph type="ftr" sz="quarter" idx="10"/>
+          </p:nvPr>
+        </p:nvSpPr>
+        <p:spPr/>
+        <p:txBody>
+          <a:bodyPr/>
+          <a:lstStyle/>
+          <a:p>
+            <a:r>
+              <a:rPr lang="en-US" dirty="0"/>
+              <a:t>Lecture 3: OOP</a:t>
+            </a:r>
+          </a:p>
+        </p:txBody>
+      </p:sp>
+      <p:sp>
+        <p:nvSpPr>
+          <p:cNvPr id="5" name="Date Placeholder 4"/>
+          <p:cNvSpPr>
+            <a:spLocks noGrp="1"/>
+          </p:cNvSpPr>
+          <p:nvPr>
+            <p:ph type="dt" sz="half" idx="11"/>
+          </p:nvPr>
+        </p:nvSpPr>
+        <p:spPr/>
+        <p:txBody>
+          <a:bodyPr/>
+          <a:lstStyle/>
+          <a:p>
+            <a:r>
+              <a:rPr lang="mr-IN" dirty="0"/>
+              <a:t>03/10/2020</a:t>
+            </a:r>
+            <a:endParaRPr lang="en-US" dirty="0"/>
+          </a:p>
+        </p:txBody>
+      </p:sp>
+      <p:sp>
+        <p:nvSpPr>
+          <p:cNvPr id="6" name="Slide Number Placeholder 5"/>
+          <p:cNvSpPr>
+            <a:spLocks noGrp="1"/>
+          </p:cNvSpPr>
+          <p:nvPr>
+            <p:ph type="sldNum" sz="quarter" idx="12"/>
+          </p:nvPr>
+        </p:nvSpPr>
+        <p:spPr/>
+        <p:txBody>
+          <a:bodyPr/>
+          <a:lstStyle/>
+          <a:p>
+            <a:fld id="{1D5CD492-2BC6-F348-9965-EC1D86DF57A8}" type="slidenum">
+              <a:rPr lang="en-US" smtClean="0"/>
+              <a:t>11</a:t>
+            </a:fld>
+            <a:endParaRPr lang="en-US"/>
+          </a:p>
+        </p:txBody>
+      </p:sp>
+    </p:spTree>
+    <p:extLst>
+      <p:ext uri="{BB962C8B-B14F-4D97-AF65-F5344CB8AC3E}">
+        <p14:creationId xmlns:p14="http://schemas.microsoft.com/office/powerpoint/2010/main" val="1260929078"/>
+      </p:ext>
+    </p:extLst>
+  </p:cSld>
+  <p:clrMapOvr>
+    <a:masterClrMapping/>
+  </p:clrMapOvr>
+  <p:transition spd="med">
+    <p:wipe dir="r"/>
+  </p:transition>
+</p:sld>
+</file>
+
+<file path=ppt/slides/slide12.xml><?xml version="1.0" encoding="utf-8"?>
+<p:sld xmlns:a="http://schemas.openxmlformats.org/drawingml/2006/main" xmlns:r="http://schemas.openxmlformats.org/officeDocument/2006/relationships" xmlns:p="http://schemas.openxmlformats.org/presentationml/2006/main">
+  <p:cSld>
+    <p:spTree>
+      <p:nvGrpSpPr>
+        <p:cNvPr id="1" name=""/>
+        <p:cNvGrpSpPr/>
+        <p:nvPr/>
+      </p:nvGrpSpPr>
+      <p:grpSpPr>
+        <a:xfrm>
+          <a:off x="0" y="0"/>
+          <a:ext cx="0" cy="0"/>
+          <a:chOff x="0" y="0"/>
+          <a:chExt cx="0" cy="0"/>
+        </a:xfrm>
+      </p:grpSpPr>
+      <p:sp>
+        <p:nvSpPr>
+          <p:cNvPr id="2" name="Title 1"/>
+          <p:cNvSpPr>
+            <a:spLocks noGrp="1"/>
+          </p:cNvSpPr>
+          <p:nvPr>
+            <p:ph type="title"/>
+          </p:nvPr>
+        </p:nvSpPr>
+        <p:spPr/>
+        <p:txBody>
+          <a:bodyPr/>
+          <a:lstStyle/>
+          <a:p>
+            <a:r>
+              <a:rPr lang="en-US" dirty="0"/>
+              <a:t>Interface example</a:t>
+            </a:r>
+          </a:p>
+        </p:txBody>
+      </p:sp>
+      <p:sp>
+        <p:nvSpPr>
+          <p:cNvPr id="3" name="Content Placeholder 2"/>
+          <p:cNvSpPr>
+            <a:spLocks noGrp="1"/>
+          </p:cNvSpPr>
+          <p:nvPr>
+            <p:ph idx="1"/>
+          </p:nvPr>
+        </p:nvSpPr>
+        <p:spPr/>
+        <p:txBody>
+          <a:bodyPr/>
+          <a:lstStyle/>
+          <a:p>
+            <a:r>
+              <a:rPr lang="en-US" sz="2000" dirty="0"/>
+              <a:t>Interface: similar to role &amp; its responsibility. </a:t>
+            </a:r>
+          </a:p>
+          <a:p>
+            <a:pPr marL="0" indent="0">
+              <a:buNone/>
+            </a:pPr>
+            <a:r>
+              <a:rPr lang="en-US" sz="2000" dirty="0"/>
+              <a:t>interface </a:t>
+            </a:r>
+            <a:r>
+              <a:rPr lang="en-US" sz="2000" dirty="0" err="1"/>
+              <a:t>SoftwareEngineer</a:t>
+            </a:r>
+            <a:r>
+              <a:rPr lang="en-US" sz="2000" dirty="0"/>
+              <a:t> {</a:t>
+            </a:r>
+          </a:p>
+          <a:p>
+            <a:pPr marL="0" indent="0">
+              <a:buNone/>
+            </a:pPr>
+            <a:r>
+              <a:rPr lang="en-US" sz="2000" dirty="0"/>
+              <a:t>   public String code(String requirements);</a:t>
+            </a:r>
+          </a:p>
+          <a:p>
+            <a:pPr marL="0" indent="0">
+              <a:buNone/>
+            </a:pPr>
+            <a:r>
+              <a:rPr lang="en-US" sz="2000" dirty="0"/>
+              <a:t>   public Software deliver();</a:t>
+            </a:r>
+          </a:p>
+          <a:p>
+            <a:pPr marL="0" indent="0">
+              <a:buNone/>
+            </a:pPr>
+            <a:r>
+              <a:rPr lang="en-US" sz="2000" dirty="0"/>
+              <a:t>   public Software debug();</a:t>
+            </a:r>
+          </a:p>
+          <a:p>
+            <a:pPr marL="0" indent="0">
+              <a:buNone/>
+            </a:pPr>
+            <a:r>
+              <a:rPr lang="en-US" sz="2000" dirty="0"/>
+              <a:t>}</a:t>
+            </a:r>
+          </a:p>
+          <a:p>
+            <a:pPr marL="0" indent="0">
+              <a:buNone/>
+            </a:pPr>
+            <a:r>
+              <a:rPr lang="en-US" sz="2000" dirty="0"/>
+              <a:t>Public class Person implements </a:t>
+            </a:r>
+            <a:r>
+              <a:rPr lang="en-US" sz="2000" dirty="0" err="1"/>
+              <a:t>SoftwareEngineer</a:t>
+            </a:r>
+            <a:r>
+              <a:rPr lang="en-US" sz="2000" dirty="0"/>
+              <a:t> {</a:t>
+            </a:r>
+          </a:p>
+          <a:p>
+            <a:pPr marL="0" indent="0">
+              <a:buNone/>
+            </a:pPr>
+            <a:r>
+              <a:rPr lang="en-US" sz="2000" dirty="0"/>
+              <a:t>   public String code(String requirements) { </a:t>
+            </a:r>
+            <a:r>
+              <a:rPr lang="mr-IN" sz="2000" dirty="0"/>
+              <a:t>…</a:t>
+            </a:r>
+            <a:r>
+              <a:rPr lang="en-US" sz="2000" dirty="0"/>
+              <a:t>. };</a:t>
+            </a:r>
+          </a:p>
+          <a:p>
+            <a:pPr marL="0" indent="0">
+              <a:buNone/>
+            </a:pPr>
+            <a:r>
+              <a:rPr lang="en-US" sz="2000" dirty="0"/>
+              <a:t>   public Software deliver() { </a:t>
+            </a:r>
+            <a:r>
+              <a:rPr lang="mr-IN" sz="2000" dirty="0"/>
+              <a:t>…</a:t>
+            </a:r>
+            <a:r>
+              <a:rPr lang="en-US" sz="2000" dirty="0"/>
+              <a:t>. };</a:t>
+            </a:r>
+          </a:p>
+          <a:p>
+            <a:pPr marL="0" indent="0">
+              <a:buNone/>
+            </a:pPr>
+            <a:r>
+              <a:rPr lang="en-US" sz="2000" dirty="0"/>
+              <a:t>   public Software debug() { </a:t>
+            </a:r>
+            <a:r>
+              <a:rPr lang="mr-IN" sz="2000" dirty="0"/>
+              <a:t>…</a:t>
+            </a:r>
+            <a:r>
+              <a:rPr lang="en-US" sz="2000" dirty="0"/>
+              <a:t> };</a:t>
+            </a:r>
+          </a:p>
+          <a:p>
+            <a:pPr marL="0" indent="0">
+              <a:buNone/>
+            </a:pPr>
+            <a:r>
+              <a:rPr lang="en-US" sz="2000" dirty="0"/>
+              <a:t>}</a:t>
+            </a:r>
+          </a:p>
+          <a:p>
+            <a:endParaRPr lang="en-US" sz="2000" dirty="0"/>
+          </a:p>
+        </p:txBody>
+      </p:sp>
+      <p:sp>
+        <p:nvSpPr>
+          <p:cNvPr id="4" name="Footer Placeholder 3"/>
+          <p:cNvSpPr>
+            <a:spLocks noGrp="1"/>
+          </p:cNvSpPr>
+          <p:nvPr>
+            <p:ph type="ftr" sz="quarter" idx="10"/>
+          </p:nvPr>
+        </p:nvSpPr>
+        <p:spPr/>
+        <p:txBody>
+          <a:bodyPr/>
+          <a:lstStyle/>
+          <a:p>
+            <a:r>
+              <a:rPr lang="en-US" dirty="0"/>
+              <a:t>Lecture 3: OOP</a:t>
+            </a:r>
+          </a:p>
+        </p:txBody>
+      </p:sp>
+      <p:sp>
+        <p:nvSpPr>
+          <p:cNvPr id="5" name="Date Placeholder 4"/>
+          <p:cNvSpPr>
+            <a:spLocks noGrp="1"/>
+          </p:cNvSpPr>
+          <p:nvPr>
+            <p:ph type="dt" sz="half" idx="11"/>
+          </p:nvPr>
+        </p:nvSpPr>
+        <p:spPr/>
+        <p:txBody>
+          <a:bodyPr/>
+          <a:lstStyle/>
+          <a:p>
+            <a:r>
+              <a:rPr lang="mr-IN" dirty="0"/>
+              <a:t>03/10/2020</a:t>
+            </a:r>
+            <a:endParaRPr lang="en-US" dirty="0"/>
+          </a:p>
+        </p:txBody>
+      </p:sp>
+      <p:sp>
+        <p:nvSpPr>
+          <p:cNvPr id="6" name="Slide Number Placeholder 5"/>
+          <p:cNvSpPr>
+            <a:spLocks noGrp="1"/>
+          </p:cNvSpPr>
+          <p:nvPr>
+            <p:ph type="sldNum" sz="quarter" idx="12"/>
+          </p:nvPr>
+        </p:nvSpPr>
+        <p:spPr/>
+        <p:txBody>
+          <a:bodyPr/>
+          <a:lstStyle/>
+          <a:p>
+            <a:fld id="{1D5CD492-2BC6-F348-9965-EC1D86DF57A8}" type="slidenum">
+              <a:rPr lang="en-US" smtClean="0"/>
+              <a:t>12</a:t>
+            </a:fld>
+            <a:endParaRPr lang="en-US"/>
+          </a:p>
+        </p:txBody>
+      </p:sp>
+    </p:spTree>
+    <p:extLst>
+      <p:ext uri="{BB962C8B-B14F-4D97-AF65-F5344CB8AC3E}">
+        <p14:creationId xmlns:p14="http://schemas.microsoft.com/office/powerpoint/2010/main" val="468529659"/>
+      </p:ext>
+    </p:extLst>
+  </p:cSld>
+  <p:clrMapOvr>
+    <a:masterClrMapping/>
+  </p:clrMapOvr>
+  <p:transition spd="med">
+    <p:wipe dir="r"/>
+  </p:transition>
+</p:sld>
+</file>
+
+<file path=ppt/slides/slide13.xml><?xml version="1.0" encoding="utf-8"?>
+<p:sld xmlns:a="http://schemas.openxmlformats.org/drawingml/2006/main" xmlns:r="http://schemas.openxmlformats.org/officeDocument/2006/relationships" xmlns:p="http://schemas.openxmlformats.org/presentationml/2006/main">
+  <p:cSld>
+    <p:spTree>
+      <p:nvGrpSpPr>
+        <p:cNvPr id="1" name=""/>
+        <p:cNvGrpSpPr/>
+        <p:nvPr/>
+      </p:nvGrpSpPr>
+      <p:grpSpPr>
+        <a:xfrm>
+          <a:off x="0" y="0"/>
+          <a:ext cx="0" cy="0"/>
+          <a:chOff x="0" y="0"/>
+          <a:chExt cx="0" cy="0"/>
+        </a:xfrm>
+      </p:grpSpPr>
+      <p:sp>
+        <p:nvSpPr>
+          <p:cNvPr id="2" name="Title 1"/>
+          <p:cNvSpPr>
+            <a:spLocks noGrp="1"/>
+          </p:cNvSpPr>
+          <p:nvPr>
+            <p:ph type="title"/>
+          </p:nvPr>
+        </p:nvSpPr>
+        <p:spPr/>
+        <p:txBody>
+          <a:bodyPr/>
+          <a:lstStyle/>
+          <a:p>
+            <a:r>
+              <a:rPr lang="en-US" dirty="0"/>
+              <a:t>Interface example</a:t>
+            </a:r>
+          </a:p>
+        </p:txBody>
+      </p:sp>
+      <p:sp>
+        <p:nvSpPr>
+          <p:cNvPr id="3" name="Content Placeholder 2"/>
+          <p:cNvSpPr>
+            <a:spLocks noGrp="1"/>
+          </p:cNvSpPr>
+          <p:nvPr>
+            <p:ph idx="1"/>
+          </p:nvPr>
+        </p:nvSpPr>
+        <p:spPr/>
+        <p:txBody>
+          <a:bodyPr/>
+          <a:lstStyle/>
+          <a:p>
+            <a:r>
+              <a:rPr lang="en-US" dirty="0"/>
+              <a:t>So, when a class implements an interface might be seen as the person must have the ability to carry out what the role requires.</a:t>
+            </a:r>
+          </a:p>
+          <a:p>
+            <a:r>
+              <a:rPr lang="en-US" dirty="0"/>
+              <a:t>So a person can play 2 roles simultaneously: mother &amp; software engineer</a:t>
+            </a:r>
+          </a:p>
+          <a:p>
+            <a:r>
+              <a:rPr lang="en-US" dirty="0"/>
+              <a:t>Mother interface has </a:t>
+            </a:r>
+            <a:r>
+              <a:rPr lang="en-US" dirty="0" err="1"/>
+              <a:t>breastFeeding</a:t>
+            </a:r>
+            <a:r>
+              <a:rPr lang="en-US" dirty="0"/>
+              <a:t>(Person child) method, raise(Person child) method, cook() method, and teach(Person child) method.</a:t>
+            </a:r>
+          </a:p>
+          <a:p>
+            <a:r>
+              <a:rPr lang="en-US" dirty="0"/>
+              <a:t>Class Person implements Mother, </a:t>
+            </a:r>
+            <a:r>
+              <a:rPr lang="en-US" dirty="0" err="1"/>
+              <a:t>SoftwareEngineer</a:t>
+            </a:r>
+            <a:r>
+              <a:rPr lang="en-US" dirty="0"/>
+              <a:t> {</a:t>
+            </a:r>
+            <a:r>
+              <a:rPr lang="mr-IN" dirty="0"/>
+              <a:t>…</a:t>
+            </a:r>
+            <a:r>
+              <a:rPr lang="en-US" dirty="0"/>
+              <a:t>}</a:t>
+            </a:r>
+          </a:p>
+        </p:txBody>
+      </p:sp>
+      <p:sp>
+        <p:nvSpPr>
+          <p:cNvPr id="4" name="Footer Placeholder 3"/>
+          <p:cNvSpPr>
+            <a:spLocks noGrp="1"/>
+          </p:cNvSpPr>
+          <p:nvPr>
+            <p:ph type="ftr" sz="quarter" idx="10"/>
+          </p:nvPr>
+        </p:nvSpPr>
+        <p:spPr/>
+        <p:txBody>
+          <a:bodyPr/>
+          <a:lstStyle/>
+          <a:p>
+            <a:r>
+              <a:rPr lang="en-US" dirty="0"/>
+              <a:t>Lecture 3: OOP</a:t>
+            </a:r>
+          </a:p>
+        </p:txBody>
+      </p:sp>
+      <p:sp>
+        <p:nvSpPr>
+          <p:cNvPr id="5" name="Date Placeholder 4"/>
+          <p:cNvSpPr>
+            <a:spLocks noGrp="1"/>
+          </p:cNvSpPr>
+          <p:nvPr>
+            <p:ph type="dt" sz="half" idx="11"/>
+          </p:nvPr>
+        </p:nvSpPr>
+        <p:spPr/>
+        <p:txBody>
+          <a:bodyPr/>
+          <a:lstStyle/>
+          <a:p>
+            <a:r>
+              <a:rPr lang="mr-IN" dirty="0"/>
+              <a:t>03/10/2020</a:t>
+            </a:r>
+            <a:endParaRPr lang="en-US" dirty="0"/>
+          </a:p>
+        </p:txBody>
+      </p:sp>
+      <p:sp>
+        <p:nvSpPr>
+          <p:cNvPr id="6" name="Slide Number Placeholder 5"/>
+          <p:cNvSpPr>
+            <a:spLocks noGrp="1"/>
+          </p:cNvSpPr>
+          <p:nvPr>
+            <p:ph type="sldNum" sz="quarter" idx="12"/>
+          </p:nvPr>
+        </p:nvSpPr>
+        <p:spPr/>
+        <p:txBody>
+          <a:bodyPr/>
+          <a:lstStyle/>
+          <a:p>
+            <a:fld id="{1D5CD492-2BC6-F348-9965-EC1D86DF57A8}" type="slidenum">
+              <a:rPr lang="en-US" smtClean="0"/>
+              <a:t>13</a:t>
+            </a:fld>
+            <a:endParaRPr lang="en-US"/>
+          </a:p>
+        </p:txBody>
+      </p:sp>
+    </p:spTree>
+    <p:extLst>
+      <p:ext uri="{BB962C8B-B14F-4D97-AF65-F5344CB8AC3E}">
+        <p14:creationId xmlns:p14="http://schemas.microsoft.com/office/powerpoint/2010/main" val="376477224"/>
+      </p:ext>
+    </p:extLst>
+  </p:cSld>
+  <p:clrMapOvr>
+    <a:masterClrMapping/>
+  </p:clrMapOvr>
+  <p:transition spd="med">
+    <p:wipe dir="r"/>
+  </p:transition>
+</p:sld>
+</file>
+
+<file path=ppt/slides/slide14.xml><?xml version="1.0" encoding="utf-8"?>
+<p:sld xmlns:a="http://schemas.openxmlformats.org/drawingml/2006/main" xmlns:r="http://schemas.openxmlformats.org/officeDocument/2006/relationships" xmlns:p="http://schemas.openxmlformats.org/presentationml/2006/main">
+  <p:cSld>
+    <p:spTree>
+      <p:nvGrpSpPr>
+        <p:cNvPr id="1" name=""/>
+        <p:cNvGrpSpPr/>
+        <p:nvPr/>
+      </p:nvGrpSpPr>
+      <p:grpSpPr>
+        <a:xfrm>
+          <a:off x="0" y="0"/>
+          <a:ext cx="0" cy="0"/>
+          <a:chOff x="0" y="0"/>
+          <a:chExt cx="0" cy="0"/>
+        </a:xfrm>
+      </p:grpSpPr>
+      <p:sp>
+        <p:nvSpPr>
+          <p:cNvPr id="2" name="Title 1"/>
+          <p:cNvSpPr>
+            <a:spLocks noGrp="1"/>
+          </p:cNvSpPr>
+          <p:nvPr>
+            <p:ph type="title"/>
+          </p:nvPr>
+        </p:nvSpPr>
+        <p:spPr/>
+        <p:txBody>
+          <a:bodyPr/>
+          <a:lstStyle/>
+          <a:p>
+            <a:r>
+              <a:rPr lang="en-US" dirty="0"/>
+              <a:t>Abstract class example</a:t>
+            </a:r>
+          </a:p>
+        </p:txBody>
+      </p:sp>
+      <p:sp>
+        <p:nvSpPr>
+          <p:cNvPr id="3" name="Content Placeholder 2"/>
+          <p:cNvSpPr>
+            <a:spLocks noGrp="1"/>
+          </p:cNvSpPr>
+          <p:nvPr>
+            <p:ph idx="1"/>
+          </p:nvPr>
+        </p:nvSpPr>
+        <p:spPr/>
+        <p:txBody>
+          <a:bodyPr/>
+          <a:lstStyle/>
+          <a:p>
+            <a:r>
+              <a:rPr lang="en-US" dirty="0"/>
+              <a:t>Abstract class might be used to define a common behavior of similar classes. So we put all common methods into an abstract class, and we might put some default behaviors by implementing some methods in abstract class, </a:t>
+            </a:r>
+            <a:r>
+              <a:rPr lang="en-US"/>
+              <a:t>while leaving </a:t>
+            </a:r>
+            <a:r>
+              <a:rPr lang="en-US" dirty="0"/>
+              <a:t>some methods empty for its child to implement.</a:t>
+            </a:r>
+          </a:p>
+          <a:p>
+            <a:r>
+              <a:rPr lang="en-US" dirty="0"/>
+              <a:t>Since java supports only single inheritance, a class might only extends directly 1 abstract class.</a:t>
+            </a:r>
+          </a:p>
+        </p:txBody>
+      </p:sp>
+      <p:sp>
+        <p:nvSpPr>
+          <p:cNvPr id="4" name="Footer Placeholder 3"/>
+          <p:cNvSpPr>
+            <a:spLocks noGrp="1"/>
+          </p:cNvSpPr>
+          <p:nvPr>
+            <p:ph type="ftr" sz="quarter" idx="10"/>
+          </p:nvPr>
+        </p:nvSpPr>
+        <p:spPr/>
+        <p:txBody>
+          <a:bodyPr/>
+          <a:lstStyle/>
+          <a:p>
+            <a:r>
+              <a:rPr lang="en-US" dirty="0"/>
+              <a:t>Lecture 3: OOP</a:t>
+            </a:r>
+          </a:p>
+        </p:txBody>
+      </p:sp>
+      <p:sp>
+        <p:nvSpPr>
+          <p:cNvPr id="5" name="Date Placeholder 4"/>
+          <p:cNvSpPr>
+            <a:spLocks noGrp="1"/>
+          </p:cNvSpPr>
+          <p:nvPr>
+            <p:ph type="dt" sz="half" idx="11"/>
+          </p:nvPr>
+        </p:nvSpPr>
+        <p:spPr/>
+        <p:txBody>
+          <a:bodyPr/>
+          <a:lstStyle/>
+          <a:p>
+            <a:r>
+              <a:rPr lang="mr-IN" dirty="0"/>
+              <a:t>03/10/2020</a:t>
+            </a:r>
+            <a:endParaRPr lang="en-US" dirty="0"/>
+          </a:p>
+        </p:txBody>
+      </p:sp>
+      <p:sp>
+        <p:nvSpPr>
+          <p:cNvPr id="6" name="Slide Number Placeholder 5"/>
+          <p:cNvSpPr>
+            <a:spLocks noGrp="1"/>
+          </p:cNvSpPr>
+          <p:nvPr>
+            <p:ph type="sldNum" sz="quarter" idx="12"/>
+          </p:nvPr>
+        </p:nvSpPr>
+        <p:spPr/>
+        <p:txBody>
+          <a:bodyPr/>
+          <a:lstStyle/>
+          <a:p>
+            <a:fld id="{1D5CD492-2BC6-F348-9965-EC1D86DF57A8}" type="slidenum">
+              <a:rPr lang="en-US" smtClean="0"/>
+              <a:t>14</a:t>
+            </a:fld>
+            <a:endParaRPr lang="en-US"/>
+          </a:p>
+        </p:txBody>
+      </p:sp>
+    </p:spTree>
+    <p:extLst>
+      <p:ext uri="{BB962C8B-B14F-4D97-AF65-F5344CB8AC3E}">
+        <p14:creationId xmlns:p14="http://schemas.microsoft.com/office/powerpoint/2010/main" val="1636169102"/>
+      </p:ext>
+    </p:extLst>
+  </p:cSld>
+  <p:clrMapOvr>
+    <a:masterClrMapping/>
+  </p:clrMapOvr>
+  <p:transition spd="med">
+    <p:wipe dir="r"/>
+  </p:transition>
+</p:sld>
+</file>
+
+<file path=ppt/slides/slide15.xml><?xml version="1.0" encoding="utf-8"?>
+<p:sld xmlns:a="http://schemas.openxmlformats.org/drawingml/2006/main" xmlns:r="http://schemas.openxmlformats.org/officeDocument/2006/relationships" xmlns:p="http://schemas.openxmlformats.org/presentationml/2006/main">
+  <p:cSld>
+    <p:spTree>
+      <p:nvGrpSpPr>
+        <p:cNvPr id="1" name=""/>
+        <p:cNvGrpSpPr/>
+        <p:nvPr/>
+      </p:nvGrpSpPr>
+      <p:grpSpPr>
+        <a:xfrm>
+          <a:off x="0" y="0"/>
+          <a:ext cx="0" cy="0"/>
+          <a:chOff x="0" y="0"/>
+          <a:chExt cx="0" cy="0"/>
+        </a:xfrm>
+      </p:grpSpPr>
+      <p:sp>
+        <p:nvSpPr>
+          <p:cNvPr id="2" name="Title 1"/>
+          <p:cNvSpPr>
+            <a:spLocks noGrp="1"/>
+          </p:cNvSpPr>
+          <p:nvPr>
+            <p:ph type="title"/>
+          </p:nvPr>
+        </p:nvSpPr>
+        <p:spPr/>
+        <p:txBody>
+          <a:bodyPr/>
+          <a:lstStyle/>
+          <a:p>
+            <a:r>
+              <a:rPr lang="en-US" dirty="0"/>
+              <a:t>Type checking</a:t>
+            </a:r>
+          </a:p>
+        </p:txBody>
+      </p:sp>
+      <p:sp>
+        <p:nvSpPr>
+          <p:cNvPr id="3" name="Content Placeholder 2"/>
+          <p:cNvSpPr>
+            <a:spLocks noGrp="1"/>
+          </p:cNvSpPr>
+          <p:nvPr>
+            <p:ph idx="1"/>
+          </p:nvPr>
+        </p:nvSpPr>
+        <p:spPr>
+          <a:xfrm>
+            <a:off x="457200" y="1600200"/>
+            <a:ext cx="8229600" cy="4756150"/>
+          </a:xfrm>
+        </p:spPr>
+        <p:txBody>
+          <a:bodyPr/>
+          <a:lstStyle/>
+          <a:p>
+            <a:r>
+              <a:rPr lang="en-US" dirty="0"/>
+              <a:t>We might think about the metaphor of type with the “is a” relation, for example:</a:t>
+            </a:r>
+          </a:p>
+          <a:p>
+            <a:pPr lvl="1"/>
+            <a:r>
+              <a:rPr lang="en-US" dirty="0"/>
+              <a:t>An eagle “is a” bird, a bird “is an” animal, and (so) an eagle “is an” animal</a:t>
+            </a:r>
+          </a:p>
+          <a:p>
+            <a:pPr marL="57150" indent="0">
+              <a:buNone/>
+            </a:pPr>
+            <a:r>
+              <a:rPr lang="en-US" dirty="0">
+                <a:latin typeface="+mj-lt"/>
+              </a:rPr>
+              <a:t>class Animal extends </a:t>
+            </a:r>
+            <a:r>
+              <a:rPr lang="en-US" dirty="0" err="1">
+                <a:latin typeface="+mj-lt"/>
+              </a:rPr>
+              <a:t>LiveThing</a:t>
+            </a:r>
+            <a:r>
+              <a:rPr lang="en-US" dirty="0">
+                <a:latin typeface="+mj-lt"/>
+              </a:rPr>
+              <a:t> { public method move() {</a:t>
+            </a:r>
+            <a:r>
+              <a:rPr lang="mr-IN" dirty="0">
+                <a:latin typeface="+mj-lt"/>
+              </a:rPr>
+              <a:t>…</a:t>
+            </a:r>
+            <a:r>
+              <a:rPr lang="en-US" dirty="0">
+                <a:latin typeface="+mj-lt"/>
+              </a:rPr>
+              <a:t>} </a:t>
+            </a:r>
+            <a:r>
+              <a:rPr lang="mr-IN" dirty="0">
+                <a:latin typeface="+mj-lt"/>
+              </a:rPr>
+              <a:t>…</a:t>
+            </a:r>
+            <a:r>
+              <a:rPr lang="en-US" dirty="0">
+                <a:latin typeface="+mj-lt"/>
+              </a:rPr>
+              <a:t> }</a:t>
+            </a:r>
+          </a:p>
+          <a:p>
+            <a:pPr marL="57150" indent="0">
+              <a:buNone/>
+            </a:pPr>
+            <a:r>
+              <a:rPr lang="en-US" dirty="0">
+                <a:latin typeface="+mj-lt"/>
+              </a:rPr>
+              <a:t>class Bird extends Animal { public method fly(){</a:t>
+            </a:r>
+            <a:r>
+              <a:rPr lang="mr-IN" dirty="0">
+                <a:latin typeface="+mj-lt"/>
+              </a:rPr>
+              <a:t>…</a:t>
+            </a:r>
+            <a:r>
+              <a:rPr lang="en-US" dirty="0">
+                <a:latin typeface="+mj-lt"/>
+              </a:rPr>
+              <a:t>} </a:t>
+            </a:r>
+            <a:r>
+              <a:rPr lang="mr-IN" dirty="0">
+                <a:latin typeface="+mj-lt"/>
+              </a:rPr>
+              <a:t>…</a:t>
+            </a:r>
+            <a:r>
+              <a:rPr lang="en-US" dirty="0">
+                <a:latin typeface="+mj-lt"/>
+              </a:rPr>
+              <a:t> }</a:t>
+            </a:r>
+          </a:p>
+          <a:p>
+            <a:pPr marL="57150" indent="0">
+              <a:buNone/>
+            </a:pPr>
+            <a:r>
+              <a:rPr lang="en-US" dirty="0">
+                <a:latin typeface="+mj-lt"/>
+              </a:rPr>
+              <a:t>class Eagle extends Bird { public method </a:t>
+            </a:r>
+            <a:r>
+              <a:rPr lang="en-US" dirty="0" err="1">
+                <a:latin typeface="+mj-lt"/>
+              </a:rPr>
+              <a:t>eat_snake</a:t>
+            </a:r>
+            <a:r>
+              <a:rPr lang="en-US" dirty="0">
+                <a:latin typeface="+mj-lt"/>
+              </a:rPr>
+              <a:t>(){</a:t>
+            </a:r>
+            <a:r>
+              <a:rPr lang="mr-IN" dirty="0">
+                <a:latin typeface="+mj-lt"/>
+              </a:rPr>
+              <a:t>…</a:t>
+            </a:r>
+            <a:r>
+              <a:rPr lang="en-US" dirty="0">
+                <a:latin typeface="+mj-lt"/>
+              </a:rPr>
+              <a:t>} </a:t>
+            </a:r>
+            <a:r>
+              <a:rPr lang="mr-IN" dirty="0">
+                <a:latin typeface="+mj-lt"/>
+              </a:rPr>
+              <a:t>…</a:t>
+            </a:r>
+            <a:r>
+              <a:rPr lang="en-US" dirty="0">
+                <a:latin typeface="+mj-lt"/>
+              </a:rPr>
+              <a:t> }</a:t>
+            </a:r>
+          </a:p>
+          <a:p>
+            <a:pPr lvl="1"/>
+            <a:r>
+              <a:rPr lang="en-US" dirty="0"/>
+              <a:t>As we see, the child class has all its parent classes behaviors, and they also have their own behaviors.</a:t>
+            </a:r>
+          </a:p>
+          <a:p>
+            <a:pPr lvl="1"/>
+            <a:r>
+              <a:rPr lang="en-US" dirty="0"/>
+              <a:t>That’s why we can say: my eagle is an animal.</a:t>
+            </a:r>
+          </a:p>
+          <a:p>
+            <a:pPr marL="57150" indent="0">
+              <a:buNone/>
+            </a:pPr>
+            <a:r>
+              <a:rPr lang="en-US" dirty="0"/>
+              <a:t>Equivalent statement: Animal </a:t>
+            </a:r>
+            <a:r>
+              <a:rPr lang="en-US" dirty="0" err="1"/>
+              <a:t>my_eagle</a:t>
+            </a:r>
+            <a:r>
+              <a:rPr lang="en-US" dirty="0"/>
+              <a:t> = new Eagle();</a:t>
+            </a:r>
+          </a:p>
+        </p:txBody>
+      </p:sp>
+      <p:sp>
+        <p:nvSpPr>
+          <p:cNvPr id="4" name="Footer Placeholder 3"/>
+          <p:cNvSpPr>
+            <a:spLocks noGrp="1"/>
+          </p:cNvSpPr>
+          <p:nvPr>
+            <p:ph type="ftr" sz="quarter" idx="10"/>
+          </p:nvPr>
+        </p:nvSpPr>
+        <p:spPr/>
+        <p:txBody>
+          <a:bodyPr/>
+          <a:lstStyle/>
+          <a:p>
+            <a:r>
+              <a:rPr lang="en-US" dirty="0"/>
+              <a:t>Lecture 3: OOP</a:t>
+            </a:r>
+          </a:p>
+        </p:txBody>
+      </p:sp>
+      <p:sp>
+        <p:nvSpPr>
+          <p:cNvPr id="5" name="Date Placeholder 4"/>
+          <p:cNvSpPr>
+            <a:spLocks noGrp="1"/>
+          </p:cNvSpPr>
+          <p:nvPr>
+            <p:ph type="dt" sz="half" idx="11"/>
+          </p:nvPr>
+        </p:nvSpPr>
+        <p:spPr/>
+        <p:txBody>
+          <a:bodyPr/>
+          <a:lstStyle/>
+          <a:p>
+            <a:r>
+              <a:rPr lang="mr-IN" dirty="0"/>
+              <a:t>03/10/2020</a:t>
+            </a:r>
+            <a:endParaRPr lang="en-US" dirty="0"/>
+          </a:p>
+        </p:txBody>
+      </p:sp>
+      <p:sp>
+        <p:nvSpPr>
+          <p:cNvPr id="6" name="Slide Number Placeholder 5"/>
+          <p:cNvSpPr>
+            <a:spLocks noGrp="1"/>
+          </p:cNvSpPr>
+          <p:nvPr>
+            <p:ph type="sldNum" sz="quarter" idx="12"/>
+          </p:nvPr>
+        </p:nvSpPr>
+        <p:spPr/>
+        <p:txBody>
+          <a:bodyPr/>
+          <a:lstStyle/>
+          <a:p>
+            <a:fld id="{1D5CD492-2BC6-F348-9965-EC1D86DF57A8}" type="slidenum">
+              <a:rPr lang="en-US" smtClean="0"/>
+              <a:t>15</a:t>
+            </a:fld>
+            <a:endParaRPr lang="en-US"/>
+          </a:p>
+        </p:txBody>
+      </p:sp>
+    </p:spTree>
+    <p:extLst>
+      <p:ext uri="{BB962C8B-B14F-4D97-AF65-F5344CB8AC3E}">
+        <p14:creationId xmlns:p14="http://schemas.microsoft.com/office/powerpoint/2010/main" val="312882625"/>
+      </p:ext>
+    </p:extLst>
+  </p:cSld>
+  <p:clrMapOvr>
+    <a:masterClrMapping/>
+  </p:clrMapOvr>
+  <p:transition spd="med">
+    <p:wipe dir="r"/>
+  </p:transition>
+</p:sld>
+</file>
+
+<file path=ppt/slides/slide16.xml><?xml version="1.0" encoding="utf-8"?>
+<p:sld xmlns:a="http://schemas.openxmlformats.org/drawingml/2006/main" xmlns:r="http://schemas.openxmlformats.org/officeDocument/2006/relationships" xmlns:p="http://schemas.openxmlformats.org/presentationml/2006/main">
+  <p:cSld>
+    <p:spTree>
+      <p:nvGrpSpPr>
+        <p:cNvPr id="1" name=""/>
+        <p:cNvGrpSpPr/>
+        <p:nvPr/>
+      </p:nvGrpSpPr>
+      <p:grpSpPr>
+        <a:xfrm>
+          <a:off x="0" y="0"/>
+          <a:ext cx="0" cy="0"/>
+          <a:chOff x="0" y="0"/>
+          <a:chExt cx="0" cy="0"/>
+        </a:xfrm>
+      </p:grpSpPr>
+      <p:sp>
+        <p:nvSpPr>
+          <p:cNvPr id="2" name="Title 1"/>
+          <p:cNvSpPr>
+            <a:spLocks noGrp="1"/>
+          </p:cNvSpPr>
+          <p:nvPr>
+            <p:ph type="title"/>
+          </p:nvPr>
+        </p:nvSpPr>
+        <p:spPr/>
+        <p:txBody>
+          <a:bodyPr/>
+          <a:lstStyle/>
+          <a:p>
+            <a:r>
+              <a:rPr lang="en-US" dirty="0"/>
+              <a:t>Type checking</a:t>
+            </a:r>
+          </a:p>
+        </p:txBody>
+      </p:sp>
+      <p:sp>
+        <p:nvSpPr>
+          <p:cNvPr id="3" name="Content Placeholder 2"/>
+          <p:cNvSpPr>
+            <a:spLocks noGrp="1"/>
+          </p:cNvSpPr>
+          <p:nvPr>
+            <p:ph idx="1"/>
+          </p:nvPr>
+        </p:nvSpPr>
+        <p:spPr/>
+        <p:txBody>
+          <a:bodyPr/>
+          <a:lstStyle/>
+          <a:p>
+            <a:r>
+              <a:rPr lang="en-US" dirty="0"/>
+              <a:t>We might keep the metaphor of interface as role.</a:t>
+            </a:r>
+          </a:p>
+          <a:p>
+            <a:r>
+              <a:rPr lang="en-US" dirty="0"/>
+              <a:t>So an interface is like a role, a person can play as many roles as he want, as long as he “knows” the behavior of the roles that he plays, “knows” means he implements the behaviors so that he can be able to receive the messages (behavior = method, calling a method = sending a message) and return the corresponding actions (return the right object).</a:t>
+            </a:r>
+          </a:p>
+          <a:p>
+            <a:r>
+              <a:rPr lang="en-US" dirty="0"/>
+              <a:t>For example: the person Obama can play father role and president role and husband role at </a:t>
+            </a:r>
+            <a:r>
+              <a:rPr lang="en-US"/>
+              <a:t>the same time.</a:t>
+            </a:r>
+            <a:endParaRPr lang="en-US" dirty="0"/>
+          </a:p>
+        </p:txBody>
+      </p:sp>
+      <p:sp>
+        <p:nvSpPr>
+          <p:cNvPr id="4" name="Footer Placeholder 3"/>
+          <p:cNvSpPr>
+            <a:spLocks noGrp="1"/>
+          </p:cNvSpPr>
+          <p:nvPr>
+            <p:ph type="ftr" sz="quarter" idx="10"/>
+          </p:nvPr>
+        </p:nvSpPr>
+        <p:spPr/>
+        <p:txBody>
+          <a:bodyPr/>
+          <a:lstStyle/>
+          <a:p>
+            <a:r>
+              <a:rPr lang="en-US" dirty="0"/>
+              <a:t>Lecture 3: OOP</a:t>
+            </a:r>
+          </a:p>
+        </p:txBody>
+      </p:sp>
+      <p:sp>
+        <p:nvSpPr>
+          <p:cNvPr id="5" name="Date Placeholder 4"/>
+          <p:cNvSpPr>
+            <a:spLocks noGrp="1"/>
+          </p:cNvSpPr>
+          <p:nvPr>
+            <p:ph type="dt" sz="half" idx="11"/>
+          </p:nvPr>
+        </p:nvSpPr>
+        <p:spPr/>
+        <p:txBody>
+          <a:bodyPr/>
+          <a:lstStyle/>
+          <a:p>
+            <a:r>
+              <a:rPr lang="mr-IN" dirty="0"/>
+              <a:t>03/10/2020</a:t>
+            </a:r>
+            <a:endParaRPr lang="en-US" dirty="0"/>
+          </a:p>
+        </p:txBody>
+      </p:sp>
+      <p:sp>
+        <p:nvSpPr>
+          <p:cNvPr id="6" name="Slide Number Placeholder 5"/>
+          <p:cNvSpPr>
+            <a:spLocks noGrp="1"/>
+          </p:cNvSpPr>
+          <p:nvPr>
+            <p:ph type="sldNum" sz="quarter" idx="12"/>
+          </p:nvPr>
+        </p:nvSpPr>
+        <p:spPr/>
+        <p:txBody>
+          <a:bodyPr/>
+          <a:lstStyle/>
+          <a:p>
+            <a:fld id="{1D5CD492-2BC6-F348-9965-EC1D86DF57A8}" type="slidenum">
+              <a:rPr lang="en-US" smtClean="0"/>
+              <a:t>16</a:t>
+            </a:fld>
+            <a:endParaRPr lang="en-US"/>
+          </a:p>
+        </p:txBody>
+      </p:sp>
+    </p:spTree>
+    <p:extLst>
+      <p:ext uri="{BB962C8B-B14F-4D97-AF65-F5344CB8AC3E}">
+        <p14:creationId xmlns:p14="http://schemas.microsoft.com/office/powerpoint/2010/main" val="1203550780"/>
+      </p:ext>
+    </p:extLst>
+  </p:cSld>
+  <p:clrMapOvr>
+    <a:masterClrMapping/>
+  </p:clrMapOvr>
+  <p:transition spd="med">
+    <p:wipe dir="r"/>
+  </p:transition>
+</p:sld>
+</file>
+
+<file path=ppt/slides/slide17.xml><?xml version="1.0" encoding="utf-8"?>
+<p:sld xmlns:a="http://schemas.openxmlformats.org/drawingml/2006/main" xmlns:r="http://schemas.openxmlformats.org/officeDocument/2006/relationships" xmlns:p="http://schemas.openxmlformats.org/presentationml/2006/main">
+  <p:cSld>
+    <p:spTree>
+      <p:nvGrpSpPr>
+        <p:cNvPr id="1" name=""/>
+        <p:cNvGrpSpPr/>
+        <p:nvPr/>
+      </p:nvGrpSpPr>
+      <p:grpSpPr>
+        <a:xfrm>
+          <a:off x="0" y="0"/>
+          <a:ext cx="0" cy="0"/>
+          <a:chOff x="0" y="0"/>
+          <a:chExt cx="0" cy="0"/>
+        </a:xfrm>
+      </p:grpSpPr>
+      <p:sp>
+        <p:nvSpPr>
+          <p:cNvPr id="2" name="Title 1">
+            <a:extLst>
+              <a:ext uri="{FF2B5EF4-FFF2-40B4-BE49-F238E27FC236}">
+                <a16:creationId xmlns:a16="http://schemas.microsoft.com/office/drawing/2014/main" id="{AA21C826-35C8-8647-8443-4FE147423E41}"/>
+              </a:ext>
+            </a:extLst>
+          </p:cNvPr>
+          <p:cNvSpPr>
+            <a:spLocks noGrp="1"/>
+          </p:cNvSpPr>
+          <p:nvPr>
+            <p:ph type="title"/>
+          </p:nvPr>
+        </p:nvSpPr>
+        <p:spPr/>
+        <p:txBody>
+          <a:bodyPr/>
+          <a:lstStyle/>
+          <a:p>
+            <a:r>
+              <a:rPr lang="en-VN" dirty="0"/>
+              <a:t>Homework</a:t>
+            </a:r>
+          </a:p>
+        </p:txBody>
+      </p:sp>
+      <p:sp>
+        <p:nvSpPr>
+          <p:cNvPr id="3" name="Content Placeholder 2">
+            <a:extLst>
+              <a:ext uri="{FF2B5EF4-FFF2-40B4-BE49-F238E27FC236}">
+                <a16:creationId xmlns:a16="http://schemas.microsoft.com/office/drawing/2014/main" id="{28C1C79B-821A-804D-8E76-F278764819EF}"/>
+              </a:ext>
+            </a:extLst>
+          </p:cNvPr>
+          <p:cNvSpPr>
+            <a:spLocks noGrp="1"/>
+          </p:cNvSpPr>
+          <p:nvPr>
+            <p:ph idx="1"/>
+          </p:nvPr>
+        </p:nvSpPr>
+        <p:spPr/>
+        <p:txBody>
+          <a:bodyPr/>
+          <a:lstStyle/>
+          <a:p>
+            <a:r>
+              <a:rPr lang="en-VN" dirty="0"/>
+              <a:t>Read OOP slides (Chapter 1)</a:t>
+            </a:r>
+          </a:p>
+          <a:p>
+            <a:r>
+              <a:rPr lang="en-VN" dirty="0"/>
+              <a:t>OOP Exercise (1.1 </a:t>
+            </a:r>
+            <a:r>
+              <a:rPr lang="en-VN" dirty="0">
+                <a:sym typeface="Wingdings" pitchFamily="2" charset="2"/>
+              </a:rPr>
+              <a:t> 1.9)</a:t>
+            </a:r>
+            <a:endParaRPr lang="en-VN" dirty="0"/>
+          </a:p>
+        </p:txBody>
+      </p:sp>
+      <p:sp>
+        <p:nvSpPr>
+          <p:cNvPr id="4" name="Footer Placeholder 3">
+            <a:extLst>
+              <a:ext uri="{FF2B5EF4-FFF2-40B4-BE49-F238E27FC236}">
+                <a16:creationId xmlns:a16="http://schemas.microsoft.com/office/drawing/2014/main" id="{8F500321-CDCA-1B4C-BD98-D802AFDC2408}"/>
+              </a:ext>
+            </a:extLst>
+          </p:cNvPr>
+          <p:cNvSpPr>
+            <a:spLocks noGrp="1"/>
+          </p:cNvSpPr>
+          <p:nvPr>
+            <p:ph type="ftr" sz="quarter" idx="10"/>
+          </p:nvPr>
+        </p:nvSpPr>
+        <p:spPr/>
+        <p:txBody>
+          <a:bodyPr/>
+          <a:lstStyle/>
+          <a:p>
+            <a:r>
+              <a:rPr lang="en-US"/>
+              <a:t>Lecture 3: OOP</a:t>
+            </a:r>
+            <a:endParaRPr lang="en-US" dirty="0"/>
+          </a:p>
+        </p:txBody>
+      </p:sp>
+      <p:sp>
+        <p:nvSpPr>
+          <p:cNvPr id="5" name="Date Placeholder 4">
+            <a:extLst>
+              <a:ext uri="{FF2B5EF4-FFF2-40B4-BE49-F238E27FC236}">
+                <a16:creationId xmlns:a16="http://schemas.microsoft.com/office/drawing/2014/main" id="{40C2BD27-E2DD-1E4F-B753-FD6D31FE57CF}"/>
+              </a:ext>
+            </a:extLst>
+          </p:cNvPr>
+          <p:cNvSpPr>
+            <a:spLocks noGrp="1"/>
+          </p:cNvSpPr>
+          <p:nvPr>
+            <p:ph type="dt" sz="half" idx="11"/>
+          </p:nvPr>
+        </p:nvSpPr>
+        <p:spPr/>
+        <p:txBody>
+          <a:bodyPr/>
+          <a:lstStyle/>
+          <a:p>
+            <a:r>
+              <a:rPr lang="mr-IN"/>
+              <a:t>03/10/2020</a:t>
+            </a:r>
+            <a:endParaRPr lang="en-US" dirty="0"/>
+          </a:p>
+        </p:txBody>
+      </p:sp>
+      <p:sp>
+        <p:nvSpPr>
+          <p:cNvPr id="6" name="Slide Number Placeholder 5">
+            <a:extLst>
+              <a:ext uri="{FF2B5EF4-FFF2-40B4-BE49-F238E27FC236}">
+                <a16:creationId xmlns:a16="http://schemas.microsoft.com/office/drawing/2014/main" id="{B0F79584-FA4D-B748-A78C-641EF66191F0}"/>
+              </a:ext>
+            </a:extLst>
+          </p:cNvPr>
+          <p:cNvSpPr>
+            <a:spLocks noGrp="1"/>
+          </p:cNvSpPr>
+          <p:nvPr>
+            <p:ph type="sldNum" sz="quarter" idx="12"/>
+          </p:nvPr>
+        </p:nvSpPr>
+        <p:spPr/>
+        <p:txBody>
+          <a:bodyPr/>
+          <a:lstStyle/>
+          <a:p>
+            <a:fld id="{1D5CD492-2BC6-F348-9965-EC1D86DF57A8}" type="slidenum">
+              <a:rPr lang="en-US" smtClean="0"/>
+              <a:t>17</a:t>
+            </a:fld>
+            <a:endParaRPr lang="en-US"/>
+          </a:p>
+        </p:txBody>
+      </p:sp>
+    </p:spTree>
+    <p:extLst>
+      <p:ext uri="{BB962C8B-B14F-4D97-AF65-F5344CB8AC3E}">
+        <p14:creationId xmlns:p14="http://schemas.microsoft.com/office/powerpoint/2010/main" val="2960818013"/>
+      </p:ext>
+    </p:extLst>
+  </p:cSld>
+  <p:clrMapOvr>
+    <a:masterClrMapping/>
+  </p:clrMapOvr>
+  <p:transition spd="med">
+    <p:wipe dir="r"/>
+  </p:transition>
+</p:sld>
+</file>
+
+<file path=ppt/slides/slide2.xml><?xml version="1.0" encoding="utf-8"?>
+<p:sld xmlns:a="http://schemas.openxmlformats.org/drawingml/2006/main" xmlns:r="http://schemas.openxmlformats.org/officeDocument/2006/relationships" xmlns:p="http://schemas.openxmlformats.org/presentationml/2006/main">
+  <p:cSld>
+    <p:spTree>
+      <p:nvGrpSpPr>
+        <p:cNvPr id="1" name=""/>
+        <p:cNvGrpSpPr/>
+        <p:nvPr/>
+      </p:nvGrpSpPr>
+      <p:grpSpPr>
+        <a:xfrm>
+          <a:off x="0" y="0"/>
+          <a:ext cx="0" cy="0"/>
+          <a:chOff x="0" y="0"/>
+          <a:chExt cx="0" cy="0"/>
+        </a:xfrm>
+      </p:grpSpPr>
+      <p:sp>
+        <p:nvSpPr>
+          <p:cNvPr id="2" name="Title 1"/>
+          <p:cNvSpPr>
+            <a:spLocks noGrp="1"/>
+          </p:cNvSpPr>
+          <p:nvPr>
+            <p:ph type="title"/>
+          </p:nvPr>
+        </p:nvSpPr>
+        <p:spPr/>
+        <p:txBody>
+          <a:bodyPr/>
+          <a:lstStyle/>
+          <a:p>
+            <a:r>
+              <a:rPr lang="en-US" dirty="0"/>
+              <a:t>Today’s topic</a:t>
+            </a:r>
+          </a:p>
+        </p:txBody>
+      </p:sp>
+      <p:sp>
+        <p:nvSpPr>
+          <p:cNvPr id="3" name="Content Placeholder 2"/>
+          <p:cNvSpPr>
+            <a:spLocks noGrp="1"/>
+          </p:cNvSpPr>
+          <p:nvPr>
+            <p:ph idx="1"/>
+          </p:nvPr>
+        </p:nvSpPr>
+        <p:spPr/>
+        <p:txBody>
+          <a:bodyPr/>
+          <a:lstStyle/>
+          <a:p>
+            <a:r>
+              <a:rPr lang="en-US" dirty="0"/>
+              <a:t>OOP Concepts</a:t>
+            </a:r>
+          </a:p>
+          <a:p>
+            <a:r>
+              <a:rPr lang="en-US" dirty="0"/>
+              <a:t>Class, Object, Interface, Abstract Class Review</a:t>
+            </a:r>
+          </a:p>
+          <a:p>
+            <a:r>
+              <a:rPr lang="en-US" dirty="0"/>
+              <a:t>Inheritance review in Java</a:t>
+            </a:r>
+          </a:p>
+          <a:p>
+            <a:r>
+              <a:rPr lang="en-US" dirty="0"/>
+              <a:t>Examples</a:t>
+            </a:r>
+          </a:p>
+        </p:txBody>
+      </p:sp>
+      <p:sp>
+        <p:nvSpPr>
+          <p:cNvPr id="7" name="Footer Placeholder 6"/>
+          <p:cNvSpPr>
+            <a:spLocks noGrp="1"/>
+          </p:cNvSpPr>
+          <p:nvPr>
+            <p:ph type="ftr" sz="quarter" idx="10"/>
+          </p:nvPr>
+        </p:nvSpPr>
+        <p:spPr/>
+        <p:txBody>
+          <a:bodyPr/>
+          <a:lstStyle/>
+          <a:p>
+            <a:r>
+              <a:rPr lang="en-US" dirty="0"/>
+              <a:t>Lecture 3: OOP</a:t>
+            </a:r>
+          </a:p>
+        </p:txBody>
+      </p:sp>
+      <p:sp>
+        <p:nvSpPr>
+          <p:cNvPr id="8" name="Date Placeholder 7"/>
+          <p:cNvSpPr>
+            <a:spLocks noGrp="1"/>
+          </p:cNvSpPr>
+          <p:nvPr>
+            <p:ph type="dt" sz="half" idx="11"/>
+          </p:nvPr>
+        </p:nvSpPr>
+        <p:spPr/>
+        <p:txBody>
+          <a:bodyPr/>
+          <a:lstStyle/>
+          <a:p>
+            <a:r>
+              <a:rPr lang="en-GB" dirty="0"/>
+              <a:t>03/10/2020</a:t>
+            </a:r>
+            <a:endParaRPr lang="en-US" dirty="0"/>
+          </a:p>
+        </p:txBody>
+      </p:sp>
+      <p:sp>
+        <p:nvSpPr>
+          <p:cNvPr id="9" name="Slide Number Placeholder 8"/>
+          <p:cNvSpPr>
+            <a:spLocks noGrp="1"/>
+          </p:cNvSpPr>
+          <p:nvPr>
+            <p:ph type="sldNum" sz="quarter" idx="12"/>
+          </p:nvPr>
+        </p:nvSpPr>
+        <p:spPr/>
+        <p:txBody>
+          <a:bodyPr/>
+          <a:lstStyle/>
+          <a:p>
+            <a:fld id="{1D5CD492-2BC6-F348-9965-EC1D86DF57A8}" type="slidenum">
+              <a:rPr lang="en-US" smtClean="0"/>
+              <a:t>2</a:t>
+            </a:fld>
+            <a:endParaRPr lang="en-US"/>
+          </a:p>
+        </p:txBody>
+      </p:sp>
+    </p:spTree>
+  </p:cSld>
+  <p:clrMapOvr>
+    <a:masterClrMapping/>
+  </p:clrMapOvr>
+  <p:transition spd="med">
+    <p:wipe dir="r"/>
+  </p:transition>
+</p:sld>
+</file>
+
+<file path=ppt/slides/slide3.xml><?xml version="1.0" encoding="utf-8"?>
+<p:sld xmlns:a="http://schemas.openxmlformats.org/drawingml/2006/main" xmlns:r="http://schemas.openxmlformats.org/officeDocument/2006/relationships" xmlns:p="http://schemas.openxmlformats.org/presentationml/2006/main">
+  <p:cSld>
+    <p:spTree>
+      <p:nvGrpSpPr>
+        <p:cNvPr id="1" name=""/>
+        <p:cNvGrpSpPr/>
+        <p:nvPr/>
+      </p:nvGrpSpPr>
+      <p:grpSpPr>
+        <a:xfrm>
+          <a:off x="0" y="0"/>
+          <a:ext cx="0" cy="0"/>
+          <a:chOff x="0" y="0"/>
+          <a:chExt cx="0" cy="0"/>
+        </a:xfrm>
+      </p:grpSpPr>
+      <p:sp>
+        <p:nvSpPr>
+          <p:cNvPr id="2" name="Title 1">
+            <a:extLst>
+              <a:ext uri="{FF2B5EF4-FFF2-40B4-BE49-F238E27FC236}">
+                <a16:creationId xmlns:a16="http://schemas.microsoft.com/office/drawing/2014/main" id="{D0A5152F-4587-1F4B-B3B9-65EEBE8B4811}"/>
+              </a:ext>
+            </a:extLst>
+          </p:cNvPr>
+          <p:cNvSpPr>
+            <a:spLocks noGrp="1"/>
+          </p:cNvSpPr>
+          <p:nvPr>
+            <p:ph type="title"/>
+          </p:nvPr>
+        </p:nvSpPr>
+        <p:spPr/>
+        <p:txBody>
+          <a:bodyPr/>
+          <a:lstStyle/>
+          <a:p>
+            <a:r>
+              <a:rPr lang="en-VN" dirty="0"/>
+              <a:t>OOP Concepts</a:t>
+            </a:r>
+          </a:p>
+        </p:txBody>
+      </p:sp>
+      <p:sp>
+        <p:nvSpPr>
+          <p:cNvPr id="3" name="Content Placeholder 2">
+            <a:extLst>
+              <a:ext uri="{FF2B5EF4-FFF2-40B4-BE49-F238E27FC236}">
+                <a16:creationId xmlns:a16="http://schemas.microsoft.com/office/drawing/2014/main" id="{D4D37EA6-A634-1943-B877-278EE9ADDA4C}"/>
+              </a:ext>
+            </a:extLst>
+          </p:cNvPr>
+          <p:cNvSpPr>
+            <a:spLocks noGrp="1"/>
+          </p:cNvSpPr>
+          <p:nvPr>
+            <p:ph idx="1"/>
+          </p:nvPr>
+        </p:nvSpPr>
+        <p:spPr>
+          <a:xfrm>
+            <a:off x="457200" y="1417638"/>
+            <a:ext cx="8229600" cy="4525963"/>
+          </a:xfrm>
+        </p:spPr>
+        <p:txBody>
+          <a:bodyPr/>
+          <a:lstStyle/>
+          <a:p>
+            <a:r>
+              <a:rPr lang="sv-SE" sz="2000" dirty="0">
+                <a:hlinkClick r:id="rId2"/>
+              </a:rPr>
+              <a:t>https://www.javatpoint.com/java-oops-concepts</a:t>
+            </a:r>
+            <a:endParaRPr lang="sv-SE" sz="2000" dirty="0"/>
+          </a:p>
+          <a:p>
+            <a:r>
+              <a:rPr lang="en-US" sz="2000" dirty="0"/>
+              <a:t>OOPs (Object-Oriented Programming System)</a:t>
+            </a:r>
+          </a:p>
+          <a:p>
+            <a:r>
+              <a:rPr lang="en-US" sz="2000" b="1" dirty="0"/>
+              <a:t>Object</a:t>
+            </a:r>
+            <a:r>
+              <a:rPr lang="en-US" sz="2000" dirty="0"/>
+              <a:t> means a real-world entity such as a pen, chair, table, computer, watch, etc. </a:t>
+            </a:r>
+          </a:p>
+          <a:p>
+            <a:r>
+              <a:rPr lang="en-US" sz="2000" b="1" dirty="0"/>
+              <a:t>Object-Oriented Programming</a:t>
+            </a:r>
+            <a:r>
+              <a:rPr lang="en-US" sz="2000" dirty="0"/>
+              <a:t> is a methodology or paradigm to design a program using classes and objects. It simplifies software development and maintenance by providing some concepts:</a:t>
+            </a:r>
+          </a:p>
+          <a:p>
+            <a:pPr lvl="1"/>
+            <a:r>
+              <a:rPr lang="en-US" dirty="0">
+                <a:hlinkClick r:id="rId3"/>
+              </a:rPr>
+              <a:t>Object</a:t>
+            </a:r>
+            <a:endParaRPr lang="en-US" dirty="0"/>
+          </a:p>
+          <a:p>
+            <a:pPr lvl="1"/>
+            <a:r>
+              <a:rPr lang="en-US" dirty="0"/>
+              <a:t>Class</a:t>
+            </a:r>
+          </a:p>
+          <a:p>
+            <a:pPr lvl="1"/>
+            <a:r>
+              <a:rPr lang="en-US" dirty="0">
+                <a:hlinkClick r:id="rId4"/>
+              </a:rPr>
+              <a:t>Inheritance</a:t>
+            </a:r>
+            <a:endParaRPr lang="en-US" dirty="0"/>
+          </a:p>
+          <a:p>
+            <a:pPr lvl="1"/>
+            <a:r>
+              <a:rPr lang="en-US" dirty="0">
+                <a:hlinkClick r:id="rId5"/>
+              </a:rPr>
+              <a:t>Polymorphism</a:t>
+            </a:r>
+            <a:endParaRPr lang="en-US" dirty="0"/>
+          </a:p>
+          <a:p>
+            <a:pPr lvl="1"/>
+            <a:r>
+              <a:rPr lang="en-US" dirty="0">
+                <a:hlinkClick r:id="rId6"/>
+              </a:rPr>
+              <a:t>Abstraction</a:t>
+            </a:r>
+            <a:endParaRPr lang="en-US" dirty="0"/>
+          </a:p>
+          <a:p>
+            <a:pPr lvl="1"/>
+            <a:r>
+              <a:rPr lang="en-US" dirty="0">
+                <a:hlinkClick r:id="rId7"/>
+              </a:rPr>
+              <a:t>Encapsulation</a:t>
+            </a:r>
+            <a:endParaRPr lang="en-US" dirty="0"/>
+          </a:p>
+        </p:txBody>
+      </p:sp>
+      <p:sp>
+        <p:nvSpPr>
+          <p:cNvPr id="4" name="Footer Placeholder 3">
+            <a:extLst>
+              <a:ext uri="{FF2B5EF4-FFF2-40B4-BE49-F238E27FC236}">
+                <a16:creationId xmlns:a16="http://schemas.microsoft.com/office/drawing/2014/main" id="{FB9C6D5E-9696-D34E-9E31-B719E9DFB889}"/>
+              </a:ext>
+            </a:extLst>
+          </p:cNvPr>
+          <p:cNvSpPr>
+            <a:spLocks noGrp="1"/>
+          </p:cNvSpPr>
+          <p:nvPr>
+            <p:ph type="ftr" sz="quarter" idx="10"/>
+          </p:nvPr>
+        </p:nvSpPr>
+        <p:spPr/>
+        <p:txBody>
+          <a:bodyPr/>
+          <a:lstStyle/>
+          <a:p>
+            <a:r>
+              <a:rPr lang="en-US"/>
+              <a:t>Lecture 3: OOP</a:t>
+            </a:r>
+            <a:endParaRPr lang="en-US" dirty="0"/>
+          </a:p>
+        </p:txBody>
+      </p:sp>
+      <p:sp>
+        <p:nvSpPr>
+          <p:cNvPr id="5" name="Date Placeholder 4">
+            <a:extLst>
+              <a:ext uri="{FF2B5EF4-FFF2-40B4-BE49-F238E27FC236}">
+                <a16:creationId xmlns:a16="http://schemas.microsoft.com/office/drawing/2014/main" id="{9694929A-AC3D-5149-B4AE-B7532E1BA4E1}"/>
+              </a:ext>
+            </a:extLst>
+          </p:cNvPr>
+          <p:cNvSpPr>
+            <a:spLocks noGrp="1"/>
+          </p:cNvSpPr>
+          <p:nvPr>
+            <p:ph type="dt" sz="half" idx="11"/>
+          </p:nvPr>
+        </p:nvSpPr>
+        <p:spPr/>
+        <p:txBody>
+          <a:bodyPr/>
+          <a:lstStyle/>
+          <a:p>
+            <a:r>
+              <a:rPr lang="mr-IN"/>
+              <a:t>03/10/2020</a:t>
+            </a:r>
+            <a:endParaRPr lang="en-US" dirty="0"/>
+          </a:p>
+        </p:txBody>
+      </p:sp>
+      <p:sp>
+        <p:nvSpPr>
+          <p:cNvPr id="6" name="Slide Number Placeholder 5">
+            <a:extLst>
+              <a:ext uri="{FF2B5EF4-FFF2-40B4-BE49-F238E27FC236}">
+                <a16:creationId xmlns:a16="http://schemas.microsoft.com/office/drawing/2014/main" id="{4773EEAF-2937-2B4D-AB5A-BD21B4F6AD7E}"/>
+              </a:ext>
+            </a:extLst>
+          </p:cNvPr>
+          <p:cNvSpPr>
+            <a:spLocks noGrp="1"/>
+          </p:cNvSpPr>
+          <p:nvPr>
+            <p:ph type="sldNum" sz="quarter" idx="12"/>
+          </p:nvPr>
+        </p:nvSpPr>
+        <p:spPr/>
+        <p:txBody>
+          <a:bodyPr/>
+          <a:lstStyle/>
+          <a:p>
+            <a:fld id="{1D5CD492-2BC6-F348-9965-EC1D86DF57A8}" type="slidenum">
+              <a:rPr lang="en-US" smtClean="0"/>
+              <a:t>3</a:t>
+            </a:fld>
+            <a:endParaRPr lang="en-US"/>
+          </a:p>
+        </p:txBody>
+      </p:sp>
+    </p:spTree>
+    <p:extLst>
+      <p:ext uri="{BB962C8B-B14F-4D97-AF65-F5344CB8AC3E}">
+        <p14:creationId xmlns:p14="http://schemas.microsoft.com/office/powerpoint/2010/main" val="1307728113"/>
+      </p:ext>
+    </p:extLst>
+  </p:cSld>
+  <p:clrMapOvr>
+    <a:masterClrMapping/>
+  </p:clrMapOvr>
+  <p:transition spd="med">
+    <p:wipe dir="r"/>
+  </p:transition>
+</p:sld>
+</file>
+
+<file path=ppt/slides/slide4.xml><?xml version="1.0" encoding="utf-8"?>
+<p:sld xmlns:a="http://schemas.openxmlformats.org/drawingml/2006/main" xmlns:r="http://schemas.openxmlformats.org/officeDocument/2006/relationships" xmlns:p="http://schemas.openxmlformats.org/presentationml/2006/main">
+  <p:cSld>
+    <p:spTree>
+      <p:nvGrpSpPr>
+        <p:cNvPr id="1" name=""/>
+        <p:cNvGrpSpPr/>
+        <p:nvPr/>
+      </p:nvGrpSpPr>
+      <p:grpSpPr>
+        <a:xfrm>
+          <a:off x="0" y="0"/>
+          <a:ext cx="0" cy="0"/>
+          <a:chOff x="0" y="0"/>
+          <a:chExt cx="0" cy="0"/>
+        </a:xfrm>
+      </p:grpSpPr>
+      <p:sp>
+        <p:nvSpPr>
+          <p:cNvPr id="2" name="Title 1">
+            <a:extLst>
+              <a:ext uri="{FF2B5EF4-FFF2-40B4-BE49-F238E27FC236}">
+                <a16:creationId xmlns:a16="http://schemas.microsoft.com/office/drawing/2014/main" id="{1E714CBD-E14D-4746-8B27-A2BCF670106E}"/>
+              </a:ext>
+            </a:extLst>
+          </p:cNvPr>
+          <p:cNvSpPr>
+            <a:spLocks noGrp="1"/>
+          </p:cNvSpPr>
+          <p:nvPr>
+            <p:ph type="title"/>
+          </p:nvPr>
+        </p:nvSpPr>
+        <p:spPr/>
+        <p:txBody>
+          <a:bodyPr/>
+          <a:lstStyle/>
+          <a:p>
+            <a:r>
+              <a:rPr lang="en-VN" dirty="0"/>
+              <a:t>OOP Concepts (cont.)</a:t>
+            </a:r>
+          </a:p>
+        </p:txBody>
+      </p:sp>
+      <p:sp>
+        <p:nvSpPr>
+          <p:cNvPr id="3" name="Content Placeholder 2">
+            <a:extLst>
+              <a:ext uri="{FF2B5EF4-FFF2-40B4-BE49-F238E27FC236}">
+                <a16:creationId xmlns:a16="http://schemas.microsoft.com/office/drawing/2014/main" id="{3CBE6413-C824-914A-BC5D-F64880D541BE}"/>
+              </a:ext>
+            </a:extLst>
+          </p:cNvPr>
+          <p:cNvSpPr>
+            <a:spLocks noGrp="1"/>
+          </p:cNvSpPr>
+          <p:nvPr>
+            <p:ph idx="1"/>
+          </p:nvPr>
+        </p:nvSpPr>
+        <p:spPr/>
+        <p:txBody>
+          <a:bodyPr/>
+          <a:lstStyle/>
+          <a:p>
+            <a:r>
+              <a:rPr lang="en-US" dirty="0"/>
+              <a:t>Apart from these concepts, there are some other terms which are used in Object-Oriented design:</a:t>
+            </a:r>
+          </a:p>
+          <a:p>
+            <a:pPr lvl="1"/>
+            <a:r>
+              <a:rPr lang="en-US" dirty="0"/>
+              <a:t>Coupling</a:t>
+            </a:r>
+          </a:p>
+          <a:p>
+            <a:pPr lvl="1"/>
+            <a:r>
+              <a:rPr lang="en-US" dirty="0"/>
+              <a:t>Cohesion</a:t>
+            </a:r>
+          </a:p>
+          <a:p>
+            <a:pPr lvl="1"/>
+            <a:r>
+              <a:rPr lang="en-US" dirty="0"/>
+              <a:t>Association</a:t>
+            </a:r>
+          </a:p>
+          <a:p>
+            <a:pPr lvl="1"/>
+            <a:r>
+              <a:rPr lang="en-US" dirty="0"/>
+              <a:t>Aggregation</a:t>
+            </a:r>
+          </a:p>
+          <a:p>
+            <a:pPr lvl="1"/>
+            <a:r>
+              <a:rPr lang="en-US" dirty="0"/>
+              <a:t>Composition</a:t>
+            </a:r>
+            <a:endParaRPr lang="en-VN" dirty="0"/>
+          </a:p>
+        </p:txBody>
+      </p:sp>
+      <p:sp>
+        <p:nvSpPr>
+          <p:cNvPr id="4" name="Footer Placeholder 3">
+            <a:extLst>
+              <a:ext uri="{FF2B5EF4-FFF2-40B4-BE49-F238E27FC236}">
+                <a16:creationId xmlns:a16="http://schemas.microsoft.com/office/drawing/2014/main" id="{89D8E010-75AD-3E4C-BA76-0DC094FF4A22}"/>
+              </a:ext>
+            </a:extLst>
+          </p:cNvPr>
+          <p:cNvSpPr>
+            <a:spLocks noGrp="1"/>
+          </p:cNvSpPr>
+          <p:nvPr>
+            <p:ph type="ftr" sz="quarter" idx="10"/>
+          </p:nvPr>
+        </p:nvSpPr>
+        <p:spPr/>
+        <p:txBody>
+          <a:bodyPr/>
+          <a:lstStyle/>
+          <a:p>
+            <a:r>
+              <a:rPr lang="en-US"/>
+              <a:t>Lecture 3: OOP</a:t>
+            </a:r>
+            <a:endParaRPr lang="en-US" dirty="0"/>
+          </a:p>
+        </p:txBody>
+      </p:sp>
+      <p:sp>
+        <p:nvSpPr>
+          <p:cNvPr id="5" name="Date Placeholder 4">
+            <a:extLst>
+              <a:ext uri="{FF2B5EF4-FFF2-40B4-BE49-F238E27FC236}">
+                <a16:creationId xmlns:a16="http://schemas.microsoft.com/office/drawing/2014/main" id="{14C42779-845E-B249-90FC-A24BF58D6148}"/>
+              </a:ext>
+            </a:extLst>
+          </p:cNvPr>
+          <p:cNvSpPr>
+            <a:spLocks noGrp="1"/>
+          </p:cNvSpPr>
+          <p:nvPr>
+            <p:ph type="dt" sz="half" idx="11"/>
+          </p:nvPr>
+        </p:nvSpPr>
+        <p:spPr/>
+        <p:txBody>
+          <a:bodyPr/>
+          <a:lstStyle/>
+          <a:p>
+            <a:r>
+              <a:rPr lang="mr-IN"/>
+              <a:t>03/10/2020</a:t>
+            </a:r>
+            <a:endParaRPr lang="en-US" dirty="0"/>
+          </a:p>
+        </p:txBody>
+      </p:sp>
+      <p:sp>
+        <p:nvSpPr>
+          <p:cNvPr id="6" name="Slide Number Placeholder 5">
+            <a:extLst>
+              <a:ext uri="{FF2B5EF4-FFF2-40B4-BE49-F238E27FC236}">
+                <a16:creationId xmlns:a16="http://schemas.microsoft.com/office/drawing/2014/main" id="{0103F763-FA62-374C-B754-F977F6B199BF}"/>
+              </a:ext>
+            </a:extLst>
+          </p:cNvPr>
+          <p:cNvSpPr>
+            <a:spLocks noGrp="1"/>
+          </p:cNvSpPr>
+          <p:nvPr>
+            <p:ph type="sldNum" sz="quarter" idx="12"/>
+          </p:nvPr>
+        </p:nvSpPr>
+        <p:spPr/>
+        <p:txBody>
+          <a:bodyPr/>
+          <a:lstStyle/>
+          <a:p>
+            <a:fld id="{1D5CD492-2BC6-F348-9965-EC1D86DF57A8}" type="slidenum">
+              <a:rPr lang="en-US" smtClean="0"/>
+              <a:t>4</a:t>
+            </a:fld>
+            <a:endParaRPr lang="en-US"/>
+          </a:p>
+        </p:txBody>
+      </p:sp>
+    </p:spTree>
+    <p:extLst>
+      <p:ext uri="{BB962C8B-B14F-4D97-AF65-F5344CB8AC3E}">
+        <p14:creationId xmlns:p14="http://schemas.microsoft.com/office/powerpoint/2010/main" val="559830940"/>
+      </p:ext>
+    </p:extLst>
+  </p:cSld>
+  <p:clrMapOvr>
+    <a:masterClrMapping/>
+  </p:clrMapOvr>
+  <p:transition spd="med">
+    <p:wipe dir="r"/>
+  </p:transition>
+</p:sld>
+</file>
+
+<file path=ppt/slides/slide5.xml><?xml version="1.0" encoding="utf-8"?>
+<p:sld xmlns:a="http://schemas.openxmlformats.org/drawingml/2006/main" xmlns:r="http://schemas.openxmlformats.org/officeDocument/2006/relationships" xmlns:p="http://schemas.openxmlformats.org/presentationml/2006/main">
+  <p:cSld>
+    <p:spTree>
+      <p:nvGrpSpPr>
+        <p:cNvPr id="1" name=""/>
+        <p:cNvGrpSpPr/>
+        <p:nvPr/>
+      </p:nvGrpSpPr>
+      <p:grpSpPr>
+        <a:xfrm>
+          <a:off x="0" y="0"/>
+          <a:ext cx="0" cy="0"/>
+          <a:chOff x="0" y="0"/>
+          <a:chExt cx="0" cy="0"/>
+        </a:xfrm>
+      </p:grpSpPr>
+      <p:sp>
+        <p:nvSpPr>
+          <p:cNvPr id="2" name="Title 1"/>
+          <p:cNvSpPr>
+            <a:spLocks noGrp="1"/>
+          </p:cNvSpPr>
+          <p:nvPr>
+            <p:ph type="title"/>
+          </p:nvPr>
+        </p:nvSpPr>
+        <p:spPr/>
+        <p:txBody>
+          <a:bodyPr/>
+          <a:lstStyle/>
+          <a:p>
+            <a:r>
+              <a:rPr lang="en-US" dirty="0"/>
+              <a:t>Class</a:t>
+            </a:r>
+          </a:p>
+        </p:txBody>
+      </p:sp>
+      <p:sp>
+        <p:nvSpPr>
+          <p:cNvPr id="3" name="Content Placeholder 2"/>
+          <p:cNvSpPr>
+            <a:spLocks noGrp="1"/>
+          </p:cNvSpPr>
+          <p:nvPr>
+            <p:ph idx="1"/>
+          </p:nvPr>
+        </p:nvSpPr>
+        <p:spPr/>
+        <p:txBody>
+          <a:bodyPr/>
+          <a:lstStyle/>
+          <a:p>
+            <a:pPr>
+              <a:defRPr/>
+            </a:pPr>
+            <a:r>
+              <a:rPr lang="en-US" altLang="x-none" dirty="0"/>
+              <a:t>Class is template to create object (instance)</a:t>
+            </a:r>
+          </a:p>
+          <a:p>
+            <a:pPr>
+              <a:defRPr/>
+            </a:pPr>
+            <a:r>
+              <a:rPr lang="en-US" altLang="x-none" dirty="0"/>
+              <a:t>field = instance variable = attribute = property = state</a:t>
+            </a:r>
+          </a:p>
+          <a:p>
+            <a:pPr>
+              <a:defRPr/>
+            </a:pPr>
+            <a:r>
+              <a:rPr lang="en-US" altLang="x-none" dirty="0"/>
+              <a:t>method = function = operation = behavior</a:t>
+            </a:r>
+          </a:p>
+          <a:p>
+            <a:pPr>
+              <a:defRPr/>
+            </a:pPr>
+            <a:r>
+              <a:rPr lang="en-US" altLang="x-none" dirty="0"/>
+              <a:t>sending a message to an object =</a:t>
+            </a:r>
+            <a:br>
+              <a:rPr lang="en-US" altLang="x-none" dirty="0"/>
+            </a:br>
+            <a:r>
+              <a:rPr lang="en-US" altLang="x-none" dirty="0"/>
+              <a:t>  calling a function</a:t>
+            </a:r>
+          </a:p>
+          <a:p>
+            <a:pPr>
+              <a:defRPr/>
+            </a:pPr>
+            <a:r>
+              <a:rPr lang="en-US" altLang="x-none" dirty="0"/>
+              <a:t>These are all </a:t>
+            </a:r>
+            <a:r>
+              <a:rPr lang="en-US" altLang="x-none" i="1" dirty="0"/>
+              <a:t>approximately</a:t>
+            </a:r>
+            <a:r>
+              <a:rPr lang="en-US" altLang="x-none" dirty="0"/>
+              <a:t> true</a:t>
+            </a:r>
+          </a:p>
+          <a:p>
+            <a:r>
+              <a:rPr lang="sv-SE" dirty="0">
+                <a:hlinkClick r:id="rId2"/>
+              </a:rPr>
+              <a:t>https://www.javatpoint.com/object-and-class-in-java</a:t>
+            </a:r>
+            <a:endParaRPr lang="en-US" altLang="x-none" dirty="0"/>
+          </a:p>
+          <a:p>
+            <a:endParaRPr lang="en-US" dirty="0"/>
+          </a:p>
+        </p:txBody>
+      </p:sp>
+      <p:sp>
+        <p:nvSpPr>
+          <p:cNvPr id="4" name="Footer Placeholder 3"/>
+          <p:cNvSpPr>
+            <a:spLocks noGrp="1"/>
+          </p:cNvSpPr>
+          <p:nvPr>
+            <p:ph type="ftr" sz="quarter" idx="10"/>
+          </p:nvPr>
+        </p:nvSpPr>
+        <p:spPr/>
+        <p:txBody>
+          <a:bodyPr/>
+          <a:lstStyle/>
+          <a:p>
+            <a:r>
+              <a:rPr lang="en-US" dirty="0"/>
+              <a:t>Lecture 3: OOP</a:t>
+            </a:r>
+          </a:p>
+        </p:txBody>
+      </p:sp>
+      <p:sp>
+        <p:nvSpPr>
+          <p:cNvPr id="5" name="Date Placeholder 4"/>
+          <p:cNvSpPr>
+            <a:spLocks noGrp="1"/>
+          </p:cNvSpPr>
+          <p:nvPr>
+            <p:ph type="dt" sz="half" idx="11"/>
+          </p:nvPr>
+        </p:nvSpPr>
+        <p:spPr/>
+        <p:txBody>
+          <a:bodyPr/>
+          <a:lstStyle/>
+          <a:p>
+            <a:r>
+              <a:rPr lang="mr-IN" dirty="0"/>
+              <a:t>03/10/2020</a:t>
+            </a:r>
+            <a:endParaRPr lang="en-US" dirty="0"/>
+          </a:p>
+        </p:txBody>
+      </p:sp>
+      <p:sp>
+        <p:nvSpPr>
+          <p:cNvPr id="6" name="Slide Number Placeholder 5"/>
+          <p:cNvSpPr>
+            <a:spLocks noGrp="1"/>
+          </p:cNvSpPr>
+          <p:nvPr>
+            <p:ph type="sldNum" sz="quarter" idx="12"/>
+          </p:nvPr>
+        </p:nvSpPr>
+        <p:spPr/>
+        <p:txBody>
+          <a:bodyPr/>
+          <a:lstStyle/>
+          <a:p>
+            <a:fld id="{1D5CD492-2BC6-F348-9965-EC1D86DF57A8}" type="slidenum">
+              <a:rPr lang="en-US" smtClean="0"/>
+              <a:t>5</a:t>
+            </a:fld>
+            <a:endParaRPr lang="en-US"/>
+          </a:p>
+        </p:txBody>
+      </p:sp>
+    </p:spTree>
+    <p:extLst>
+      <p:ext uri="{BB962C8B-B14F-4D97-AF65-F5344CB8AC3E}">
+        <p14:creationId xmlns:p14="http://schemas.microsoft.com/office/powerpoint/2010/main" val="1520294458"/>
+      </p:ext>
+    </p:extLst>
+  </p:cSld>
+  <p:clrMapOvr>
+    <a:masterClrMapping/>
+  </p:clrMapOvr>
+  <p:transition spd="med">
+    <p:wipe dir="r"/>
+  </p:transition>
+</p:sld>
+</file>
+
+<file path=ppt/slides/slide6.xml><?xml version="1.0" encoding="utf-8"?>
+<p:sld xmlns:a="http://schemas.openxmlformats.org/drawingml/2006/main" xmlns:r="http://schemas.openxmlformats.org/officeDocument/2006/relationships" xmlns:p="http://schemas.openxmlformats.org/presentationml/2006/main">
+  <p:cSld>
+    <p:spTree>
+      <p:nvGrpSpPr>
+        <p:cNvPr id="1" name=""/>
+        <p:cNvGrpSpPr/>
+        <p:nvPr/>
+      </p:nvGrpSpPr>
+      <p:grpSpPr>
+        <a:xfrm>
+          <a:off x="0" y="0"/>
+          <a:ext cx="0" cy="0"/>
+          <a:chOff x="0" y="0"/>
+          <a:chExt cx="0" cy="0"/>
+        </a:xfrm>
+      </p:grpSpPr>
+      <p:sp>
+        <p:nvSpPr>
+          <p:cNvPr id="2" name="Title 1"/>
+          <p:cNvSpPr>
+            <a:spLocks noGrp="1"/>
+          </p:cNvSpPr>
+          <p:nvPr>
+            <p:ph type="title"/>
+          </p:nvPr>
+        </p:nvSpPr>
+        <p:spPr/>
+        <p:txBody>
+          <a:bodyPr/>
+          <a:lstStyle/>
+          <a:p>
+            <a:r>
+              <a:rPr lang="en-US" dirty="0"/>
+              <a:t>Class &amp; Instance examples</a:t>
+            </a:r>
+          </a:p>
+        </p:txBody>
+      </p:sp>
+      <p:sp>
+        <p:nvSpPr>
+          <p:cNvPr id="3" name="Content Placeholder 2"/>
+          <p:cNvSpPr>
+            <a:spLocks noGrp="1"/>
+          </p:cNvSpPr>
+          <p:nvPr>
+            <p:ph idx="1"/>
+          </p:nvPr>
+        </p:nvSpPr>
+        <p:spPr>
+          <a:xfrm>
+            <a:off x="457200" y="1600200"/>
+            <a:ext cx="8229600" cy="4756150"/>
+          </a:xfrm>
+        </p:spPr>
+        <p:txBody>
+          <a:bodyPr numCol="2"/>
+          <a:lstStyle/>
+          <a:p>
+            <a:pPr marL="0" marR="0" lvl="0" indent="0" defTabSz="914400" eaLnBrk="1" fontAlgn="auto" latinLnBrk="0" hangingPunct="1">
+              <a:lnSpc>
+                <a:spcPct val="100000"/>
+              </a:lnSpc>
+              <a:spcBef>
+                <a:spcPts val="0"/>
+              </a:spcBef>
+              <a:spcAft>
+                <a:spcPts val="0"/>
+              </a:spcAft>
+              <a:buClrTx/>
+              <a:buSzTx/>
+              <a:buFontTx/>
+              <a:buNone/>
+              <a:tabLst/>
+              <a:defRPr/>
+            </a:pPr>
+            <a:r>
+              <a:rPr lang="en-US" sz="1400" dirty="0"/>
+              <a:t>public class Person {</a:t>
+            </a:r>
+          </a:p>
+          <a:p>
+            <a:pPr marL="0" marR="0" lvl="0" indent="0" defTabSz="914400" eaLnBrk="1" fontAlgn="auto" latinLnBrk="0" hangingPunct="1">
+              <a:lnSpc>
+                <a:spcPct val="100000"/>
+              </a:lnSpc>
+              <a:spcBef>
+                <a:spcPts val="0"/>
+              </a:spcBef>
+              <a:spcAft>
+                <a:spcPts val="0"/>
+              </a:spcAft>
+              <a:buClrTx/>
+              <a:buSzTx/>
+              <a:buFontTx/>
+              <a:buNone/>
+              <a:tabLst/>
+              <a:defRPr/>
+            </a:pPr>
+            <a:r>
+              <a:rPr lang="en-US" sz="1400" dirty="0"/>
+              <a:t>     public String name;// public property</a:t>
+            </a:r>
+          </a:p>
+          <a:p>
+            <a:pPr marL="0" marR="0" lvl="0" indent="0" defTabSz="914400" eaLnBrk="1" fontAlgn="auto" latinLnBrk="0" hangingPunct="1">
+              <a:lnSpc>
+                <a:spcPct val="100000"/>
+              </a:lnSpc>
+              <a:spcBef>
+                <a:spcPts val="0"/>
+              </a:spcBef>
+              <a:spcAft>
+                <a:spcPts val="0"/>
+              </a:spcAft>
+              <a:buClrTx/>
+              <a:buSzTx/>
+              <a:buFontTx/>
+              <a:buNone/>
+              <a:tabLst/>
+              <a:defRPr/>
+            </a:pPr>
+            <a:r>
+              <a:rPr lang="en-US" sz="1400" dirty="0"/>
+              <a:t>     private </a:t>
+            </a:r>
+            <a:r>
+              <a:rPr lang="en-US" sz="1400" dirty="0" err="1"/>
+              <a:t>int</a:t>
+            </a:r>
+            <a:r>
+              <a:rPr lang="en-US" sz="1400" dirty="0"/>
+              <a:t> weight;    // private property</a:t>
+            </a:r>
+          </a:p>
+          <a:p>
+            <a:pPr marL="0" marR="0" lvl="0" indent="0" defTabSz="914400" eaLnBrk="1" fontAlgn="auto" latinLnBrk="0" hangingPunct="1">
+              <a:lnSpc>
+                <a:spcPct val="100000"/>
+              </a:lnSpc>
+              <a:spcBef>
+                <a:spcPts val="0"/>
+              </a:spcBef>
+              <a:spcAft>
+                <a:spcPts val="0"/>
+              </a:spcAft>
+              <a:buClrTx/>
+              <a:buSzTx/>
+              <a:buFontTx/>
+              <a:buNone/>
+              <a:tabLst/>
+              <a:defRPr/>
+            </a:pPr>
+            <a:r>
+              <a:rPr lang="en-US" sz="1400" dirty="0"/>
+              <a:t>     protected </a:t>
+            </a:r>
+            <a:r>
+              <a:rPr lang="en-US" sz="1400" dirty="0" err="1"/>
+              <a:t>int</a:t>
+            </a:r>
+            <a:r>
+              <a:rPr lang="en-US" sz="1400" dirty="0"/>
+              <a:t> health;</a:t>
+            </a:r>
+          </a:p>
+          <a:p>
+            <a:pPr marL="0" marR="0" lvl="0" indent="0" defTabSz="914400" eaLnBrk="1" fontAlgn="auto" latinLnBrk="0" hangingPunct="1">
+              <a:lnSpc>
+                <a:spcPct val="100000"/>
+              </a:lnSpc>
+              <a:spcBef>
+                <a:spcPts val="0"/>
+              </a:spcBef>
+              <a:spcAft>
+                <a:spcPts val="0"/>
+              </a:spcAft>
+              <a:buClrTx/>
+              <a:buSzTx/>
+              <a:buFontTx/>
+              <a:buNone/>
+              <a:tabLst/>
+              <a:defRPr/>
+            </a:pPr>
+            <a:r>
+              <a:rPr lang="en-US" sz="1400" dirty="0"/>
+              <a:t>     public void eat() {</a:t>
+            </a:r>
+          </a:p>
+          <a:p>
+            <a:pPr marL="0" lvl="0" indent="0" defTabSz="914400" fontAlgn="auto">
+              <a:spcBef>
+                <a:spcPts val="0"/>
+              </a:spcBef>
+              <a:spcAft>
+                <a:spcPts val="0"/>
+              </a:spcAft>
+              <a:buNone/>
+            </a:pPr>
+            <a:r>
+              <a:rPr lang="en-US" sz="1400" dirty="0"/>
+              <a:t>          weight = weight + 1;</a:t>
+            </a:r>
+          </a:p>
+          <a:p>
+            <a:pPr marL="0" lvl="0" indent="0" defTabSz="914400" fontAlgn="auto">
+              <a:spcBef>
+                <a:spcPts val="0"/>
+              </a:spcBef>
+              <a:spcAft>
+                <a:spcPts val="0"/>
+              </a:spcAft>
+              <a:buNone/>
+            </a:pPr>
+            <a:r>
+              <a:rPr lang="en-US" sz="1400" dirty="0"/>
+              <a:t> </a:t>
+            </a:r>
+            <a:r>
+              <a:rPr lang="en-US" sz="1400" dirty="0" err="1"/>
+              <a:t>increaseHealth</a:t>
+            </a:r>
+            <a:r>
+              <a:rPr lang="en-US" sz="1400" dirty="0"/>
+              <a:t>(); </a:t>
+            </a:r>
+            <a:r>
+              <a:rPr lang="en-US" sz="1400" dirty="0" err="1"/>
+              <a:t>increaseHealth</a:t>
+            </a:r>
+            <a:r>
+              <a:rPr lang="en-US" sz="1400" dirty="0"/>
+              <a:t>();</a:t>
+            </a:r>
+          </a:p>
+          <a:p>
+            <a:pPr marL="0" marR="0" lvl="0" indent="0" defTabSz="914400" eaLnBrk="1" fontAlgn="auto" latinLnBrk="0" hangingPunct="1">
+              <a:lnSpc>
+                <a:spcPct val="100000"/>
+              </a:lnSpc>
+              <a:spcBef>
+                <a:spcPts val="0"/>
+              </a:spcBef>
+              <a:spcAft>
+                <a:spcPts val="0"/>
+              </a:spcAft>
+              <a:buClrTx/>
+              <a:buSzTx/>
+              <a:buFontTx/>
+              <a:buNone/>
+              <a:tabLst/>
+              <a:defRPr/>
+            </a:pPr>
+            <a:r>
+              <a:rPr lang="en-US" sz="1400" dirty="0"/>
+              <a:t>     }</a:t>
+            </a:r>
+          </a:p>
+          <a:p>
+            <a:pPr marL="0" marR="0" lvl="0" indent="0" defTabSz="914400" eaLnBrk="1" fontAlgn="auto" latinLnBrk="0" hangingPunct="1">
+              <a:lnSpc>
+                <a:spcPct val="100000"/>
+              </a:lnSpc>
+              <a:spcBef>
+                <a:spcPts val="0"/>
+              </a:spcBef>
+              <a:spcAft>
+                <a:spcPts val="0"/>
+              </a:spcAft>
+              <a:buClrTx/>
+              <a:buSzTx/>
+              <a:buFontTx/>
+              <a:buNone/>
+              <a:tabLst/>
+              <a:defRPr/>
+            </a:pPr>
+            <a:r>
+              <a:rPr lang="en-US" sz="1400" dirty="0"/>
+              <a:t>     public </a:t>
+            </a:r>
+            <a:r>
+              <a:rPr lang="en-US" sz="1400" dirty="0" err="1"/>
+              <a:t>int</a:t>
+            </a:r>
+            <a:r>
+              <a:rPr lang="en-US" sz="1400" dirty="0"/>
+              <a:t> </a:t>
+            </a:r>
+            <a:r>
+              <a:rPr lang="en-US" sz="1400" dirty="0" err="1"/>
+              <a:t>getPower</a:t>
+            </a:r>
+            <a:r>
+              <a:rPr lang="en-US" sz="1400" dirty="0"/>
+              <a:t>() {</a:t>
+            </a:r>
+          </a:p>
+          <a:p>
+            <a:pPr marL="0" lvl="0" indent="0" defTabSz="914400" fontAlgn="auto">
+              <a:spcBef>
+                <a:spcPts val="0"/>
+              </a:spcBef>
+              <a:spcAft>
+                <a:spcPts val="0"/>
+              </a:spcAft>
+              <a:buNone/>
+            </a:pPr>
+            <a:r>
+              <a:rPr lang="en-US" sz="1400" dirty="0"/>
+              <a:t>        return weight;</a:t>
+            </a:r>
+          </a:p>
+          <a:p>
+            <a:pPr marL="0" marR="0" lvl="0" indent="0" defTabSz="914400" eaLnBrk="1" fontAlgn="auto" latinLnBrk="0" hangingPunct="1">
+              <a:lnSpc>
+                <a:spcPct val="100000"/>
+              </a:lnSpc>
+              <a:spcBef>
+                <a:spcPts val="0"/>
+              </a:spcBef>
+              <a:spcAft>
+                <a:spcPts val="0"/>
+              </a:spcAft>
+              <a:buClrTx/>
+              <a:buSzTx/>
+              <a:buFontTx/>
+              <a:buNone/>
+              <a:tabLst/>
+              <a:defRPr/>
+            </a:pPr>
+            <a:r>
+              <a:rPr lang="en-US" sz="1400" dirty="0"/>
+              <a:t>     }</a:t>
+            </a:r>
+          </a:p>
+          <a:p>
+            <a:pPr marL="0" marR="0" lvl="0" indent="0" defTabSz="914400" eaLnBrk="1" fontAlgn="auto" latinLnBrk="0" hangingPunct="1">
+              <a:lnSpc>
+                <a:spcPct val="100000"/>
+              </a:lnSpc>
+              <a:spcBef>
+                <a:spcPts val="0"/>
+              </a:spcBef>
+              <a:spcAft>
+                <a:spcPts val="0"/>
+              </a:spcAft>
+              <a:buClrTx/>
+              <a:buSzTx/>
+              <a:buFontTx/>
+              <a:buNone/>
+              <a:tabLst/>
+              <a:defRPr/>
+            </a:pPr>
+            <a:r>
+              <a:rPr lang="en-US" sz="1400" dirty="0"/>
+              <a:t>     protected </a:t>
+            </a:r>
+            <a:r>
+              <a:rPr lang="en-US" sz="1400" dirty="0" err="1"/>
+              <a:t>int</a:t>
+            </a:r>
+            <a:r>
+              <a:rPr lang="en-US" sz="1400" dirty="0"/>
+              <a:t> </a:t>
+            </a:r>
+            <a:r>
+              <a:rPr lang="en-US" sz="1400" dirty="0" err="1"/>
+              <a:t>increaseHealth</a:t>
+            </a:r>
+            <a:r>
+              <a:rPr lang="en-US" sz="1400" dirty="0"/>
+              <a:t>() {</a:t>
+            </a:r>
+          </a:p>
+          <a:p>
+            <a:pPr marL="0" marR="0" lvl="0" indent="0" defTabSz="914400" eaLnBrk="1" fontAlgn="auto" latinLnBrk="0" hangingPunct="1">
+              <a:lnSpc>
+                <a:spcPct val="100000"/>
+              </a:lnSpc>
+              <a:spcBef>
+                <a:spcPts val="0"/>
+              </a:spcBef>
+              <a:spcAft>
+                <a:spcPts val="0"/>
+              </a:spcAft>
+              <a:buClrTx/>
+              <a:buSzTx/>
+              <a:buFontTx/>
+              <a:buNone/>
+              <a:tabLst/>
+              <a:defRPr/>
+            </a:pPr>
+            <a:r>
+              <a:rPr lang="en-US" sz="1400" dirty="0"/>
+              <a:t>        health = </a:t>
+            </a:r>
+            <a:r>
+              <a:rPr lang="en-US" sz="1400" dirty="0" err="1"/>
+              <a:t>getHealth</a:t>
+            </a:r>
+            <a:r>
+              <a:rPr lang="en-US" sz="1400" dirty="0"/>
+              <a:t>() + 1;</a:t>
+            </a:r>
+          </a:p>
+          <a:p>
+            <a:pPr marL="0" marR="0" lvl="0" indent="0" defTabSz="914400" eaLnBrk="1" fontAlgn="auto" latinLnBrk="0" hangingPunct="1">
+              <a:lnSpc>
+                <a:spcPct val="100000"/>
+              </a:lnSpc>
+              <a:spcBef>
+                <a:spcPts val="0"/>
+              </a:spcBef>
+              <a:spcAft>
+                <a:spcPts val="0"/>
+              </a:spcAft>
+              <a:buClrTx/>
+              <a:buSzTx/>
+              <a:buFontTx/>
+              <a:buNone/>
+              <a:tabLst/>
+              <a:defRPr/>
+            </a:pPr>
+            <a:r>
+              <a:rPr lang="en-US" sz="1400" dirty="0"/>
+              <a:t>     }</a:t>
+            </a:r>
+          </a:p>
+          <a:p>
+            <a:pPr marL="0" marR="0" lvl="0" indent="0" defTabSz="914400" eaLnBrk="1" fontAlgn="auto" latinLnBrk="0" hangingPunct="1">
+              <a:lnSpc>
+                <a:spcPct val="100000"/>
+              </a:lnSpc>
+              <a:spcBef>
+                <a:spcPts val="0"/>
+              </a:spcBef>
+              <a:spcAft>
+                <a:spcPts val="0"/>
+              </a:spcAft>
+              <a:buClrTx/>
+              <a:buSzTx/>
+              <a:buFontTx/>
+              <a:buNone/>
+              <a:tabLst/>
+              <a:defRPr/>
+            </a:pPr>
+            <a:r>
+              <a:rPr lang="en-US" sz="1400" dirty="0"/>
+              <a:t>     private </a:t>
+            </a:r>
+            <a:r>
+              <a:rPr lang="en-US" sz="1400" dirty="0" err="1"/>
+              <a:t>int</a:t>
+            </a:r>
+            <a:r>
+              <a:rPr lang="en-US" sz="1400" dirty="0"/>
+              <a:t> </a:t>
+            </a:r>
+            <a:r>
+              <a:rPr lang="en-US" sz="1400" dirty="0" err="1"/>
+              <a:t>getHealth</a:t>
+            </a:r>
+            <a:r>
+              <a:rPr lang="en-US" sz="1400" dirty="0"/>
+              <a:t>() {</a:t>
+            </a:r>
+          </a:p>
+          <a:p>
+            <a:pPr marL="0" marR="0" lvl="0" indent="0" defTabSz="914400" eaLnBrk="1" fontAlgn="auto" latinLnBrk="0" hangingPunct="1">
+              <a:lnSpc>
+                <a:spcPct val="100000"/>
+              </a:lnSpc>
+              <a:spcBef>
+                <a:spcPts val="0"/>
+              </a:spcBef>
+              <a:spcAft>
+                <a:spcPts val="0"/>
+              </a:spcAft>
+              <a:buClrTx/>
+              <a:buSzTx/>
+              <a:buFontTx/>
+              <a:buNone/>
+              <a:tabLst/>
+              <a:defRPr/>
+            </a:pPr>
+            <a:r>
+              <a:rPr lang="en-US" sz="1400" dirty="0"/>
+              <a:t>         return health;</a:t>
+            </a:r>
+          </a:p>
+          <a:p>
+            <a:pPr marL="0" marR="0" lvl="0" indent="0" defTabSz="914400" eaLnBrk="1" fontAlgn="auto" latinLnBrk="0" hangingPunct="1">
+              <a:lnSpc>
+                <a:spcPct val="100000"/>
+              </a:lnSpc>
+              <a:spcBef>
+                <a:spcPts val="0"/>
+              </a:spcBef>
+              <a:spcAft>
+                <a:spcPts val="0"/>
+              </a:spcAft>
+              <a:buClrTx/>
+              <a:buSzTx/>
+              <a:buFontTx/>
+              <a:buNone/>
+              <a:tabLst/>
+              <a:defRPr/>
+            </a:pPr>
+            <a:r>
+              <a:rPr lang="en-US" sz="1400" dirty="0"/>
+              <a:t>     }</a:t>
+            </a:r>
+          </a:p>
+          <a:p>
+            <a:pPr marL="0" marR="0" lvl="0" indent="0" defTabSz="914400" eaLnBrk="1" fontAlgn="auto" latinLnBrk="0" hangingPunct="1">
+              <a:lnSpc>
+                <a:spcPct val="100000"/>
+              </a:lnSpc>
+              <a:spcBef>
+                <a:spcPts val="0"/>
+              </a:spcBef>
+              <a:spcAft>
+                <a:spcPts val="0"/>
+              </a:spcAft>
+              <a:buClrTx/>
+              <a:buSzTx/>
+              <a:buFontTx/>
+              <a:buNone/>
+              <a:tabLst/>
+              <a:defRPr/>
+            </a:pPr>
+            <a:r>
+              <a:rPr lang="en-US" sz="1400" dirty="0"/>
+              <a:t>     public </a:t>
+            </a:r>
+            <a:r>
+              <a:rPr lang="en-US" sz="1400" dirty="0" err="1"/>
+              <a:t>int</a:t>
+            </a:r>
+            <a:r>
+              <a:rPr lang="en-US" sz="1400" dirty="0"/>
+              <a:t> health2() {</a:t>
+            </a:r>
+          </a:p>
+          <a:p>
+            <a:pPr marL="0" marR="0" lvl="0" indent="0" defTabSz="914400" eaLnBrk="1" fontAlgn="auto" latinLnBrk="0" hangingPunct="1">
+              <a:lnSpc>
+                <a:spcPct val="100000"/>
+              </a:lnSpc>
+              <a:spcBef>
+                <a:spcPts val="0"/>
+              </a:spcBef>
+              <a:spcAft>
+                <a:spcPts val="0"/>
+              </a:spcAft>
+              <a:buClrTx/>
+              <a:buSzTx/>
+              <a:buFontTx/>
+              <a:buNone/>
+              <a:tabLst/>
+              <a:defRPr/>
+            </a:pPr>
+            <a:r>
+              <a:rPr lang="en-US" sz="1400" dirty="0"/>
+              <a:t>       return health;</a:t>
+            </a:r>
+          </a:p>
+          <a:p>
+            <a:pPr marL="0" marR="0" lvl="0" indent="0" defTabSz="914400" eaLnBrk="1" fontAlgn="auto" latinLnBrk="0" hangingPunct="1">
+              <a:lnSpc>
+                <a:spcPct val="100000"/>
+              </a:lnSpc>
+              <a:spcBef>
+                <a:spcPts val="0"/>
+              </a:spcBef>
+              <a:spcAft>
+                <a:spcPts val="0"/>
+              </a:spcAft>
+              <a:buClrTx/>
+              <a:buSzTx/>
+              <a:buFontTx/>
+              <a:buNone/>
+              <a:tabLst/>
+              <a:defRPr/>
+            </a:pPr>
+            <a:r>
+              <a:rPr lang="en-US" sz="1400" dirty="0"/>
+              <a:t>    }</a:t>
+            </a:r>
+          </a:p>
+          <a:p>
+            <a:pPr marL="0" marR="0" lvl="0" indent="0" defTabSz="914400" eaLnBrk="1" fontAlgn="auto" latinLnBrk="0" hangingPunct="1">
+              <a:lnSpc>
+                <a:spcPct val="100000"/>
+              </a:lnSpc>
+              <a:spcBef>
+                <a:spcPts val="0"/>
+              </a:spcBef>
+              <a:spcAft>
+                <a:spcPts val="0"/>
+              </a:spcAft>
+              <a:buClrTx/>
+              <a:buSzTx/>
+              <a:buFontTx/>
+              <a:buNone/>
+              <a:tabLst/>
+              <a:defRPr/>
+            </a:pPr>
+            <a:r>
+              <a:rPr lang="en-US" sz="1400" dirty="0"/>
+              <a:t>}</a:t>
+            </a:r>
+          </a:p>
+          <a:p>
+            <a:pPr marL="0" lvl="0" indent="0" defTabSz="914400" fontAlgn="auto">
+              <a:spcBef>
+                <a:spcPts val="0"/>
+              </a:spcBef>
+              <a:spcAft>
+                <a:spcPts val="0"/>
+              </a:spcAft>
+              <a:buNone/>
+            </a:pPr>
+            <a:r>
+              <a:rPr lang="en-US" sz="1600" dirty="0"/>
+              <a:t>public class </a:t>
+            </a:r>
+            <a:r>
+              <a:rPr lang="en-US" sz="1600" dirty="0" err="1"/>
+              <a:t>PersonTest</a:t>
+            </a:r>
+            <a:r>
+              <a:rPr lang="en-US" sz="1600" dirty="0"/>
+              <a:t> {   </a:t>
+            </a:r>
+          </a:p>
+          <a:p>
+            <a:pPr marL="0" lvl="0" indent="0" defTabSz="914400" fontAlgn="auto">
+              <a:spcBef>
+                <a:spcPts val="0"/>
+              </a:spcBef>
+              <a:spcAft>
+                <a:spcPts val="0"/>
+              </a:spcAft>
+              <a:buNone/>
+            </a:pPr>
+            <a:r>
+              <a:rPr lang="en-US" sz="1600" dirty="0"/>
+              <a:t>  public static void main(String[] </a:t>
+            </a:r>
+            <a:r>
+              <a:rPr lang="en-US" sz="1600" dirty="0" err="1"/>
+              <a:t>args</a:t>
+            </a:r>
+            <a:r>
+              <a:rPr lang="en-US" sz="1600" dirty="0"/>
+              <a:t>) {      </a:t>
+            </a:r>
+          </a:p>
+          <a:p>
+            <a:pPr marL="0" lvl="0" indent="0" defTabSz="914400" fontAlgn="auto">
+              <a:spcBef>
+                <a:spcPts val="0"/>
+              </a:spcBef>
+              <a:spcAft>
+                <a:spcPts val="0"/>
+              </a:spcAft>
+              <a:buNone/>
+            </a:pPr>
+            <a:r>
+              <a:rPr lang="en-US" sz="1600" dirty="0"/>
+              <a:t>    Person </a:t>
+            </a:r>
+            <a:r>
+              <a:rPr lang="en-US" sz="1600" dirty="0" err="1"/>
+              <a:t>Hieu</a:t>
+            </a:r>
+            <a:r>
+              <a:rPr lang="en-US" sz="1600" dirty="0"/>
+              <a:t> = new Person(); </a:t>
+            </a:r>
+          </a:p>
+          <a:p>
+            <a:pPr marL="0" lvl="0" indent="0" defTabSz="914400" fontAlgn="auto">
+              <a:spcBef>
+                <a:spcPts val="0"/>
+              </a:spcBef>
+              <a:spcAft>
+                <a:spcPts val="0"/>
+              </a:spcAft>
+              <a:buNone/>
+            </a:pPr>
+            <a:r>
+              <a:rPr lang="en-US" sz="1600" dirty="0"/>
+              <a:t>    </a:t>
+            </a:r>
+            <a:r>
+              <a:rPr lang="en-US" sz="1600" dirty="0" err="1"/>
+              <a:t>Hieu.name</a:t>
+            </a:r>
+            <a:r>
+              <a:rPr lang="en-US" sz="1600" dirty="0"/>
+              <a:t> = "Duong Viet Minh </a:t>
+            </a:r>
+            <a:r>
+              <a:rPr lang="en-US" sz="1600" dirty="0" err="1"/>
+              <a:t>Hieu</a:t>
+            </a:r>
+            <a:r>
+              <a:rPr lang="en-US" sz="1600" dirty="0"/>
+              <a:t>";     </a:t>
+            </a:r>
+          </a:p>
+          <a:p>
+            <a:pPr marL="0" lvl="0" indent="0" defTabSz="914400" fontAlgn="auto">
+              <a:spcBef>
+                <a:spcPts val="0"/>
+              </a:spcBef>
+              <a:spcAft>
+                <a:spcPts val="0"/>
+              </a:spcAft>
+              <a:buNone/>
+            </a:pPr>
+            <a:r>
+              <a:rPr lang="en-US" sz="1600" dirty="0"/>
+              <a:t>    </a:t>
+            </a:r>
+            <a:r>
+              <a:rPr lang="en-US" sz="1600" dirty="0" err="1"/>
+              <a:t>System.out.println</a:t>
+            </a:r>
+            <a:r>
+              <a:rPr lang="en-US" sz="1600" dirty="0"/>
+              <a:t>(</a:t>
+            </a:r>
+            <a:r>
+              <a:rPr lang="en-US" sz="1600" dirty="0" err="1"/>
+              <a:t>Hieu.name</a:t>
+            </a:r>
+            <a:r>
+              <a:rPr lang="en-US" sz="1600" dirty="0"/>
+              <a:t>);    </a:t>
+            </a:r>
+          </a:p>
+          <a:p>
+            <a:pPr marL="0" lvl="0" indent="0" defTabSz="914400" fontAlgn="auto">
+              <a:spcBef>
+                <a:spcPts val="0"/>
+              </a:spcBef>
+              <a:spcAft>
+                <a:spcPts val="0"/>
+              </a:spcAft>
+              <a:buNone/>
+            </a:pPr>
+            <a:r>
+              <a:rPr lang="en-US" sz="1600" dirty="0"/>
+              <a:t>    </a:t>
+            </a:r>
+            <a:r>
+              <a:rPr lang="en-US" sz="1600" dirty="0" err="1"/>
+              <a:t>System.out.println</a:t>
+            </a:r>
+            <a:r>
+              <a:rPr lang="en-US" sz="1600" dirty="0"/>
+              <a:t>(</a:t>
+            </a:r>
+            <a:r>
+              <a:rPr lang="en-US" sz="1600" dirty="0" err="1"/>
+              <a:t>Hieu.getPower</a:t>
+            </a:r>
+            <a:r>
+              <a:rPr lang="en-US" sz="1600" dirty="0"/>
+              <a:t>());    </a:t>
+            </a:r>
+          </a:p>
+          <a:p>
+            <a:pPr marL="0" lvl="0" indent="0" defTabSz="914400" fontAlgn="auto">
+              <a:spcBef>
+                <a:spcPts val="0"/>
+              </a:spcBef>
+              <a:spcAft>
+                <a:spcPts val="0"/>
+              </a:spcAft>
+              <a:buNone/>
+            </a:pPr>
+            <a:r>
+              <a:rPr lang="en-US" sz="1600" dirty="0"/>
+              <a:t>    </a:t>
+            </a:r>
+            <a:r>
+              <a:rPr lang="en-US" sz="1600" dirty="0" err="1"/>
+              <a:t>Hieu.eat</a:t>
+            </a:r>
+            <a:r>
+              <a:rPr lang="en-US" sz="1600" dirty="0"/>
+              <a:t>();    </a:t>
+            </a:r>
+          </a:p>
+          <a:p>
+            <a:pPr marL="0" lvl="0" indent="0" defTabSz="914400" fontAlgn="auto">
+              <a:spcBef>
+                <a:spcPts val="0"/>
+              </a:spcBef>
+              <a:spcAft>
+                <a:spcPts val="0"/>
+              </a:spcAft>
+              <a:buNone/>
+            </a:pPr>
+            <a:r>
+              <a:rPr lang="en-US" sz="1600" dirty="0"/>
+              <a:t>    </a:t>
+            </a:r>
+            <a:r>
+              <a:rPr lang="en-US" sz="1600" dirty="0" err="1"/>
+              <a:t>System.out.println</a:t>
+            </a:r>
+            <a:r>
+              <a:rPr lang="en-US" sz="1600" dirty="0"/>
+              <a:t>(</a:t>
+            </a:r>
+            <a:r>
+              <a:rPr lang="en-US" sz="1600" dirty="0" err="1"/>
+              <a:t>Hieu.getPower</a:t>
+            </a:r>
+            <a:r>
+              <a:rPr lang="en-US" sz="1600" dirty="0"/>
+              <a:t>());         </a:t>
+            </a:r>
+          </a:p>
+          <a:p>
+            <a:pPr marL="0" lvl="0" indent="0" defTabSz="914400" fontAlgn="auto">
+              <a:spcBef>
+                <a:spcPts val="0"/>
+              </a:spcBef>
+              <a:spcAft>
+                <a:spcPts val="0"/>
+              </a:spcAft>
+              <a:buNone/>
+            </a:pPr>
+            <a:r>
+              <a:rPr lang="en-US" sz="1600" dirty="0"/>
+              <a:t>    </a:t>
+            </a:r>
+            <a:r>
+              <a:rPr lang="en-US" sz="1600" dirty="0" err="1"/>
+              <a:t>Hieu.eat</a:t>
+            </a:r>
+            <a:r>
+              <a:rPr lang="en-US" sz="1600" dirty="0"/>
+              <a:t>(); </a:t>
+            </a:r>
+            <a:r>
+              <a:rPr lang="en-US" sz="1600" dirty="0" err="1"/>
+              <a:t>Hieu.eat</a:t>
+            </a:r>
+            <a:r>
+              <a:rPr lang="en-US" sz="1600" dirty="0"/>
+              <a:t>(); </a:t>
+            </a:r>
+            <a:r>
+              <a:rPr lang="en-US" sz="1600" dirty="0" err="1"/>
+              <a:t>Hieu.eat</a:t>
+            </a:r>
+            <a:r>
+              <a:rPr lang="en-US" sz="1600" dirty="0"/>
+              <a:t>();    </a:t>
+            </a:r>
+          </a:p>
+          <a:p>
+            <a:pPr marL="0" lvl="0" indent="0" defTabSz="914400" fontAlgn="auto">
+              <a:spcBef>
+                <a:spcPts val="0"/>
+              </a:spcBef>
+              <a:spcAft>
+                <a:spcPts val="0"/>
+              </a:spcAft>
+              <a:buNone/>
+            </a:pPr>
+            <a:r>
+              <a:rPr lang="en-US" sz="1600" dirty="0"/>
+              <a:t>    </a:t>
+            </a:r>
+            <a:r>
+              <a:rPr lang="en-US" sz="1600" dirty="0" err="1"/>
+              <a:t>System.out.println</a:t>
+            </a:r>
+            <a:r>
+              <a:rPr lang="en-US" sz="1600" dirty="0"/>
+              <a:t>(</a:t>
+            </a:r>
+            <a:r>
+              <a:rPr lang="en-US" sz="1600" dirty="0" err="1"/>
+              <a:t>Hieu.getPower</a:t>
+            </a:r>
+            <a:r>
+              <a:rPr lang="en-US" sz="1600" dirty="0"/>
+              <a:t>());</a:t>
+            </a:r>
+          </a:p>
+          <a:p>
+            <a:pPr marL="0" lvl="0" indent="0" defTabSz="914400" fontAlgn="auto">
+              <a:spcBef>
+                <a:spcPts val="0"/>
+              </a:spcBef>
+              <a:spcAft>
+                <a:spcPts val="0"/>
+              </a:spcAft>
+              <a:buNone/>
+            </a:pPr>
+            <a:r>
+              <a:rPr lang="en-US" sz="1600" dirty="0"/>
+              <a:t>    //Cannot call </a:t>
+            </a:r>
+            <a:r>
+              <a:rPr lang="en-US" sz="1600" dirty="0" err="1"/>
+              <a:t>increaseHealth</a:t>
+            </a:r>
+            <a:r>
+              <a:rPr lang="en-US" sz="1600" dirty="0"/>
+              <a:t>() </a:t>
+            </a:r>
+          </a:p>
+          <a:p>
+            <a:pPr marL="0" lvl="0" indent="0" defTabSz="914400" fontAlgn="auto">
+              <a:spcBef>
+                <a:spcPts val="0"/>
+              </a:spcBef>
+              <a:spcAft>
+                <a:spcPts val="0"/>
+              </a:spcAft>
+              <a:buNone/>
+            </a:pPr>
+            <a:r>
+              <a:rPr lang="en-US" sz="1600" dirty="0"/>
+              <a:t>   // Cannot  </a:t>
+            </a:r>
+            <a:r>
+              <a:rPr lang="en-US" sz="1600" dirty="0" err="1"/>
+              <a:t>getHealth</a:t>
+            </a:r>
+            <a:r>
+              <a:rPr lang="en-US" sz="1600" dirty="0"/>
+              <a:t>()   </a:t>
+            </a:r>
+          </a:p>
+          <a:p>
+            <a:pPr marL="0" lvl="0" indent="0" defTabSz="914400" fontAlgn="auto">
+              <a:spcBef>
+                <a:spcPts val="0"/>
+              </a:spcBef>
+              <a:spcAft>
+                <a:spcPts val="0"/>
+              </a:spcAft>
+              <a:buNone/>
+            </a:pPr>
+            <a:r>
+              <a:rPr lang="en-US" sz="1600" dirty="0"/>
+              <a:t>    </a:t>
+            </a:r>
+            <a:r>
+              <a:rPr lang="en-US" sz="1600" dirty="0" err="1"/>
+              <a:t>System.out.println</a:t>
+            </a:r>
+            <a:r>
+              <a:rPr lang="en-US" sz="1600" dirty="0"/>
+              <a:t>(Hieu.health2());</a:t>
+            </a:r>
+          </a:p>
+          <a:p>
+            <a:pPr marL="0" lvl="0" indent="0" defTabSz="914400" fontAlgn="auto">
+              <a:spcBef>
+                <a:spcPts val="0"/>
+              </a:spcBef>
+              <a:spcAft>
+                <a:spcPts val="0"/>
+              </a:spcAft>
+              <a:buNone/>
+            </a:pPr>
+            <a:r>
+              <a:rPr lang="en-US" sz="1600" dirty="0"/>
+              <a:t>  }</a:t>
+            </a:r>
+          </a:p>
+          <a:p>
+            <a:pPr marL="0" lvl="0" indent="0" defTabSz="914400" fontAlgn="auto">
+              <a:spcBef>
+                <a:spcPts val="0"/>
+              </a:spcBef>
+              <a:spcAft>
+                <a:spcPts val="0"/>
+              </a:spcAft>
+              <a:buNone/>
+            </a:pPr>
+            <a:r>
+              <a:rPr lang="en-US" sz="1600" dirty="0"/>
+              <a:t>}</a:t>
+            </a:r>
+          </a:p>
+        </p:txBody>
+      </p:sp>
+      <p:sp>
+        <p:nvSpPr>
+          <p:cNvPr id="4" name="Footer Placeholder 3"/>
+          <p:cNvSpPr>
+            <a:spLocks noGrp="1"/>
+          </p:cNvSpPr>
+          <p:nvPr>
+            <p:ph type="ftr" sz="quarter" idx="10"/>
+          </p:nvPr>
+        </p:nvSpPr>
+        <p:spPr/>
+        <p:txBody>
+          <a:bodyPr/>
+          <a:lstStyle/>
+          <a:p>
+            <a:r>
+              <a:rPr lang="en-US" dirty="0"/>
+              <a:t>Lecture 3: OOP</a:t>
+            </a:r>
+          </a:p>
+        </p:txBody>
+      </p:sp>
+      <p:sp>
+        <p:nvSpPr>
+          <p:cNvPr id="5" name="Date Placeholder 4"/>
+          <p:cNvSpPr>
+            <a:spLocks noGrp="1"/>
+          </p:cNvSpPr>
+          <p:nvPr>
+            <p:ph type="dt" sz="half" idx="11"/>
+          </p:nvPr>
+        </p:nvSpPr>
+        <p:spPr/>
+        <p:txBody>
+          <a:bodyPr/>
+          <a:lstStyle/>
+          <a:p>
+            <a:r>
+              <a:rPr lang="mr-IN" dirty="0"/>
+              <a:t>03/10/2020</a:t>
+            </a:r>
+            <a:endParaRPr lang="en-US" dirty="0"/>
+          </a:p>
+        </p:txBody>
+      </p:sp>
+      <p:sp>
+        <p:nvSpPr>
+          <p:cNvPr id="6" name="Slide Number Placeholder 5"/>
+          <p:cNvSpPr>
+            <a:spLocks noGrp="1"/>
+          </p:cNvSpPr>
+          <p:nvPr>
+            <p:ph type="sldNum" sz="quarter" idx="12"/>
+          </p:nvPr>
+        </p:nvSpPr>
+        <p:spPr/>
+        <p:txBody>
+          <a:bodyPr/>
+          <a:lstStyle/>
+          <a:p>
+            <a:fld id="{1D5CD492-2BC6-F348-9965-EC1D86DF57A8}" type="slidenum">
+              <a:rPr lang="en-US" smtClean="0"/>
+              <a:t>6</a:t>
+            </a:fld>
+            <a:endParaRPr lang="en-US"/>
+          </a:p>
+        </p:txBody>
+      </p:sp>
+    </p:spTree>
+    <p:extLst>
+      <p:ext uri="{BB962C8B-B14F-4D97-AF65-F5344CB8AC3E}">
+        <p14:creationId xmlns:p14="http://schemas.microsoft.com/office/powerpoint/2010/main" val="612867310"/>
+      </p:ext>
+    </p:extLst>
+  </p:cSld>
+  <p:clrMapOvr>
+    <a:masterClrMapping/>
+  </p:clrMapOvr>
+  <p:transition spd="med">
+    <p:wipe dir="r"/>
+  </p:transition>
+</p:sld>
+</file>
+
+<file path=ppt/slides/slide7.xml><?xml version="1.0" encoding="utf-8"?>
+<p:sld xmlns:a="http://schemas.openxmlformats.org/drawingml/2006/main" xmlns:r="http://schemas.openxmlformats.org/officeDocument/2006/relationships" xmlns:p="http://schemas.openxmlformats.org/presentationml/2006/main">
+  <p:cSld>
+    <p:spTree>
+      <p:nvGrpSpPr>
+        <p:cNvPr id="1" name=""/>
+        <p:cNvGrpSpPr/>
+        <p:nvPr/>
+      </p:nvGrpSpPr>
+      <p:grpSpPr>
+        <a:xfrm>
+          <a:off x="0" y="0"/>
+          <a:ext cx="0" cy="0"/>
+          <a:chOff x="0" y="0"/>
+          <a:chExt cx="0" cy="0"/>
+        </a:xfrm>
+      </p:grpSpPr>
+      <p:sp>
+        <p:nvSpPr>
+          <p:cNvPr id="2" name="Rubrik 1">
+            <a:extLst>
+              <a:ext uri="{FF2B5EF4-FFF2-40B4-BE49-F238E27FC236}">
+                <a16:creationId xmlns:a16="http://schemas.microsoft.com/office/drawing/2014/main" id="{982AF24D-0AA7-884B-B701-8DC48CF3AC6F}"/>
+              </a:ext>
+            </a:extLst>
+          </p:cNvPr>
+          <p:cNvSpPr>
+            <a:spLocks noGrp="1"/>
+          </p:cNvSpPr>
+          <p:nvPr>
+            <p:ph type="title"/>
+          </p:nvPr>
+        </p:nvSpPr>
+        <p:spPr/>
+        <p:txBody>
+          <a:bodyPr/>
+          <a:lstStyle/>
+          <a:p>
+            <a:r>
+              <a:rPr lang="sv-SE" dirty="0"/>
+              <a:t>Class &amp; </a:t>
+            </a:r>
+            <a:r>
+              <a:rPr lang="sv-SE" dirty="0" err="1"/>
+              <a:t>Instance</a:t>
+            </a:r>
+            <a:endParaRPr lang="sv-SE" dirty="0"/>
+          </a:p>
+        </p:txBody>
+      </p:sp>
+      <p:sp>
+        <p:nvSpPr>
+          <p:cNvPr id="3" name="Platshållare för innehåll 2">
+            <a:extLst>
+              <a:ext uri="{FF2B5EF4-FFF2-40B4-BE49-F238E27FC236}">
+                <a16:creationId xmlns:a16="http://schemas.microsoft.com/office/drawing/2014/main" id="{E0824E89-5050-0447-93F2-C3821D7FD4AE}"/>
+              </a:ext>
+            </a:extLst>
+          </p:cNvPr>
+          <p:cNvSpPr>
+            <a:spLocks noGrp="1"/>
+          </p:cNvSpPr>
+          <p:nvPr>
+            <p:ph idx="1"/>
+          </p:nvPr>
+        </p:nvSpPr>
+        <p:spPr/>
+        <p:txBody>
+          <a:bodyPr/>
+          <a:lstStyle/>
+          <a:p>
+            <a:r>
+              <a:rPr lang="sv-SE" dirty="0" err="1"/>
+              <a:t>Constructor</a:t>
+            </a:r>
+            <a:r>
+              <a:rPr lang="sv-SE" dirty="0"/>
+              <a:t>: </a:t>
+            </a:r>
+            <a:r>
+              <a:rPr lang="sv-SE" dirty="0">
+                <a:hlinkClick r:id="rId2"/>
+              </a:rPr>
+              <a:t>https://www.javatpoint.com/java-constructor</a:t>
+            </a:r>
+            <a:endParaRPr lang="sv-SE" dirty="0"/>
+          </a:p>
+          <a:p>
+            <a:r>
+              <a:rPr lang="sv-SE" dirty="0" err="1"/>
+              <a:t>Instance</a:t>
+            </a:r>
+            <a:r>
+              <a:rPr lang="sv-SE" dirty="0"/>
+              <a:t> </a:t>
+            </a:r>
+            <a:r>
+              <a:rPr lang="sv-SE" dirty="0" err="1"/>
+              <a:t>variable</a:t>
+            </a:r>
+            <a:r>
+              <a:rPr lang="sv-SE" dirty="0"/>
+              <a:t> &amp; </a:t>
+            </a:r>
+            <a:r>
+              <a:rPr lang="sv-SE" dirty="0" err="1"/>
+              <a:t>method</a:t>
+            </a:r>
+            <a:endParaRPr lang="sv-SE" dirty="0"/>
+          </a:p>
+          <a:p>
+            <a:r>
+              <a:rPr lang="sv-SE" dirty="0">
+                <a:hlinkClick r:id="rId3"/>
+              </a:rPr>
+              <a:t>https://www.javatpoint.com/this-keyword</a:t>
+            </a:r>
+            <a:endParaRPr lang="sv-SE" dirty="0"/>
+          </a:p>
+          <a:p>
+            <a:r>
+              <a:rPr lang="sv-SE" dirty="0" err="1"/>
+              <a:t>Static</a:t>
+            </a:r>
+            <a:r>
+              <a:rPr lang="sv-SE" dirty="0"/>
+              <a:t> </a:t>
+            </a:r>
+            <a:r>
+              <a:rPr lang="sv-SE" dirty="0" err="1"/>
+              <a:t>variable</a:t>
+            </a:r>
+            <a:r>
+              <a:rPr lang="sv-SE" dirty="0"/>
+              <a:t> &amp; </a:t>
+            </a:r>
+            <a:r>
+              <a:rPr lang="sv-SE" dirty="0" err="1"/>
+              <a:t>Method</a:t>
+            </a:r>
+            <a:r>
+              <a:rPr lang="sv-SE" dirty="0"/>
+              <a:t>:</a:t>
+            </a:r>
+          </a:p>
+          <a:p>
+            <a:pPr marL="0" indent="0">
+              <a:buNone/>
+            </a:pPr>
+            <a:r>
+              <a:rPr lang="sv-SE" dirty="0">
+                <a:hlinkClick r:id="rId4"/>
+              </a:rPr>
+              <a:t>https://www.javatpoint.com/static-keyword-in-java</a:t>
+            </a:r>
+            <a:endParaRPr lang="sv-SE" dirty="0"/>
+          </a:p>
+        </p:txBody>
+      </p:sp>
+      <p:sp>
+        <p:nvSpPr>
+          <p:cNvPr id="4" name="Platshållare för sidfot 3">
+            <a:extLst>
+              <a:ext uri="{FF2B5EF4-FFF2-40B4-BE49-F238E27FC236}">
+                <a16:creationId xmlns:a16="http://schemas.microsoft.com/office/drawing/2014/main" id="{6246D557-7391-D04A-A478-1277660BF9C2}"/>
+              </a:ext>
+            </a:extLst>
+          </p:cNvPr>
+          <p:cNvSpPr>
+            <a:spLocks noGrp="1"/>
+          </p:cNvSpPr>
+          <p:nvPr>
+            <p:ph type="ftr" sz="quarter" idx="10"/>
+          </p:nvPr>
+        </p:nvSpPr>
+        <p:spPr/>
+        <p:txBody>
+          <a:bodyPr/>
+          <a:lstStyle/>
+          <a:p>
+            <a:r>
+              <a:rPr lang="en-US" dirty="0"/>
+              <a:t>Lecture 2: Java Basic</a:t>
+            </a:r>
+          </a:p>
+        </p:txBody>
+      </p:sp>
+      <p:sp>
+        <p:nvSpPr>
+          <p:cNvPr id="5" name="Platshållare för datum 4">
+            <a:extLst>
+              <a:ext uri="{FF2B5EF4-FFF2-40B4-BE49-F238E27FC236}">
+                <a16:creationId xmlns:a16="http://schemas.microsoft.com/office/drawing/2014/main" id="{489A7D01-9DA6-D44E-BE1D-98AF8EB91243}"/>
+              </a:ext>
+            </a:extLst>
+          </p:cNvPr>
+          <p:cNvSpPr>
+            <a:spLocks noGrp="1"/>
+          </p:cNvSpPr>
+          <p:nvPr>
+            <p:ph type="dt" sz="half" idx="11"/>
+          </p:nvPr>
+        </p:nvSpPr>
+        <p:spPr/>
+        <p:txBody>
+          <a:bodyPr/>
+          <a:lstStyle/>
+          <a:p>
+            <a:r>
+              <a:rPr lang="mr-IN" dirty="0"/>
+              <a:t>26/09/2020</a:t>
+            </a:r>
+            <a:endParaRPr lang="en-US" dirty="0"/>
+          </a:p>
+        </p:txBody>
+      </p:sp>
+      <p:sp>
+        <p:nvSpPr>
+          <p:cNvPr id="6" name="Platshållare för bildnummer 5">
+            <a:extLst>
+              <a:ext uri="{FF2B5EF4-FFF2-40B4-BE49-F238E27FC236}">
+                <a16:creationId xmlns:a16="http://schemas.microsoft.com/office/drawing/2014/main" id="{8248C967-498D-994E-8F7D-4E3227B0ABEB}"/>
+              </a:ext>
+            </a:extLst>
+          </p:cNvPr>
+          <p:cNvSpPr>
+            <a:spLocks noGrp="1"/>
+          </p:cNvSpPr>
+          <p:nvPr>
+            <p:ph type="sldNum" sz="quarter" idx="12"/>
+          </p:nvPr>
+        </p:nvSpPr>
+        <p:spPr/>
+        <p:txBody>
+          <a:bodyPr/>
+          <a:lstStyle/>
+          <a:p>
+            <a:fld id="{1D5CD492-2BC6-F348-9965-EC1D86DF57A8}" type="slidenum">
+              <a:rPr lang="en-US" smtClean="0"/>
+              <a:t>7</a:t>
+            </a:fld>
+            <a:endParaRPr lang="en-US"/>
+          </a:p>
+        </p:txBody>
+      </p:sp>
+    </p:spTree>
+    <p:extLst>
+      <p:ext uri="{BB962C8B-B14F-4D97-AF65-F5344CB8AC3E}">
+        <p14:creationId xmlns:p14="http://schemas.microsoft.com/office/powerpoint/2010/main" val="3488804761"/>
+      </p:ext>
+    </p:extLst>
+  </p:cSld>
+  <p:clrMapOvr>
+    <a:masterClrMapping/>
+  </p:clrMapOvr>
+  <p:transition spd="med">
+    <p:wipe dir="r"/>
+  </p:transition>
+</p:sld>
+</file>
+
+<file path=ppt/slides/slide8.xml><?xml version="1.0" encoding="utf-8"?>
+<p:sld xmlns:a="http://schemas.openxmlformats.org/drawingml/2006/main" xmlns:r="http://schemas.openxmlformats.org/officeDocument/2006/relationships" xmlns:p="http://schemas.openxmlformats.org/presentationml/2006/main">
+  <p:cSld>
+    <p:spTree>
+      <p:nvGrpSpPr>
+        <p:cNvPr id="1" name=""/>
+        <p:cNvGrpSpPr/>
+        <p:nvPr/>
+      </p:nvGrpSpPr>
+      <p:grpSpPr>
+        <a:xfrm>
+          <a:off x="0" y="0"/>
+          <a:ext cx="0" cy="0"/>
+          <a:chOff x="0" y="0"/>
+          <a:chExt cx="0" cy="0"/>
+        </a:xfrm>
+      </p:grpSpPr>
+      <p:sp>
+        <p:nvSpPr>
+          <p:cNvPr id="2" name="Title 1"/>
+          <p:cNvSpPr>
+            <a:spLocks noGrp="1"/>
+          </p:cNvSpPr>
+          <p:nvPr>
+            <p:ph type="title"/>
+          </p:nvPr>
+        </p:nvSpPr>
+        <p:spPr/>
+        <p:txBody>
+          <a:bodyPr/>
+          <a:lstStyle/>
+          <a:p>
+            <a:r>
+              <a:rPr lang="en-US" dirty="0"/>
+              <a:t>Scope</a:t>
+            </a:r>
+          </a:p>
+        </p:txBody>
+      </p:sp>
+      <p:sp>
+        <p:nvSpPr>
+          <p:cNvPr id="3" name="Content Placeholder 2"/>
+          <p:cNvSpPr>
+            <a:spLocks noGrp="1"/>
+          </p:cNvSpPr>
+          <p:nvPr>
+            <p:ph idx="1"/>
+          </p:nvPr>
+        </p:nvSpPr>
+        <p:spPr/>
+        <p:txBody>
+          <a:bodyPr/>
+          <a:lstStyle/>
+          <a:p>
+            <a:r>
+              <a:rPr lang="en-US" dirty="0"/>
+              <a:t>Public = allow outside to see.</a:t>
+            </a:r>
+          </a:p>
+          <a:p>
+            <a:r>
+              <a:rPr lang="en-US" dirty="0"/>
+              <a:t>Protected = not allow outside to see, but let my children &amp; grant children see</a:t>
+            </a:r>
+          </a:p>
+          <a:p>
+            <a:r>
+              <a:rPr lang="en-US" dirty="0"/>
+              <a:t>Private = only me can see.</a:t>
+            </a:r>
+          </a:p>
+          <a:p>
+            <a:r>
+              <a:rPr lang="en-US" dirty="0"/>
+              <a:t>Package</a:t>
+            </a:r>
+          </a:p>
+          <a:p>
+            <a:pPr marL="0" indent="0">
+              <a:buNone/>
+            </a:pPr>
+            <a:r>
+              <a:rPr lang="sv-SE" dirty="0">
+                <a:hlinkClick r:id="rId2"/>
+              </a:rPr>
+              <a:t>https://www.dreamincode.net/forums/topic/158726-scope-and-static-variables/</a:t>
+            </a:r>
+            <a:endParaRPr lang="sv-SE" dirty="0"/>
+          </a:p>
+        </p:txBody>
+      </p:sp>
+      <p:sp>
+        <p:nvSpPr>
+          <p:cNvPr id="4" name="Footer Placeholder 3"/>
+          <p:cNvSpPr>
+            <a:spLocks noGrp="1"/>
+          </p:cNvSpPr>
+          <p:nvPr>
+            <p:ph type="ftr" sz="quarter" idx="10"/>
+          </p:nvPr>
+        </p:nvSpPr>
+        <p:spPr/>
+        <p:txBody>
+          <a:bodyPr/>
+          <a:lstStyle/>
+          <a:p>
+            <a:r>
+              <a:rPr lang="en-US" dirty="0"/>
+              <a:t>Lecture 3: OOP</a:t>
+            </a:r>
+          </a:p>
+        </p:txBody>
+      </p:sp>
+      <p:sp>
+        <p:nvSpPr>
+          <p:cNvPr id="5" name="Date Placeholder 4"/>
+          <p:cNvSpPr>
+            <a:spLocks noGrp="1"/>
+          </p:cNvSpPr>
+          <p:nvPr>
+            <p:ph type="dt" sz="half" idx="11"/>
+          </p:nvPr>
+        </p:nvSpPr>
+        <p:spPr/>
+        <p:txBody>
+          <a:bodyPr/>
+          <a:lstStyle/>
+          <a:p>
+            <a:r>
+              <a:rPr lang="mr-IN" dirty="0"/>
+              <a:t>03/10/2020</a:t>
+            </a:r>
+            <a:endParaRPr lang="en-US" dirty="0"/>
+          </a:p>
+        </p:txBody>
+      </p:sp>
+      <p:sp>
+        <p:nvSpPr>
+          <p:cNvPr id="6" name="Slide Number Placeholder 5"/>
+          <p:cNvSpPr>
+            <a:spLocks noGrp="1"/>
+          </p:cNvSpPr>
+          <p:nvPr>
+            <p:ph type="sldNum" sz="quarter" idx="12"/>
+          </p:nvPr>
+        </p:nvSpPr>
+        <p:spPr/>
+        <p:txBody>
+          <a:bodyPr/>
+          <a:lstStyle/>
+          <a:p>
+            <a:fld id="{1D5CD492-2BC6-F348-9965-EC1D86DF57A8}" type="slidenum">
+              <a:rPr lang="en-US" smtClean="0"/>
+              <a:t>8</a:t>
+            </a:fld>
+            <a:endParaRPr lang="en-US"/>
+          </a:p>
+        </p:txBody>
+      </p:sp>
+    </p:spTree>
+    <p:extLst>
+      <p:ext uri="{BB962C8B-B14F-4D97-AF65-F5344CB8AC3E}">
+        <p14:creationId xmlns:p14="http://schemas.microsoft.com/office/powerpoint/2010/main" val="2919075101"/>
+      </p:ext>
+    </p:extLst>
+  </p:cSld>
+  <p:clrMapOvr>
+    <a:masterClrMapping/>
+  </p:clrMapOvr>
+  <p:transition spd="med">
+    <p:wipe dir="r"/>
+  </p:transition>
+</p:sld>
+</file>
+
 <file path=ppt/slides/slide9.xml><?xml version="1.0" encoding="utf-8"?>
 <p:sld xmlns:a="http://schemas.openxmlformats.org/drawingml/2006/main" xmlns:r="http://schemas.openxmlformats.org/officeDocument/2006/relationships" xmlns:p="http://schemas.openxmlformats.org/presentationml/2006/main">
   <p:cSld>
@@ -8732,7 +9134,7 @@
           <a:p>
             <a:r>
               <a:rPr lang="en-US" dirty="0"/>
-              <a:t>Interface vs abstract class &amp; Inheritance</a:t>
+              <a:t>Scope &amp; Encapsulation</a:t>
             </a:r>
           </a:p>
         </p:txBody>
@@ -8747,32 +9149,108 @@
             <p:ph idx="1"/>
           </p:nvPr>
         </p:nvSpPr>
-        <p:spPr/>
-        <p:txBody>
-          <a:bodyPr/>
-          <a:lstStyle/>
-          <a:p>
-            <a:r>
-              <a:rPr lang="en-US" dirty="0"/>
-              <a:t>When a class inherits from another class: anything from father/mother/parent is also belong to child.</a:t>
-            </a:r>
-          </a:p>
-          <a:p>
-            <a:r>
-              <a:rPr lang="en-US" dirty="0"/>
-              <a:t>Unfortunately, Java does not have multiple inheritance.</a:t>
-            </a:r>
-          </a:p>
-          <a:p>
-            <a:r>
-              <a:rPr lang="en-US" dirty="0"/>
-              <a:t>Abstract class is just like class, except it has some methods not implemented (so it requires child class to implement).</a:t>
-            </a:r>
-          </a:p>
-          <a:p>
-            <a:r>
-              <a:rPr lang="en-US" dirty="0"/>
-              <a:t>Interface can be considered as empty class, or like responsibility: anything implements interface = must satisfy its behavior.</a:t>
+        <p:spPr>
+          <a:xfrm>
+            <a:off x="457200" y="1600200"/>
+            <a:ext cx="8229600" cy="4756150"/>
+          </a:xfrm>
+        </p:spPr>
+        <p:txBody>
+          <a:bodyPr/>
+          <a:lstStyle/>
+          <a:p>
+            <a:r>
+              <a:rPr lang="en-US" sz="2000" dirty="0"/>
+              <a:t>Although we can expose object states to be accessed from outside, we are not recommended to do so.</a:t>
+            </a:r>
+          </a:p>
+          <a:p>
+            <a:pPr marL="0" indent="0">
+              <a:buNone/>
+            </a:pPr>
+            <a:r>
+              <a:rPr lang="en-US" sz="2000" dirty="0"/>
+              <a:t>“expose = public: e.g. </a:t>
+            </a:r>
+            <a:r>
+              <a:rPr lang="mr-IN" sz="2000" dirty="0"/>
+              <a:t>–</a:t>
+            </a:r>
+            <a:r>
+              <a:rPr lang="en-US" sz="2000" dirty="0"/>
+              <a:t> public </a:t>
+            </a:r>
+            <a:r>
+              <a:rPr lang="en-US" sz="2000" dirty="0" err="1"/>
+              <a:t>int</a:t>
+            </a:r>
+            <a:r>
+              <a:rPr lang="en-US" sz="2000" dirty="0"/>
+              <a:t> age();</a:t>
+            </a:r>
+          </a:p>
+          <a:p>
+            <a:r>
+              <a:rPr lang="en-US" sz="2000" dirty="0"/>
+              <a:t>The reason is that we should always control our behaviors. For instance, instead of exposing age, we might define a method like this:</a:t>
+            </a:r>
+          </a:p>
+          <a:p>
+            <a:pPr marL="0" indent="0">
+              <a:buNone/>
+            </a:pPr>
+            <a:r>
+              <a:rPr lang="en-US" sz="1600" dirty="0"/>
+              <a:t>public </a:t>
+            </a:r>
+            <a:r>
+              <a:rPr lang="en-US" sz="1600" dirty="0" err="1"/>
+              <a:t>int</a:t>
+            </a:r>
+            <a:r>
+              <a:rPr lang="en-US" sz="1600" dirty="0"/>
+              <a:t> </a:t>
+            </a:r>
+            <a:r>
+              <a:rPr lang="en-US" sz="1600" dirty="0" err="1"/>
+              <a:t>getAge</a:t>
+            </a:r>
+            <a:r>
+              <a:rPr lang="en-US" sz="1600" dirty="0"/>
+              <a:t>() {</a:t>
+            </a:r>
+          </a:p>
+          <a:p>
+            <a:pPr marL="0" indent="0">
+              <a:buNone/>
+            </a:pPr>
+            <a:r>
+              <a:rPr lang="en-US" sz="1600" dirty="0"/>
+              <a:t>   if (the asking person is my friends) return age;</a:t>
+            </a:r>
+          </a:p>
+          <a:p>
+            <a:pPr marL="0" indent="0">
+              <a:buNone/>
+            </a:pPr>
+            <a:r>
+              <a:rPr lang="en-US" sz="1600" dirty="0"/>
+              <a:t>   else return 30;</a:t>
+            </a:r>
+          </a:p>
+          <a:p>
+            <a:pPr marL="0" indent="0">
+              <a:buNone/>
+            </a:pPr>
+            <a:r>
+              <a:rPr lang="en-US" sz="1600" dirty="0"/>
+              <a:t>}</a:t>
+            </a:r>
+          </a:p>
+          <a:p>
+            <a:r>
+              <a:rPr lang="en-US" sz="2000" dirty="0"/>
+              <a:t>We have 3 scopes of behaviors &amp; methods: public, protected, private.</a:t>
             </a:r>
           </a:p>
         </p:txBody>
@@ -8848,7 +9326,7 @@
     </p:spTree>
     <p:extLst>
       <p:ext uri="{BB962C8B-B14F-4D97-AF65-F5344CB8AC3E}">
-        <p14:creationId xmlns:p14="http://schemas.microsoft.com/office/powerpoint/2010/main" val="1260929078"/>
+        <p14:creationId xmlns:p14="http://schemas.microsoft.com/office/powerpoint/2010/main" val="1274400799"/>
       </p:ext>
     </p:extLst>
   </p:cSld>

--- a/courses/oopjava/lecture3.pptx
+++ b/courses/oopjava/lecture3.pptx
@@ -5,10 +5,10 @@
     <p:sldMasterId id="2147483816" r:id="rId1"/>
   </p:sldMasterIdLst>
   <p:notesMasterIdLst>
-    <p:notesMasterId r:id="rId19"/>
+    <p:notesMasterId r:id="rId13"/>
   </p:notesMasterIdLst>
   <p:handoutMasterIdLst>
-    <p:handoutMasterId r:id="rId20"/>
+    <p:handoutMasterId r:id="rId14"/>
   </p:handoutMasterIdLst>
   <p:sldIdLst>
     <p:sldId id="256" r:id="rId2"/>
@@ -20,14 +20,8 @@
     <p:sldId id="301" r:id="rId8"/>
     <p:sldId id="357" r:id="rId9"/>
     <p:sldId id="358" r:id="rId10"/>
-    <p:sldId id="359" r:id="rId11"/>
-    <p:sldId id="347" r:id="rId12"/>
-    <p:sldId id="348" r:id="rId13"/>
-    <p:sldId id="349" r:id="rId14"/>
-    <p:sldId id="350" r:id="rId15"/>
-    <p:sldId id="352" r:id="rId16"/>
-    <p:sldId id="351" r:id="rId17"/>
-    <p:sldId id="360" r:id="rId18"/>
+    <p:sldId id="363" r:id="rId11"/>
+    <p:sldId id="360" r:id="rId12"/>
   </p:sldIdLst>
   <p:sldSz cx="9144000" cy="6858000" type="screen4x3"/>
   <p:notesSz cx="6858000" cy="9144000"/>
@@ -696,91 +690,6 @@
     </a:lvl9pPr>
   </p:notesStyle>
 </p:notesMaster>
-</file>
-
-<file path=ppt/notesSlides/notesSlide1.xml><?xml version="1.0" encoding="utf-8"?>
-<p:notes xmlns:a="http://schemas.openxmlformats.org/drawingml/2006/main" xmlns:r="http://schemas.openxmlformats.org/officeDocument/2006/relationships" xmlns:p="http://schemas.openxmlformats.org/presentationml/2006/main">
-  <p:cSld>
-    <p:spTree>
-      <p:nvGrpSpPr>
-        <p:cNvPr id="1" name=""/>
-        <p:cNvGrpSpPr/>
-        <p:nvPr/>
-      </p:nvGrpSpPr>
-      <p:grpSpPr>
-        <a:xfrm>
-          <a:off x="0" y="0"/>
-          <a:ext cx="0" cy="0"/>
-          <a:chOff x="0" y="0"/>
-          <a:chExt cx="0" cy="0"/>
-        </a:xfrm>
-      </p:grpSpPr>
-      <p:sp>
-        <p:nvSpPr>
-          <p:cNvPr id="2" name="Slide Image Placeholder 1"/>
-          <p:cNvSpPr>
-            <a:spLocks noGrp="1" noRot="1" noChangeAspect="1"/>
-          </p:cNvSpPr>
-          <p:nvPr>
-            <p:ph type="sldImg"/>
-          </p:nvPr>
-        </p:nvSpPr>
-        <p:spPr/>
-      </p:sp>
-      <p:sp>
-        <p:nvSpPr>
-          <p:cNvPr id="3" name="Notes Placeholder 2"/>
-          <p:cNvSpPr>
-            <a:spLocks noGrp="1"/>
-          </p:cNvSpPr>
-          <p:nvPr>
-            <p:ph type="body" idx="1"/>
-          </p:nvPr>
-        </p:nvSpPr>
-        <p:spPr/>
-        <p:txBody>
-          <a:bodyPr/>
-          <a:lstStyle/>
-          <a:p>
-            <a:endParaRPr lang="en-US" dirty="0"/>
-          </a:p>
-        </p:txBody>
-      </p:sp>
-      <p:sp>
-        <p:nvSpPr>
-          <p:cNvPr id="4" name="Slide Number Placeholder 3"/>
-          <p:cNvSpPr>
-            <a:spLocks noGrp="1"/>
-          </p:cNvSpPr>
-          <p:nvPr>
-            <p:ph type="sldNum" sz="quarter" idx="10"/>
-          </p:nvPr>
-        </p:nvSpPr>
-        <p:spPr/>
-        <p:txBody>
-          <a:bodyPr/>
-          <a:lstStyle/>
-          <a:p>
-            <a:fld id="{CB4F38C2-4548-F541-8261-4C1D96E7A166}" type="slidenum">
-              <a:rPr lang="en-US" smtClean="0"/>
-              <a:pPr/>
-              <a:t>10</a:t>
-            </a:fld>
-            <a:endParaRPr lang="en-US"/>
-          </a:p>
-        </p:txBody>
-      </p:sp>
-    </p:spTree>
-    <p:extLst>
-      <p:ext uri="{BB962C8B-B14F-4D97-AF65-F5344CB8AC3E}">
-        <p14:creationId xmlns:p14="http://schemas.microsoft.com/office/powerpoint/2010/main" val="1303271094"/>
-      </p:ext>
-    </p:extLst>
-  </p:cSld>
-  <p:clrMapOvr>
-    <a:masterClrMapping/>
-  </p:clrMapOvr>
-</p:notes>
 </file>
 
 <file path=ppt/slideLayouts/slideLayout1.xml><?xml version="1.0" encoding="utf-8"?>
@@ -4723,7 +4632,13 @@
       </p:grpSpPr>
       <p:sp>
         <p:nvSpPr>
-          <p:cNvPr id="2" name="Title 1"/>
+          <p:cNvPr id="2" name="Title 1">
+            <a:extLst>
+              <a:ext uri="{FF2B5EF4-FFF2-40B4-BE49-F238E27FC236}">
+                <a16:creationId xmlns:a16="http://schemas.microsoft.com/office/drawing/2014/main" id="{3D41285F-8A2B-3C40-888F-0A426A54669D}"/>
+              </a:ext>
+            </a:extLst>
+          </p:cNvPr>
           <p:cNvSpPr>
             <a:spLocks noGrp="1"/>
           </p:cNvSpPr>
@@ -4737,15 +4652,21 @@
           <a:lstStyle/>
           <a:p>
             <a:r>
-              <a:rPr lang="en-US" dirty="0"/>
-              <a:t>Static, final</a:t>
-            </a:r>
-          </a:p>
-        </p:txBody>
-      </p:sp>
-      <p:sp>
-        <p:nvSpPr>
-          <p:cNvPr id="3" name="Content Placeholder 2"/>
+              <a:rPr lang="en-VN" dirty="0"/>
+              <a:t>”this” keyword</a:t>
+            </a:r>
+          </a:p>
+        </p:txBody>
+      </p:sp>
+      <p:sp>
+        <p:nvSpPr>
+          <p:cNvPr id="3" name="Content Placeholder 2">
+            <a:extLst>
+              <a:ext uri="{FF2B5EF4-FFF2-40B4-BE49-F238E27FC236}">
+                <a16:creationId xmlns:a16="http://schemas.microsoft.com/office/drawing/2014/main" id="{82D2D869-D10C-614D-844A-2522674EA30E}"/>
+              </a:ext>
+            </a:extLst>
+          </p:cNvPr>
           <p:cNvSpPr>
             <a:spLocks noGrp="1"/>
           </p:cNvSpPr>
@@ -4753,26 +4674,30 @@
             <p:ph idx="1"/>
           </p:nvPr>
         </p:nvSpPr>
-        <p:spPr>
-          <a:xfrm>
-            <a:off x="457200" y="1600200"/>
-            <a:ext cx="8229600" cy="988888"/>
-          </a:xfrm>
-        </p:spPr>
+        <p:spPr/>
         <p:txBody>
           <a:bodyPr/>
           <a:lstStyle/>
           <a:p>
             <a:r>
-              <a:rPr lang="en-US" sz="2000" dirty="0"/>
-              <a:t>Static method/property is method/property defined in class, not in instance. So we call static methods/access properties via class name, not via an instance.</a:t>
-            </a:r>
-          </a:p>
-        </p:txBody>
-      </p:sp>
-      <p:sp>
-        <p:nvSpPr>
-          <p:cNvPr id="4" name="Footer Placeholder 3"/>
+              <a:rPr lang="sv-SE" dirty="0">
+                <a:hlinkClick r:id="rId2"/>
+              </a:rPr>
+              <a:t>https://www.javatpoint.com/this-keyword</a:t>
+            </a:r>
+            <a:endParaRPr lang="sv-SE" dirty="0"/>
+          </a:p>
+        </p:txBody>
+      </p:sp>
+      <p:sp>
+        <p:nvSpPr>
+          <p:cNvPr id="4" name="Footer Placeholder 3">
+            <a:extLst>
+              <a:ext uri="{FF2B5EF4-FFF2-40B4-BE49-F238E27FC236}">
+                <a16:creationId xmlns:a16="http://schemas.microsoft.com/office/drawing/2014/main" id="{6C5476F3-10E0-724E-B640-1E07954D8744}"/>
+              </a:ext>
+            </a:extLst>
+          </p:cNvPr>
           <p:cNvSpPr>
             <a:spLocks noGrp="1"/>
           </p:cNvSpPr>
@@ -4786,15 +4711,22 @@
           <a:lstStyle/>
           <a:p>
             <a:r>
-              <a:rPr lang="en-US" dirty="0"/>
+              <a:rPr lang="en-US"/>
               <a:t>Lecture 3: OOP</a:t>
             </a:r>
-          </a:p>
-        </p:txBody>
-      </p:sp>
-      <p:sp>
-        <p:nvSpPr>
-          <p:cNvPr id="5" name="Date Placeholder 4"/>
+            <a:endParaRPr lang="en-US" dirty="0"/>
+          </a:p>
+        </p:txBody>
+      </p:sp>
+      <p:sp>
+        <p:nvSpPr>
+          <p:cNvPr id="5" name="Date Placeholder 4">
+            <a:extLst>
+              <a:ext uri="{FF2B5EF4-FFF2-40B4-BE49-F238E27FC236}">
+                <a16:creationId xmlns:a16="http://schemas.microsoft.com/office/drawing/2014/main" id="{D20A2F87-253D-7345-99CD-0751D71E1D8A}"/>
+              </a:ext>
+            </a:extLst>
+          </p:cNvPr>
           <p:cNvSpPr>
             <a:spLocks noGrp="1"/>
           </p:cNvSpPr>
@@ -4808,7 +4740,7 @@
           <a:lstStyle/>
           <a:p>
             <a:r>
-              <a:rPr lang="mr-IN" dirty="0"/>
+              <a:rPr lang="mr-IN"/>
               <a:t>03/10/2020</a:t>
             </a:r>
             <a:endParaRPr lang="en-US" dirty="0"/>
@@ -4817,7 +4749,13 @@
       </p:sp>
       <p:sp>
         <p:nvSpPr>
-          <p:cNvPr id="6" name="Slide Number Placeholder 5"/>
+          <p:cNvPr id="6" name="Slide Number Placeholder 5">
+            <a:extLst>
+              <a:ext uri="{FF2B5EF4-FFF2-40B4-BE49-F238E27FC236}">
+                <a16:creationId xmlns:a16="http://schemas.microsoft.com/office/drawing/2014/main" id="{3E7700BD-DBE4-484A-B7D2-0C926E25E549}"/>
+              </a:ext>
+            </a:extLst>
+          </p:cNvPr>
           <p:cNvSpPr>
             <a:spLocks noGrp="1"/>
           </p:cNvSpPr>
@@ -4838,433 +4776,10 @@
           </a:p>
         </p:txBody>
       </p:sp>
-      <p:sp>
-        <p:nvSpPr>
-          <p:cNvPr id="7" name="TextBox 6"/>
-          <p:cNvSpPr txBox="1"/>
-          <p:nvPr/>
-        </p:nvSpPr>
-        <p:spPr>
-          <a:xfrm>
-            <a:off x="457200" y="2589088"/>
-            <a:ext cx="8229600" cy="3139321"/>
-          </a:xfrm>
-          <a:prstGeom prst="rect">
-            <a:avLst/>
-          </a:prstGeom>
-          <a:noFill/>
-        </p:spPr>
-        <p:txBody>
-          <a:bodyPr wrap="square" numCol="2" rtlCol="0">
-            <a:spAutoFit/>
-          </a:bodyPr>
-          <a:lstStyle/>
-          <a:p>
-            <a:pPr marL="0" indent="0">
-              <a:buNone/>
-            </a:pPr>
-            <a:r>
-              <a:rPr lang="en-US" dirty="0"/>
-              <a:t>public class Person {</a:t>
-            </a:r>
-          </a:p>
-          <a:p>
-            <a:pPr marL="0" indent="0">
-              <a:buNone/>
-            </a:pPr>
-            <a:r>
-              <a:rPr lang="en-US" dirty="0"/>
-              <a:t>    public static </a:t>
-            </a:r>
-            <a:r>
-              <a:rPr lang="en-US" dirty="0" err="1"/>
-              <a:t>int</a:t>
-            </a:r>
-            <a:r>
-              <a:rPr lang="en-US" dirty="0"/>
-              <a:t> population;</a:t>
-            </a:r>
-          </a:p>
-          <a:p>
-            <a:pPr marL="0" indent="0">
-              <a:buNone/>
-            </a:pPr>
-            <a:r>
-              <a:rPr lang="en-US" dirty="0"/>
-              <a:t>    public Person() {</a:t>
-            </a:r>
-          </a:p>
-          <a:p>
-            <a:pPr marL="0" indent="0">
-              <a:buNone/>
-            </a:pPr>
-            <a:r>
-              <a:rPr lang="en-US" dirty="0"/>
-              <a:t>       population++;</a:t>
-            </a:r>
-          </a:p>
-          <a:p>
-            <a:pPr marL="0" indent="0">
-              <a:buNone/>
-            </a:pPr>
-            <a:r>
-              <a:rPr lang="en-US" dirty="0"/>
-              <a:t>    }</a:t>
-            </a:r>
-          </a:p>
-          <a:p>
-            <a:pPr marL="0" indent="0">
-              <a:buNone/>
-            </a:pPr>
-            <a:r>
-              <a:rPr lang="en-US" dirty="0"/>
-              <a:t>    public void die() {</a:t>
-            </a:r>
-          </a:p>
-          <a:p>
-            <a:pPr marL="0" indent="0">
-              <a:buNone/>
-            </a:pPr>
-            <a:r>
-              <a:rPr lang="en-US" dirty="0"/>
-              <a:t>       population--;</a:t>
-            </a:r>
-          </a:p>
-          <a:p>
-            <a:pPr marL="0" indent="0">
-              <a:buNone/>
-            </a:pPr>
-            <a:r>
-              <a:rPr lang="en-US" dirty="0"/>
-              <a:t>    }</a:t>
-            </a:r>
-          </a:p>
-          <a:p>
-            <a:pPr marL="0" indent="0">
-              <a:buNone/>
-            </a:pPr>
-            <a:r>
-              <a:rPr lang="en-US" dirty="0"/>
-              <a:t>}</a:t>
-            </a:r>
-          </a:p>
-          <a:p>
-            <a:pPr marL="0" indent="0">
-              <a:buNone/>
-            </a:pPr>
-            <a:endParaRPr lang="en-US" dirty="0"/>
-          </a:p>
-          <a:p>
-            <a:pPr marL="0" indent="0">
-              <a:buNone/>
-            </a:pPr>
-            <a:endParaRPr lang="en-US" dirty="0"/>
-          </a:p>
-          <a:p>
-            <a:pPr marL="0" indent="0">
-              <a:buNone/>
-            </a:pPr>
-            <a:r>
-              <a:rPr lang="en-US" dirty="0"/>
-              <a:t>public class Family {</a:t>
-            </a:r>
-          </a:p>
-          <a:p>
-            <a:pPr marL="0" indent="0">
-              <a:buNone/>
-            </a:pPr>
-            <a:r>
-              <a:rPr lang="en-US" dirty="0"/>
-              <a:t>    private static </a:t>
-            </a:r>
-            <a:r>
-              <a:rPr lang="en-US" dirty="0" err="1"/>
-              <a:t>int</a:t>
-            </a:r>
-            <a:r>
-              <a:rPr lang="en-US" dirty="0"/>
-              <a:t> members;</a:t>
-            </a:r>
-          </a:p>
-          <a:p>
-            <a:pPr marL="0" indent="0">
-              <a:buNone/>
-            </a:pPr>
-            <a:r>
-              <a:rPr lang="en-US" dirty="0"/>
-              <a:t>    public static Money work() {</a:t>
-            </a:r>
-          </a:p>
-          <a:p>
-            <a:pPr marL="0" indent="0">
-              <a:buNone/>
-            </a:pPr>
-            <a:r>
-              <a:rPr lang="en-US" dirty="0"/>
-              <a:t>        return members * 1000;</a:t>
-            </a:r>
-          </a:p>
-          <a:p>
-            <a:pPr marL="0" indent="0">
-              <a:buNone/>
-            </a:pPr>
-            <a:r>
-              <a:rPr lang="en-US" dirty="0"/>
-              <a:t>    }</a:t>
-            </a:r>
-          </a:p>
-          <a:p>
-            <a:pPr marL="0" indent="0">
-              <a:buNone/>
-            </a:pPr>
-            <a:r>
-              <a:rPr lang="en-US" dirty="0"/>
-              <a:t>    protected final String </a:t>
-            </a:r>
-            <a:r>
-              <a:rPr lang="en-US" dirty="0" err="1"/>
-              <a:t>family_rules</a:t>
-            </a:r>
-            <a:r>
-              <a:rPr lang="en-US" dirty="0"/>
-              <a:t>() {</a:t>
-            </a:r>
-          </a:p>
-          <a:p>
-            <a:pPr marL="0" indent="0">
-              <a:buNone/>
-            </a:pPr>
-            <a:r>
-              <a:rPr lang="en-US" dirty="0"/>
-              <a:t>    return “</a:t>
-            </a:r>
-            <a:r>
-              <a:rPr lang="en-US" dirty="0" err="1"/>
-              <a:t>my_ultimate_rules</a:t>
-            </a:r>
-            <a:r>
-              <a:rPr lang="en-US" dirty="0"/>
-              <a:t>”;}</a:t>
-            </a:r>
-          </a:p>
-          <a:p>
-            <a:pPr marL="0" indent="0">
-              <a:buNone/>
-            </a:pPr>
-            <a:r>
-              <a:rPr lang="en-US" dirty="0"/>
-              <a:t>    public static final String    </a:t>
-            </a:r>
-            <a:r>
-              <a:rPr lang="en-US" dirty="0" err="1"/>
-              <a:t>basic_family_rules</a:t>
-            </a:r>
-            <a:r>
-              <a:rPr lang="en-US" dirty="0"/>
-              <a:t>() { return Love; }</a:t>
-            </a:r>
-          </a:p>
-          <a:p>
-            <a:pPr marL="0" indent="0">
-              <a:buNone/>
-            </a:pPr>
-            <a:r>
-              <a:rPr lang="en-US" dirty="0"/>
-              <a:t>}</a:t>
-            </a:r>
-          </a:p>
-        </p:txBody>
-      </p:sp>
-      <p:sp>
-        <p:nvSpPr>
-          <p:cNvPr id="8" name="Content Placeholder 2"/>
-          <p:cNvSpPr txBox="1">
-            <a:spLocks/>
-          </p:cNvSpPr>
-          <p:nvPr/>
-        </p:nvSpPr>
-        <p:spPr>
-          <a:xfrm>
-            <a:off x="335623" y="5564023"/>
-            <a:ext cx="8229600" cy="1153274"/>
-          </a:xfrm>
-          <a:prstGeom prst="rect">
-            <a:avLst/>
-          </a:prstGeom>
-        </p:spPr>
-        <p:txBody>
-          <a:bodyPr/>
-          <a:lstStyle>
-            <a:lvl1pPr marL="342900" indent="-342900" algn="l" defTabSz="457200" rtl="0" eaLnBrk="1" fontAlgn="base" hangingPunct="1">
-              <a:spcBef>
-                <a:spcPts val="600"/>
-              </a:spcBef>
-              <a:spcAft>
-                <a:spcPts val="600"/>
-              </a:spcAft>
-              <a:buFont typeface="Wingdings" charset="2"/>
-              <a:buChar char="²"/>
-              <a:defRPr sz="2400" kern="1200">
-                <a:solidFill>
-                  <a:srgbClr val="46424D"/>
-                </a:solidFill>
-                <a:latin typeface="Arial"/>
-                <a:ea typeface="ＭＳ Ｐゴシック" charset="-128"/>
-                <a:cs typeface="Arial"/>
-              </a:defRPr>
-            </a:lvl1pPr>
-            <a:lvl2pPr marL="742950" indent="-285750" algn="l" defTabSz="457200" rtl="0" eaLnBrk="1" fontAlgn="base" hangingPunct="1">
-              <a:spcBef>
-                <a:spcPts val="300"/>
-              </a:spcBef>
-              <a:spcAft>
-                <a:spcPts val="300"/>
-              </a:spcAft>
-              <a:buFont typeface="Wingdings" charset="2"/>
-              <a:buChar char="§"/>
-              <a:defRPr sz="2000" kern="1200">
-                <a:solidFill>
-                  <a:srgbClr val="46424D"/>
-                </a:solidFill>
-                <a:latin typeface="Arial"/>
-                <a:ea typeface="ＭＳ Ｐゴシック" charset="-128"/>
-                <a:cs typeface="Arial"/>
-              </a:defRPr>
-            </a:lvl2pPr>
-            <a:lvl3pPr marL="1143000" indent="-228600" algn="l" defTabSz="457200" rtl="0" eaLnBrk="1" fontAlgn="base" hangingPunct="1">
-              <a:spcBef>
-                <a:spcPct val="20000"/>
-              </a:spcBef>
-              <a:spcAft>
-                <a:spcPct val="0"/>
-              </a:spcAft>
-              <a:buFont typeface="Arial" charset="0"/>
-              <a:buChar char="•"/>
-              <a:defRPr sz="1800" kern="1200">
-                <a:solidFill>
-                  <a:srgbClr val="46424D"/>
-                </a:solidFill>
-                <a:latin typeface="Arial"/>
-                <a:ea typeface="ＭＳ Ｐゴシック" charset="-128"/>
-                <a:cs typeface="Arial"/>
-              </a:defRPr>
-            </a:lvl3pPr>
-            <a:lvl4pPr marL="1600200" indent="-228600" algn="l" defTabSz="457200" rtl="0" eaLnBrk="1" fontAlgn="base" hangingPunct="1">
-              <a:spcBef>
-                <a:spcPct val="20000"/>
-              </a:spcBef>
-              <a:spcAft>
-                <a:spcPct val="0"/>
-              </a:spcAft>
-              <a:buFont typeface="Arial" charset="0"/>
-              <a:buChar char="–"/>
-              <a:defRPr sz="1800" kern="1200">
-                <a:solidFill>
-                  <a:srgbClr val="46424D"/>
-                </a:solidFill>
-                <a:latin typeface="Arial"/>
-                <a:ea typeface="ＭＳ Ｐゴシック" charset="-128"/>
-                <a:cs typeface="Arial"/>
-              </a:defRPr>
-            </a:lvl4pPr>
-            <a:lvl5pPr marL="2057400" indent="-228600" algn="l" defTabSz="457200" rtl="0" eaLnBrk="1" fontAlgn="base" hangingPunct="1">
-              <a:spcBef>
-                <a:spcPct val="20000"/>
-              </a:spcBef>
-              <a:spcAft>
-                <a:spcPct val="0"/>
-              </a:spcAft>
-              <a:buFont typeface="Arial" charset="0"/>
-              <a:buChar char="»"/>
-              <a:defRPr sz="1800" kern="1200">
-                <a:solidFill>
-                  <a:srgbClr val="46424D"/>
-                </a:solidFill>
-                <a:latin typeface="Arial"/>
-                <a:ea typeface="ＭＳ Ｐゴシック" charset="-128"/>
-                <a:cs typeface="Arial"/>
-              </a:defRPr>
-            </a:lvl5pPr>
-            <a:lvl6pPr marL="2514600" indent="-228600" algn="l" defTabSz="457200" rtl="0" eaLnBrk="1" latinLnBrk="0" hangingPunct="1">
-              <a:spcBef>
-                <a:spcPct val="20000"/>
-              </a:spcBef>
-              <a:buFont typeface="Arial"/>
-              <a:buChar char="•"/>
-              <a:defRPr sz="2000" kern="1200">
-                <a:solidFill>
-                  <a:schemeClr val="tx1"/>
-                </a:solidFill>
-                <a:latin typeface="+mn-lt"/>
-                <a:ea typeface="+mn-ea"/>
-                <a:cs typeface="+mn-cs"/>
-              </a:defRPr>
-            </a:lvl6pPr>
-            <a:lvl7pPr marL="2971800" indent="-228600" algn="l" defTabSz="457200" rtl="0" eaLnBrk="1" latinLnBrk="0" hangingPunct="1">
-              <a:spcBef>
-                <a:spcPct val="20000"/>
-              </a:spcBef>
-              <a:buFont typeface="Arial"/>
-              <a:buChar char="•"/>
-              <a:defRPr sz="2000" kern="1200">
-                <a:solidFill>
-                  <a:schemeClr val="tx1"/>
-                </a:solidFill>
-                <a:latin typeface="+mn-lt"/>
-                <a:ea typeface="+mn-ea"/>
-                <a:cs typeface="+mn-cs"/>
-              </a:defRPr>
-            </a:lvl7pPr>
-            <a:lvl8pPr marL="3429000" indent="-228600" algn="l" defTabSz="457200" rtl="0" eaLnBrk="1" latinLnBrk="0" hangingPunct="1">
-              <a:spcBef>
-                <a:spcPct val="20000"/>
-              </a:spcBef>
-              <a:buFont typeface="Arial"/>
-              <a:buChar char="•"/>
-              <a:defRPr sz="2000" kern="1200">
-                <a:solidFill>
-                  <a:schemeClr val="tx1"/>
-                </a:solidFill>
-                <a:latin typeface="+mn-lt"/>
-                <a:ea typeface="+mn-ea"/>
-                <a:cs typeface="+mn-cs"/>
-              </a:defRPr>
-            </a:lvl8pPr>
-            <a:lvl9pPr marL="3886200" indent="-228600" algn="l" defTabSz="457200" rtl="0" eaLnBrk="1" latinLnBrk="0" hangingPunct="1">
-              <a:spcBef>
-                <a:spcPct val="20000"/>
-              </a:spcBef>
-              <a:buFont typeface="Arial"/>
-              <a:buChar char="•"/>
-              <a:defRPr sz="2000" kern="1200">
-                <a:solidFill>
-                  <a:schemeClr val="tx1"/>
-                </a:solidFill>
-                <a:latin typeface="+mn-lt"/>
-                <a:ea typeface="+mn-ea"/>
-                <a:cs typeface="+mn-cs"/>
-              </a:defRPr>
-            </a:lvl9pPr>
-          </a:lstStyle>
-          <a:p>
-            <a:r>
-              <a:rPr lang="en-US" sz="2000" dirty="0"/>
-              <a:t>Final method/property</a:t>
-            </a:r>
-            <a:r>
-              <a:rPr lang="en-US" dirty="0"/>
-              <a:t>: not allows children class to alter/override. </a:t>
-            </a:r>
-          </a:p>
-          <a:p>
-            <a:endParaRPr lang="en-US" dirty="0"/>
-          </a:p>
-        </p:txBody>
-      </p:sp>
     </p:spTree>
     <p:extLst>
       <p:ext uri="{BB962C8B-B14F-4D97-AF65-F5344CB8AC3E}">
-        <p14:creationId xmlns:p14="http://schemas.microsoft.com/office/powerpoint/2010/main" val="962322522"/>
+        <p14:creationId xmlns:p14="http://schemas.microsoft.com/office/powerpoint/2010/main" val="823156912"/>
       </p:ext>
     </p:extLst>
   </p:cSld>
@@ -5296,1272 +4811,6 @@
       </p:grpSpPr>
       <p:sp>
         <p:nvSpPr>
-          <p:cNvPr id="2" name="Title 1"/>
-          <p:cNvSpPr>
-            <a:spLocks noGrp="1"/>
-          </p:cNvSpPr>
-          <p:nvPr>
-            <p:ph type="title"/>
-          </p:nvPr>
-        </p:nvSpPr>
-        <p:spPr/>
-        <p:txBody>
-          <a:bodyPr/>
-          <a:lstStyle/>
-          <a:p>
-            <a:r>
-              <a:rPr lang="en-US" dirty="0"/>
-              <a:t>Interface vs abstract class &amp; Inheritance</a:t>
-            </a:r>
-          </a:p>
-        </p:txBody>
-      </p:sp>
-      <p:sp>
-        <p:nvSpPr>
-          <p:cNvPr id="3" name="Content Placeholder 2"/>
-          <p:cNvSpPr>
-            <a:spLocks noGrp="1"/>
-          </p:cNvSpPr>
-          <p:nvPr>
-            <p:ph idx="1"/>
-          </p:nvPr>
-        </p:nvSpPr>
-        <p:spPr/>
-        <p:txBody>
-          <a:bodyPr/>
-          <a:lstStyle/>
-          <a:p>
-            <a:r>
-              <a:rPr lang="en-US" dirty="0"/>
-              <a:t>When a class inherits from another class: anything from father/mother/parent is also belong to child.</a:t>
-            </a:r>
-          </a:p>
-          <a:p>
-            <a:r>
-              <a:rPr lang="en-US" dirty="0"/>
-              <a:t>Unfortunately, Java does not have multiple inheritance.</a:t>
-            </a:r>
-          </a:p>
-          <a:p>
-            <a:r>
-              <a:rPr lang="en-US" dirty="0"/>
-              <a:t>Abstract class is just like class, except it has some methods not implemented (so it requires child class to implement).</a:t>
-            </a:r>
-          </a:p>
-          <a:p>
-            <a:r>
-              <a:rPr lang="en-US" dirty="0"/>
-              <a:t>Interface can be considered as empty class, or like responsibility: anything implements interface = must satisfy its behavior.</a:t>
-            </a:r>
-          </a:p>
-        </p:txBody>
-      </p:sp>
-      <p:sp>
-        <p:nvSpPr>
-          <p:cNvPr id="4" name="Footer Placeholder 3"/>
-          <p:cNvSpPr>
-            <a:spLocks noGrp="1"/>
-          </p:cNvSpPr>
-          <p:nvPr>
-            <p:ph type="ftr" sz="quarter" idx="10"/>
-          </p:nvPr>
-        </p:nvSpPr>
-        <p:spPr/>
-        <p:txBody>
-          <a:bodyPr/>
-          <a:lstStyle/>
-          <a:p>
-            <a:r>
-              <a:rPr lang="en-US" dirty="0"/>
-              <a:t>Lecture 3: OOP</a:t>
-            </a:r>
-          </a:p>
-        </p:txBody>
-      </p:sp>
-      <p:sp>
-        <p:nvSpPr>
-          <p:cNvPr id="5" name="Date Placeholder 4"/>
-          <p:cNvSpPr>
-            <a:spLocks noGrp="1"/>
-          </p:cNvSpPr>
-          <p:nvPr>
-            <p:ph type="dt" sz="half" idx="11"/>
-          </p:nvPr>
-        </p:nvSpPr>
-        <p:spPr/>
-        <p:txBody>
-          <a:bodyPr/>
-          <a:lstStyle/>
-          <a:p>
-            <a:r>
-              <a:rPr lang="mr-IN" dirty="0"/>
-              <a:t>03/10/2020</a:t>
-            </a:r>
-            <a:endParaRPr lang="en-US" dirty="0"/>
-          </a:p>
-        </p:txBody>
-      </p:sp>
-      <p:sp>
-        <p:nvSpPr>
-          <p:cNvPr id="6" name="Slide Number Placeholder 5"/>
-          <p:cNvSpPr>
-            <a:spLocks noGrp="1"/>
-          </p:cNvSpPr>
-          <p:nvPr>
-            <p:ph type="sldNum" sz="quarter" idx="12"/>
-          </p:nvPr>
-        </p:nvSpPr>
-        <p:spPr/>
-        <p:txBody>
-          <a:bodyPr/>
-          <a:lstStyle/>
-          <a:p>
-            <a:fld id="{1D5CD492-2BC6-F348-9965-EC1D86DF57A8}" type="slidenum">
-              <a:rPr lang="en-US" smtClean="0"/>
-              <a:t>11</a:t>
-            </a:fld>
-            <a:endParaRPr lang="en-US"/>
-          </a:p>
-        </p:txBody>
-      </p:sp>
-    </p:spTree>
-    <p:extLst>
-      <p:ext uri="{BB962C8B-B14F-4D97-AF65-F5344CB8AC3E}">
-        <p14:creationId xmlns:p14="http://schemas.microsoft.com/office/powerpoint/2010/main" val="1260929078"/>
-      </p:ext>
-    </p:extLst>
-  </p:cSld>
-  <p:clrMapOvr>
-    <a:masterClrMapping/>
-  </p:clrMapOvr>
-  <p:transition spd="med">
-    <p:wipe dir="r"/>
-  </p:transition>
-</p:sld>
-</file>
-
-<file path=ppt/slides/slide12.xml><?xml version="1.0" encoding="utf-8"?>
-<p:sld xmlns:a="http://schemas.openxmlformats.org/drawingml/2006/main" xmlns:r="http://schemas.openxmlformats.org/officeDocument/2006/relationships" xmlns:p="http://schemas.openxmlformats.org/presentationml/2006/main">
-  <p:cSld>
-    <p:spTree>
-      <p:nvGrpSpPr>
-        <p:cNvPr id="1" name=""/>
-        <p:cNvGrpSpPr/>
-        <p:nvPr/>
-      </p:nvGrpSpPr>
-      <p:grpSpPr>
-        <a:xfrm>
-          <a:off x="0" y="0"/>
-          <a:ext cx="0" cy="0"/>
-          <a:chOff x="0" y="0"/>
-          <a:chExt cx="0" cy="0"/>
-        </a:xfrm>
-      </p:grpSpPr>
-      <p:sp>
-        <p:nvSpPr>
-          <p:cNvPr id="2" name="Title 1"/>
-          <p:cNvSpPr>
-            <a:spLocks noGrp="1"/>
-          </p:cNvSpPr>
-          <p:nvPr>
-            <p:ph type="title"/>
-          </p:nvPr>
-        </p:nvSpPr>
-        <p:spPr/>
-        <p:txBody>
-          <a:bodyPr/>
-          <a:lstStyle/>
-          <a:p>
-            <a:r>
-              <a:rPr lang="en-US" dirty="0"/>
-              <a:t>Interface example</a:t>
-            </a:r>
-          </a:p>
-        </p:txBody>
-      </p:sp>
-      <p:sp>
-        <p:nvSpPr>
-          <p:cNvPr id="3" name="Content Placeholder 2"/>
-          <p:cNvSpPr>
-            <a:spLocks noGrp="1"/>
-          </p:cNvSpPr>
-          <p:nvPr>
-            <p:ph idx="1"/>
-          </p:nvPr>
-        </p:nvSpPr>
-        <p:spPr/>
-        <p:txBody>
-          <a:bodyPr/>
-          <a:lstStyle/>
-          <a:p>
-            <a:r>
-              <a:rPr lang="en-US" sz="2000" dirty="0"/>
-              <a:t>Interface: similar to role &amp; its responsibility. </a:t>
-            </a:r>
-          </a:p>
-          <a:p>
-            <a:pPr marL="0" indent="0">
-              <a:buNone/>
-            </a:pPr>
-            <a:r>
-              <a:rPr lang="en-US" sz="2000" dirty="0"/>
-              <a:t>interface </a:t>
-            </a:r>
-            <a:r>
-              <a:rPr lang="en-US" sz="2000" dirty="0" err="1"/>
-              <a:t>SoftwareEngineer</a:t>
-            </a:r>
-            <a:r>
-              <a:rPr lang="en-US" sz="2000" dirty="0"/>
-              <a:t> {</a:t>
-            </a:r>
-          </a:p>
-          <a:p>
-            <a:pPr marL="0" indent="0">
-              <a:buNone/>
-            </a:pPr>
-            <a:r>
-              <a:rPr lang="en-US" sz="2000" dirty="0"/>
-              <a:t>   public String code(String requirements);</a:t>
-            </a:r>
-          </a:p>
-          <a:p>
-            <a:pPr marL="0" indent="0">
-              <a:buNone/>
-            </a:pPr>
-            <a:r>
-              <a:rPr lang="en-US" sz="2000" dirty="0"/>
-              <a:t>   public Software deliver();</a:t>
-            </a:r>
-          </a:p>
-          <a:p>
-            <a:pPr marL="0" indent="0">
-              <a:buNone/>
-            </a:pPr>
-            <a:r>
-              <a:rPr lang="en-US" sz="2000" dirty="0"/>
-              <a:t>   public Software debug();</a:t>
-            </a:r>
-          </a:p>
-          <a:p>
-            <a:pPr marL="0" indent="0">
-              <a:buNone/>
-            </a:pPr>
-            <a:r>
-              <a:rPr lang="en-US" sz="2000" dirty="0"/>
-              <a:t>}</a:t>
-            </a:r>
-          </a:p>
-          <a:p>
-            <a:pPr marL="0" indent="0">
-              <a:buNone/>
-            </a:pPr>
-            <a:r>
-              <a:rPr lang="en-US" sz="2000" dirty="0"/>
-              <a:t>Public class Person implements </a:t>
-            </a:r>
-            <a:r>
-              <a:rPr lang="en-US" sz="2000" dirty="0" err="1"/>
-              <a:t>SoftwareEngineer</a:t>
-            </a:r>
-            <a:r>
-              <a:rPr lang="en-US" sz="2000" dirty="0"/>
-              <a:t> {</a:t>
-            </a:r>
-          </a:p>
-          <a:p>
-            <a:pPr marL="0" indent="0">
-              <a:buNone/>
-            </a:pPr>
-            <a:r>
-              <a:rPr lang="en-US" sz="2000" dirty="0"/>
-              <a:t>   public String code(String requirements) { </a:t>
-            </a:r>
-            <a:r>
-              <a:rPr lang="mr-IN" sz="2000" dirty="0"/>
-              <a:t>…</a:t>
-            </a:r>
-            <a:r>
-              <a:rPr lang="en-US" sz="2000" dirty="0"/>
-              <a:t>. };</a:t>
-            </a:r>
-          </a:p>
-          <a:p>
-            <a:pPr marL="0" indent="0">
-              <a:buNone/>
-            </a:pPr>
-            <a:r>
-              <a:rPr lang="en-US" sz="2000" dirty="0"/>
-              <a:t>   public Software deliver() { </a:t>
-            </a:r>
-            <a:r>
-              <a:rPr lang="mr-IN" sz="2000" dirty="0"/>
-              <a:t>…</a:t>
-            </a:r>
-            <a:r>
-              <a:rPr lang="en-US" sz="2000" dirty="0"/>
-              <a:t>. };</a:t>
-            </a:r>
-          </a:p>
-          <a:p>
-            <a:pPr marL="0" indent="0">
-              <a:buNone/>
-            </a:pPr>
-            <a:r>
-              <a:rPr lang="en-US" sz="2000" dirty="0"/>
-              <a:t>   public Software debug() { </a:t>
-            </a:r>
-            <a:r>
-              <a:rPr lang="mr-IN" sz="2000" dirty="0"/>
-              <a:t>…</a:t>
-            </a:r>
-            <a:r>
-              <a:rPr lang="en-US" sz="2000" dirty="0"/>
-              <a:t> };</a:t>
-            </a:r>
-          </a:p>
-          <a:p>
-            <a:pPr marL="0" indent="0">
-              <a:buNone/>
-            </a:pPr>
-            <a:r>
-              <a:rPr lang="en-US" sz="2000" dirty="0"/>
-              <a:t>}</a:t>
-            </a:r>
-          </a:p>
-          <a:p>
-            <a:endParaRPr lang="en-US" sz="2000" dirty="0"/>
-          </a:p>
-        </p:txBody>
-      </p:sp>
-      <p:sp>
-        <p:nvSpPr>
-          <p:cNvPr id="4" name="Footer Placeholder 3"/>
-          <p:cNvSpPr>
-            <a:spLocks noGrp="1"/>
-          </p:cNvSpPr>
-          <p:nvPr>
-            <p:ph type="ftr" sz="quarter" idx="10"/>
-          </p:nvPr>
-        </p:nvSpPr>
-        <p:spPr/>
-        <p:txBody>
-          <a:bodyPr/>
-          <a:lstStyle/>
-          <a:p>
-            <a:r>
-              <a:rPr lang="en-US" dirty="0"/>
-              <a:t>Lecture 3: OOP</a:t>
-            </a:r>
-          </a:p>
-        </p:txBody>
-      </p:sp>
-      <p:sp>
-        <p:nvSpPr>
-          <p:cNvPr id="5" name="Date Placeholder 4"/>
-          <p:cNvSpPr>
-            <a:spLocks noGrp="1"/>
-          </p:cNvSpPr>
-          <p:nvPr>
-            <p:ph type="dt" sz="half" idx="11"/>
-          </p:nvPr>
-        </p:nvSpPr>
-        <p:spPr/>
-        <p:txBody>
-          <a:bodyPr/>
-          <a:lstStyle/>
-          <a:p>
-            <a:r>
-              <a:rPr lang="mr-IN" dirty="0"/>
-              <a:t>03/10/2020</a:t>
-            </a:r>
-            <a:endParaRPr lang="en-US" dirty="0"/>
-          </a:p>
-        </p:txBody>
-      </p:sp>
-      <p:sp>
-        <p:nvSpPr>
-          <p:cNvPr id="6" name="Slide Number Placeholder 5"/>
-          <p:cNvSpPr>
-            <a:spLocks noGrp="1"/>
-          </p:cNvSpPr>
-          <p:nvPr>
-            <p:ph type="sldNum" sz="quarter" idx="12"/>
-          </p:nvPr>
-        </p:nvSpPr>
-        <p:spPr/>
-        <p:txBody>
-          <a:bodyPr/>
-          <a:lstStyle/>
-          <a:p>
-            <a:fld id="{1D5CD492-2BC6-F348-9965-EC1D86DF57A8}" type="slidenum">
-              <a:rPr lang="en-US" smtClean="0"/>
-              <a:t>12</a:t>
-            </a:fld>
-            <a:endParaRPr lang="en-US"/>
-          </a:p>
-        </p:txBody>
-      </p:sp>
-    </p:spTree>
-    <p:extLst>
-      <p:ext uri="{BB962C8B-B14F-4D97-AF65-F5344CB8AC3E}">
-        <p14:creationId xmlns:p14="http://schemas.microsoft.com/office/powerpoint/2010/main" val="468529659"/>
-      </p:ext>
-    </p:extLst>
-  </p:cSld>
-  <p:clrMapOvr>
-    <a:masterClrMapping/>
-  </p:clrMapOvr>
-  <p:transition spd="med">
-    <p:wipe dir="r"/>
-  </p:transition>
-</p:sld>
-</file>
-
-<file path=ppt/slides/slide13.xml><?xml version="1.0" encoding="utf-8"?>
-<p:sld xmlns:a="http://schemas.openxmlformats.org/drawingml/2006/main" xmlns:r="http://schemas.openxmlformats.org/officeDocument/2006/relationships" xmlns:p="http://schemas.openxmlformats.org/presentationml/2006/main">
-  <p:cSld>
-    <p:spTree>
-      <p:nvGrpSpPr>
-        <p:cNvPr id="1" name=""/>
-        <p:cNvGrpSpPr/>
-        <p:nvPr/>
-      </p:nvGrpSpPr>
-      <p:grpSpPr>
-        <a:xfrm>
-          <a:off x="0" y="0"/>
-          <a:ext cx="0" cy="0"/>
-          <a:chOff x="0" y="0"/>
-          <a:chExt cx="0" cy="0"/>
-        </a:xfrm>
-      </p:grpSpPr>
-      <p:sp>
-        <p:nvSpPr>
-          <p:cNvPr id="2" name="Title 1"/>
-          <p:cNvSpPr>
-            <a:spLocks noGrp="1"/>
-          </p:cNvSpPr>
-          <p:nvPr>
-            <p:ph type="title"/>
-          </p:nvPr>
-        </p:nvSpPr>
-        <p:spPr/>
-        <p:txBody>
-          <a:bodyPr/>
-          <a:lstStyle/>
-          <a:p>
-            <a:r>
-              <a:rPr lang="en-US" dirty="0"/>
-              <a:t>Interface example</a:t>
-            </a:r>
-          </a:p>
-        </p:txBody>
-      </p:sp>
-      <p:sp>
-        <p:nvSpPr>
-          <p:cNvPr id="3" name="Content Placeholder 2"/>
-          <p:cNvSpPr>
-            <a:spLocks noGrp="1"/>
-          </p:cNvSpPr>
-          <p:nvPr>
-            <p:ph idx="1"/>
-          </p:nvPr>
-        </p:nvSpPr>
-        <p:spPr/>
-        <p:txBody>
-          <a:bodyPr/>
-          <a:lstStyle/>
-          <a:p>
-            <a:r>
-              <a:rPr lang="en-US" dirty="0"/>
-              <a:t>So, when a class implements an interface might be seen as the person must have the ability to carry out what the role requires.</a:t>
-            </a:r>
-          </a:p>
-          <a:p>
-            <a:r>
-              <a:rPr lang="en-US" dirty="0"/>
-              <a:t>So a person can play 2 roles simultaneously: mother &amp; software engineer</a:t>
-            </a:r>
-          </a:p>
-          <a:p>
-            <a:r>
-              <a:rPr lang="en-US" dirty="0"/>
-              <a:t>Mother interface has </a:t>
-            </a:r>
-            <a:r>
-              <a:rPr lang="en-US" dirty="0" err="1"/>
-              <a:t>breastFeeding</a:t>
-            </a:r>
-            <a:r>
-              <a:rPr lang="en-US" dirty="0"/>
-              <a:t>(Person child) method, raise(Person child) method, cook() method, and teach(Person child) method.</a:t>
-            </a:r>
-          </a:p>
-          <a:p>
-            <a:r>
-              <a:rPr lang="en-US" dirty="0"/>
-              <a:t>Class Person implements Mother, </a:t>
-            </a:r>
-            <a:r>
-              <a:rPr lang="en-US" dirty="0" err="1"/>
-              <a:t>SoftwareEngineer</a:t>
-            </a:r>
-            <a:r>
-              <a:rPr lang="en-US" dirty="0"/>
-              <a:t> {</a:t>
-            </a:r>
-            <a:r>
-              <a:rPr lang="mr-IN" dirty="0"/>
-              <a:t>…</a:t>
-            </a:r>
-            <a:r>
-              <a:rPr lang="en-US" dirty="0"/>
-              <a:t>}</a:t>
-            </a:r>
-          </a:p>
-        </p:txBody>
-      </p:sp>
-      <p:sp>
-        <p:nvSpPr>
-          <p:cNvPr id="4" name="Footer Placeholder 3"/>
-          <p:cNvSpPr>
-            <a:spLocks noGrp="1"/>
-          </p:cNvSpPr>
-          <p:nvPr>
-            <p:ph type="ftr" sz="quarter" idx="10"/>
-          </p:nvPr>
-        </p:nvSpPr>
-        <p:spPr/>
-        <p:txBody>
-          <a:bodyPr/>
-          <a:lstStyle/>
-          <a:p>
-            <a:r>
-              <a:rPr lang="en-US" dirty="0"/>
-              <a:t>Lecture 3: OOP</a:t>
-            </a:r>
-          </a:p>
-        </p:txBody>
-      </p:sp>
-      <p:sp>
-        <p:nvSpPr>
-          <p:cNvPr id="5" name="Date Placeholder 4"/>
-          <p:cNvSpPr>
-            <a:spLocks noGrp="1"/>
-          </p:cNvSpPr>
-          <p:nvPr>
-            <p:ph type="dt" sz="half" idx="11"/>
-          </p:nvPr>
-        </p:nvSpPr>
-        <p:spPr/>
-        <p:txBody>
-          <a:bodyPr/>
-          <a:lstStyle/>
-          <a:p>
-            <a:r>
-              <a:rPr lang="mr-IN" dirty="0"/>
-              <a:t>03/10/2020</a:t>
-            </a:r>
-            <a:endParaRPr lang="en-US" dirty="0"/>
-          </a:p>
-        </p:txBody>
-      </p:sp>
-      <p:sp>
-        <p:nvSpPr>
-          <p:cNvPr id="6" name="Slide Number Placeholder 5"/>
-          <p:cNvSpPr>
-            <a:spLocks noGrp="1"/>
-          </p:cNvSpPr>
-          <p:nvPr>
-            <p:ph type="sldNum" sz="quarter" idx="12"/>
-          </p:nvPr>
-        </p:nvSpPr>
-        <p:spPr/>
-        <p:txBody>
-          <a:bodyPr/>
-          <a:lstStyle/>
-          <a:p>
-            <a:fld id="{1D5CD492-2BC6-F348-9965-EC1D86DF57A8}" type="slidenum">
-              <a:rPr lang="en-US" smtClean="0"/>
-              <a:t>13</a:t>
-            </a:fld>
-            <a:endParaRPr lang="en-US"/>
-          </a:p>
-        </p:txBody>
-      </p:sp>
-    </p:spTree>
-    <p:extLst>
-      <p:ext uri="{BB962C8B-B14F-4D97-AF65-F5344CB8AC3E}">
-        <p14:creationId xmlns:p14="http://schemas.microsoft.com/office/powerpoint/2010/main" val="376477224"/>
-      </p:ext>
-    </p:extLst>
-  </p:cSld>
-  <p:clrMapOvr>
-    <a:masterClrMapping/>
-  </p:clrMapOvr>
-  <p:transition spd="med">
-    <p:wipe dir="r"/>
-  </p:transition>
-</p:sld>
-</file>
-
-<file path=ppt/slides/slide14.xml><?xml version="1.0" encoding="utf-8"?>
-<p:sld xmlns:a="http://schemas.openxmlformats.org/drawingml/2006/main" xmlns:r="http://schemas.openxmlformats.org/officeDocument/2006/relationships" xmlns:p="http://schemas.openxmlformats.org/presentationml/2006/main">
-  <p:cSld>
-    <p:spTree>
-      <p:nvGrpSpPr>
-        <p:cNvPr id="1" name=""/>
-        <p:cNvGrpSpPr/>
-        <p:nvPr/>
-      </p:nvGrpSpPr>
-      <p:grpSpPr>
-        <a:xfrm>
-          <a:off x="0" y="0"/>
-          <a:ext cx="0" cy="0"/>
-          <a:chOff x="0" y="0"/>
-          <a:chExt cx="0" cy="0"/>
-        </a:xfrm>
-      </p:grpSpPr>
-      <p:sp>
-        <p:nvSpPr>
-          <p:cNvPr id="2" name="Title 1"/>
-          <p:cNvSpPr>
-            <a:spLocks noGrp="1"/>
-          </p:cNvSpPr>
-          <p:nvPr>
-            <p:ph type="title"/>
-          </p:nvPr>
-        </p:nvSpPr>
-        <p:spPr/>
-        <p:txBody>
-          <a:bodyPr/>
-          <a:lstStyle/>
-          <a:p>
-            <a:r>
-              <a:rPr lang="en-US" dirty="0"/>
-              <a:t>Abstract class example</a:t>
-            </a:r>
-          </a:p>
-        </p:txBody>
-      </p:sp>
-      <p:sp>
-        <p:nvSpPr>
-          <p:cNvPr id="3" name="Content Placeholder 2"/>
-          <p:cNvSpPr>
-            <a:spLocks noGrp="1"/>
-          </p:cNvSpPr>
-          <p:nvPr>
-            <p:ph idx="1"/>
-          </p:nvPr>
-        </p:nvSpPr>
-        <p:spPr/>
-        <p:txBody>
-          <a:bodyPr/>
-          <a:lstStyle/>
-          <a:p>
-            <a:r>
-              <a:rPr lang="en-US" dirty="0"/>
-              <a:t>Abstract class might be used to define a common behavior of similar classes. So we put all common methods into an abstract class, and we might put some default behaviors by implementing some methods in abstract class, </a:t>
-            </a:r>
-            <a:r>
-              <a:rPr lang="en-US"/>
-              <a:t>while leaving </a:t>
-            </a:r>
-            <a:r>
-              <a:rPr lang="en-US" dirty="0"/>
-              <a:t>some methods empty for its child to implement.</a:t>
-            </a:r>
-          </a:p>
-          <a:p>
-            <a:r>
-              <a:rPr lang="en-US" dirty="0"/>
-              <a:t>Since java supports only single inheritance, a class might only extends directly 1 abstract class.</a:t>
-            </a:r>
-          </a:p>
-        </p:txBody>
-      </p:sp>
-      <p:sp>
-        <p:nvSpPr>
-          <p:cNvPr id="4" name="Footer Placeholder 3"/>
-          <p:cNvSpPr>
-            <a:spLocks noGrp="1"/>
-          </p:cNvSpPr>
-          <p:nvPr>
-            <p:ph type="ftr" sz="quarter" idx="10"/>
-          </p:nvPr>
-        </p:nvSpPr>
-        <p:spPr/>
-        <p:txBody>
-          <a:bodyPr/>
-          <a:lstStyle/>
-          <a:p>
-            <a:r>
-              <a:rPr lang="en-US" dirty="0"/>
-              <a:t>Lecture 3: OOP</a:t>
-            </a:r>
-          </a:p>
-        </p:txBody>
-      </p:sp>
-      <p:sp>
-        <p:nvSpPr>
-          <p:cNvPr id="5" name="Date Placeholder 4"/>
-          <p:cNvSpPr>
-            <a:spLocks noGrp="1"/>
-          </p:cNvSpPr>
-          <p:nvPr>
-            <p:ph type="dt" sz="half" idx="11"/>
-          </p:nvPr>
-        </p:nvSpPr>
-        <p:spPr/>
-        <p:txBody>
-          <a:bodyPr/>
-          <a:lstStyle/>
-          <a:p>
-            <a:r>
-              <a:rPr lang="mr-IN" dirty="0"/>
-              <a:t>03/10/2020</a:t>
-            </a:r>
-            <a:endParaRPr lang="en-US" dirty="0"/>
-          </a:p>
-        </p:txBody>
-      </p:sp>
-      <p:sp>
-        <p:nvSpPr>
-          <p:cNvPr id="6" name="Slide Number Placeholder 5"/>
-          <p:cNvSpPr>
-            <a:spLocks noGrp="1"/>
-          </p:cNvSpPr>
-          <p:nvPr>
-            <p:ph type="sldNum" sz="quarter" idx="12"/>
-          </p:nvPr>
-        </p:nvSpPr>
-        <p:spPr/>
-        <p:txBody>
-          <a:bodyPr/>
-          <a:lstStyle/>
-          <a:p>
-            <a:fld id="{1D5CD492-2BC6-F348-9965-EC1D86DF57A8}" type="slidenum">
-              <a:rPr lang="en-US" smtClean="0"/>
-              <a:t>14</a:t>
-            </a:fld>
-            <a:endParaRPr lang="en-US"/>
-          </a:p>
-        </p:txBody>
-      </p:sp>
-    </p:spTree>
-    <p:extLst>
-      <p:ext uri="{BB962C8B-B14F-4D97-AF65-F5344CB8AC3E}">
-        <p14:creationId xmlns:p14="http://schemas.microsoft.com/office/powerpoint/2010/main" val="1636169102"/>
-      </p:ext>
-    </p:extLst>
-  </p:cSld>
-  <p:clrMapOvr>
-    <a:masterClrMapping/>
-  </p:clrMapOvr>
-  <p:transition spd="med">
-    <p:wipe dir="r"/>
-  </p:transition>
-</p:sld>
-</file>
-
-<file path=ppt/slides/slide15.xml><?xml version="1.0" encoding="utf-8"?>
-<p:sld xmlns:a="http://schemas.openxmlformats.org/drawingml/2006/main" xmlns:r="http://schemas.openxmlformats.org/officeDocument/2006/relationships" xmlns:p="http://schemas.openxmlformats.org/presentationml/2006/main">
-  <p:cSld>
-    <p:spTree>
-      <p:nvGrpSpPr>
-        <p:cNvPr id="1" name=""/>
-        <p:cNvGrpSpPr/>
-        <p:nvPr/>
-      </p:nvGrpSpPr>
-      <p:grpSpPr>
-        <a:xfrm>
-          <a:off x="0" y="0"/>
-          <a:ext cx="0" cy="0"/>
-          <a:chOff x="0" y="0"/>
-          <a:chExt cx="0" cy="0"/>
-        </a:xfrm>
-      </p:grpSpPr>
-      <p:sp>
-        <p:nvSpPr>
-          <p:cNvPr id="2" name="Title 1"/>
-          <p:cNvSpPr>
-            <a:spLocks noGrp="1"/>
-          </p:cNvSpPr>
-          <p:nvPr>
-            <p:ph type="title"/>
-          </p:nvPr>
-        </p:nvSpPr>
-        <p:spPr/>
-        <p:txBody>
-          <a:bodyPr/>
-          <a:lstStyle/>
-          <a:p>
-            <a:r>
-              <a:rPr lang="en-US" dirty="0"/>
-              <a:t>Type checking</a:t>
-            </a:r>
-          </a:p>
-        </p:txBody>
-      </p:sp>
-      <p:sp>
-        <p:nvSpPr>
-          <p:cNvPr id="3" name="Content Placeholder 2"/>
-          <p:cNvSpPr>
-            <a:spLocks noGrp="1"/>
-          </p:cNvSpPr>
-          <p:nvPr>
-            <p:ph idx="1"/>
-          </p:nvPr>
-        </p:nvSpPr>
-        <p:spPr>
-          <a:xfrm>
-            <a:off x="457200" y="1600200"/>
-            <a:ext cx="8229600" cy="4756150"/>
-          </a:xfrm>
-        </p:spPr>
-        <p:txBody>
-          <a:bodyPr/>
-          <a:lstStyle/>
-          <a:p>
-            <a:r>
-              <a:rPr lang="en-US" dirty="0"/>
-              <a:t>We might think about the metaphor of type with the “is a” relation, for example:</a:t>
-            </a:r>
-          </a:p>
-          <a:p>
-            <a:pPr lvl="1"/>
-            <a:r>
-              <a:rPr lang="en-US" dirty="0"/>
-              <a:t>An eagle “is a” bird, a bird “is an” animal, and (so) an eagle “is an” animal</a:t>
-            </a:r>
-          </a:p>
-          <a:p>
-            <a:pPr marL="57150" indent="0">
-              <a:buNone/>
-            </a:pPr>
-            <a:r>
-              <a:rPr lang="en-US" dirty="0">
-                <a:latin typeface="+mj-lt"/>
-              </a:rPr>
-              <a:t>class Animal extends </a:t>
-            </a:r>
-            <a:r>
-              <a:rPr lang="en-US" dirty="0" err="1">
-                <a:latin typeface="+mj-lt"/>
-              </a:rPr>
-              <a:t>LiveThing</a:t>
-            </a:r>
-            <a:r>
-              <a:rPr lang="en-US" dirty="0">
-                <a:latin typeface="+mj-lt"/>
-              </a:rPr>
-              <a:t> { public method move() {</a:t>
-            </a:r>
-            <a:r>
-              <a:rPr lang="mr-IN" dirty="0">
-                <a:latin typeface="+mj-lt"/>
-              </a:rPr>
-              <a:t>…</a:t>
-            </a:r>
-            <a:r>
-              <a:rPr lang="en-US" dirty="0">
-                <a:latin typeface="+mj-lt"/>
-              </a:rPr>
-              <a:t>} </a:t>
-            </a:r>
-            <a:r>
-              <a:rPr lang="mr-IN" dirty="0">
-                <a:latin typeface="+mj-lt"/>
-              </a:rPr>
-              <a:t>…</a:t>
-            </a:r>
-            <a:r>
-              <a:rPr lang="en-US" dirty="0">
-                <a:latin typeface="+mj-lt"/>
-              </a:rPr>
-              <a:t> }</a:t>
-            </a:r>
-          </a:p>
-          <a:p>
-            <a:pPr marL="57150" indent="0">
-              <a:buNone/>
-            </a:pPr>
-            <a:r>
-              <a:rPr lang="en-US" dirty="0">
-                <a:latin typeface="+mj-lt"/>
-              </a:rPr>
-              <a:t>class Bird extends Animal { public method fly(){</a:t>
-            </a:r>
-            <a:r>
-              <a:rPr lang="mr-IN" dirty="0">
-                <a:latin typeface="+mj-lt"/>
-              </a:rPr>
-              <a:t>…</a:t>
-            </a:r>
-            <a:r>
-              <a:rPr lang="en-US" dirty="0">
-                <a:latin typeface="+mj-lt"/>
-              </a:rPr>
-              <a:t>} </a:t>
-            </a:r>
-            <a:r>
-              <a:rPr lang="mr-IN" dirty="0">
-                <a:latin typeface="+mj-lt"/>
-              </a:rPr>
-              <a:t>…</a:t>
-            </a:r>
-            <a:r>
-              <a:rPr lang="en-US" dirty="0">
-                <a:latin typeface="+mj-lt"/>
-              </a:rPr>
-              <a:t> }</a:t>
-            </a:r>
-          </a:p>
-          <a:p>
-            <a:pPr marL="57150" indent="0">
-              <a:buNone/>
-            </a:pPr>
-            <a:r>
-              <a:rPr lang="en-US" dirty="0">
-                <a:latin typeface="+mj-lt"/>
-              </a:rPr>
-              <a:t>class Eagle extends Bird { public method </a:t>
-            </a:r>
-            <a:r>
-              <a:rPr lang="en-US" dirty="0" err="1">
-                <a:latin typeface="+mj-lt"/>
-              </a:rPr>
-              <a:t>eat_snake</a:t>
-            </a:r>
-            <a:r>
-              <a:rPr lang="en-US" dirty="0">
-                <a:latin typeface="+mj-lt"/>
-              </a:rPr>
-              <a:t>(){</a:t>
-            </a:r>
-            <a:r>
-              <a:rPr lang="mr-IN" dirty="0">
-                <a:latin typeface="+mj-lt"/>
-              </a:rPr>
-              <a:t>…</a:t>
-            </a:r>
-            <a:r>
-              <a:rPr lang="en-US" dirty="0">
-                <a:latin typeface="+mj-lt"/>
-              </a:rPr>
-              <a:t>} </a:t>
-            </a:r>
-            <a:r>
-              <a:rPr lang="mr-IN" dirty="0">
-                <a:latin typeface="+mj-lt"/>
-              </a:rPr>
-              <a:t>…</a:t>
-            </a:r>
-            <a:r>
-              <a:rPr lang="en-US" dirty="0">
-                <a:latin typeface="+mj-lt"/>
-              </a:rPr>
-              <a:t> }</a:t>
-            </a:r>
-          </a:p>
-          <a:p>
-            <a:pPr lvl="1"/>
-            <a:r>
-              <a:rPr lang="en-US" dirty="0"/>
-              <a:t>As we see, the child class has all its parent classes behaviors, and they also have their own behaviors.</a:t>
-            </a:r>
-          </a:p>
-          <a:p>
-            <a:pPr lvl="1"/>
-            <a:r>
-              <a:rPr lang="en-US" dirty="0"/>
-              <a:t>That’s why we can say: my eagle is an animal.</a:t>
-            </a:r>
-          </a:p>
-          <a:p>
-            <a:pPr marL="57150" indent="0">
-              <a:buNone/>
-            </a:pPr>
-            <a:r>
-              <a:rPr lang="en-US" dirty="0"/>
-              <a:t>Equivalent statement: Animal </a:t>
-            </a:r>
-            <a:r>
-              <a:rPr lang="en-US" dirty="0" err="1"/>
-              <a:t>my_eagle</a:t>
-            </a:r>
-            <a:r>
-              <a:rPr lang="en-US" dirty="0"/>
-              <a:t> = new Eagle();</a:t>
-            </a:r>
-          </a:p>
-        </p:txBody>
-      </p:sp>
-      <p:sp>
-        <p:nvSpPr>
-          <p:cNvPr id="4" name="Footer Placeholder 3"/>
-          <p:cNvSpPr>
-            <a:spLocks noGrp="1"/>
-          </p:cNvSpPr>
-          <p:nvPr>
-            <p:ph type="ftr" sz="quarter" idx="10"/>
-          </p:nvPr>
-        </p:nvSpPr>
-        <p:spPr/>
-        <p:txBody>
-          <a:bodyPr/>
-          <a:lstStyle/>
-          <a:p>
-            <a:r>
-              <a:rPr lang="en-US" dirty="0"/>
-              <a:t>Lecture 3: OOP</a:t>
-            </a:r>
-          </a:p>
-        </p:txBody>
-      </p:sp>
-      <p:sp>
-        <p:nvSpPr>
-          <p:cNvPr id="5" name="Date Placeholder 4"/>
-          <p:cNvSpPr>
-            <a:spLocks noGrp="1"/>
-          </p:cNvSpPr>
-          <p:nvPr>
-            <p:ph type="dt" sz="half" idx="11"/>
-          </p:nvPr>
-        </p:nvSpPr>
-        <p:spPr/>
-        <p:txBody>
-          <a:bodyPr/>
-          <a:lstStyle/>
-          <a:p>
-            <a:r>
-              <a:rPr lang="mr-IN" dirty="0"/>
-              <a:t>03/10/2020</a:t>
-            </a:r>
-            <a:endParaRPr lang="en-US" dirty="0"/>
-          </a:p>
-        </p:txBody>
-      </p:sp>
-      <p:sp>
-        <p:nvSpPr>
-          <p:cNvPr id="6" name="Slide Number Placeholder 5"/>
-          <p:cNvSpPr>
-            <a:spLocks noGrp="1"/>
-          </p:cNvSpPr>
-          <p:nvPr>
-            <p:ph type="sldNum" sz="quarter" idx="12"/>
-          </p:nvPr>
-        </p:nvSpPr>
-        <p:spPr/>
-        <p:txBody>
-          <a:bodyPr/>
-          <a:lstStyle/>
-          <a:p>
-            <a:fld id="{1D5CD492-2BC6-F348-9965-EC1D86DF57A8}" type="slidenum">
-              <a:rPr lang="en-US" smtClean="0"/>
-              <a:t>15</a:t>
-            </a:fld>
-            <a:endParaRPr lang="en-US"/>
-          </a:p>
-        </p:txBody>
-      </p:sp>
-    </p:spTree>
-    <p:extLst>
-      <p:ext uri="{BB962C8B-B14F-4D97-AF65-F5344CB8AC3E}">
-        <p14:creationId xmlns:p14="http://schemas.microsoft.com/office/powerpoint/2010/main" val="312882625"/>
-      </p:ext>
-    </p:extLst>
-  </p:cSld>
-  <p:clrMapOvr>
-    <a:masterClrMapping/>
-  </p:clrMapOvr>
-  <p:transition spd="med">
-    <p:wipe dir="r"/>
-  </p:transition>
-</p:sld>
-</file>
-
-<file path=ppt/slides/slide16.xml><?xml version="1.0" encoding="utf-8"?>
-<p:sld xmlns:a="http://schemas.openxmlformats.org/drawingml/2006/main" xmlns:r="http://schemas.openxmlformats.org/officeDocument/2006/relationships" xmlns:p="http://schemas.openxmlformats.org/presentationml/2006/main">
-  <p:cSld>
-    <p:spTree>
-      <p:nvGrpSpPr>
-        <p:cNvPr id="1" name=""/>
-        <p:cNvGrpSpPr/>
-        <p:nvPr/>
-      </p:nvGrpSpPr>
-      <p:grpSpPr>
-        <a:xfrm>
-          <a:off x="0" y="0"/>
-          <a:ext cx="0" cy="0"/>
-          <a:chOff x="0" y="0"/>
-          <a:chExt cx="0" cy="0"/>
-        </a:xfrm>
-      </p:grpSpPr>
-      <p:sp>
-        <p:nvSpPr>
-          <p:cNvPr id="2" name="Title 1"/>
-          <p:cNvSpPr>
-            <a:spLocks noGrp="1"/>
-          </p:cNvSpPr>
-          <p:nvPr>
-            <p:ph type="title"/>
-          </p:nvPr>
-        </p:nvSpPr>
-        <p:spPr/>
-        <p:txBody>
-          <a:bodyPr/>
-          <a:lstStyle/>
-          <a:p>
-            <a:r>
-              <a:rPr lang="en-US" dirty="0"/>
-              <a:t>Type checking</a:t>
-            </a:r>
-          </a:p>
-        </p:txBody>
-      </p:sp>
-      <p:sp>
-        <p:nvSpPr>
-          <p:cNvPr id="3" name="Content Placeholder 2"/>
-          <p:cNvSpPr>
-            <a:spLocks noGrp="1"/>
-          </p:cNvSpPr>
-          <p:nvPr>
-            <p:ph idx="1"/>
-          </p:nvPr>
-        </p:nvSpPr>
-        <p:spPr/>
-        <p:txBody>
-          <a:bodyPr/>
-          <a:lstStyle/>
-          <a:p>
-            <a:r>
-              <a:rPr lang="en-US" dirty="0"/>
-              <a:t>We might keep the metaphor of interface as role.</a:t>
-            </a:r>
-          </a:p>
-          <a:p>
-            <a:r>
-              <a:rPr lang="en-US" dirty="0"/>
-              <a:t>So an interface is like a role, a person can play as many roles as he want, as long as he “knows” the behavior of the roles that he plays, “knows” means he implements the behaviors so that he can be able to receive the messages (behavior = method, calling a method = sending a message) and return the corresponding actions (return the right object).</a:t>
-            </a:r>
-          </a:p>
-          <a:p>
-            <a:r>
-              <a:rPr lang="en-US" dirty="0"/>
-              <a:t>For example: the person Obama can play father role and president role and husband role at </a:t>
-            </a:r>
-            <a:r>
-              <a:rPr lang="en-US"/>
-              <a:t>the same time.</a:t>
-            </a:r>
-            <a:endParaRPr lang="en-US" dirty="0"/>
-          </a:p>
-        </p:txBody>
-      </p:sp>
-      <p:sp>
-        <p:nvSpPr>
-          <p:cNvPr id="4" name="Footer Placeholder 3"/>
-          <p:cNvSpPr>
-            <a:spLocks noGrp="1"/>
-          </p:cNvSpPr>
-          <p:nvPr>
-            <p:ph type="ftr" sz="quarter" idx="10"/>
-          </p:nvPr>
-        </p:nvSpPr>
-        <p:spPr/>
-        <p:txBody>
-          <a:bodyPr/>
-          <a:lstStyle/>
-          <a:p>
-            <a:r>
-              <a:rPr lang="en-US" dirty="0"/>
-              <a:t>Lecture 3: OOP</a:t>
-            </a:r>
-          </a:p>
-        </p:txBody>
-      </p:sp>
-      <p:sp>
-        <p:nvSpPr>
-          <p:cNvPr id="5" name="Date Placeholder 4"/>
-          <p:cNvSpPr>
-            <a:spLocks noGrp="1"/>
-          </p:cNvSpPr>
-          <p:nvPr>
-            <p:ph type="dt" sz="half" idx="11"/>
-          </p:nvPr>
-        </p:nvSpPr>
-        <p:spPr/>
-        <p:txBody>
-          <a:bodyPr/>
-          <a:lstStyle/>
-          <a:p>
-            <a:r>
-              <a:rPr lang="mr-IN" dirty="0"/>
-              <a:t>03/10/2020</a:t>
-            </a:r>
-            <a:endParaRPr lang="en-US" dirty="0"/>
-          </a:p>
-        </p:txBody>
-      </p:sp>
-      <p:sp>
-        <p:nvSpPr>
-          <p:cNvPr id="6" name="Slide Number Placeholder 5"/>
-          <p:cNvSpPr>
-            <a:spLocks noGrp="1"/>
-          </p:cNvSpPr>
-          <p:nvPr>
-            <p:ph type="sldNum" sz="quarter" idx="12"/>
-          </p:nvPr>
-        </p:nvSpPr>
-        <p:spPr/>
-        <p:txBody>
-          <a:bodyPr/>
-          <a:lstStyle/>
-          <a:p>
-            <a:fld id="{1D5CD492-2BC6-F348-9965-EC1D86DF57A8}" type="slidenum">
-              <a:rPr lang="en-US" smtClean="0"/>
-              <a:t>16</a:t>
-            </a:fld>
-            <a:endParaRPr lang="en-US"/>
-          </a:p>
-        </p:txBody>
-      </p:sp>
-    </p:spTree>
-    <p:extLst>
-      <p:ext uri="{BB962C8B-B14F-4D97-AF65-F5344CB8AC3E}">
-        <p14:creationId xmlns:p14="http://schemas.microsoft.com/office/powerpoint/2010/main" val="1203550780"/>
-      </p:ext>
-    </p:extLst>
-  </p:cSld>
-  <p:clrMapOvr>
-    <a:masterClrMapping/>
-  </p:clrMapOvr>
-  <p:transition spd="med">
-    <p:wipe dir="r"/>
-  </p:transition>
-</p:sld>
-</file>
-
-<file path=ppt/slides/slide17.xml><?xml version="1.0" encoding="utf-8"?>
-<p:sld xmlns:a="http://schemas.openxmlformats.org/drawingml/2006/main" xmlns:r="http://schemas.openxmlformats.org/officeDocument/2006/relationships" xmlns:p="http://schemas.openxmlformats.org/presentationml/2006/main">
-  <p:cSld>
-    <p:spTree>
-      <p:nvGrpSpPr>
-        <p:cNvPr id="1" name=""/>
-        <p:cNvGrpSpPr/>
-        <p:nvPr/>
-      </p:nvGrpSpPr>
-      <p:grpSpPr>
-        <a:xfrm>
-          <a:off x="0" y="0"/>
-          <a:ext cx="0" cy="0"/>
-          <a:chOff x="0" y="0"/>
-          <a:chExt cx="0" cy="0"/>
-        </a:xfrm>
-      </p:grpSpPr>
-      <p:sp>
-        <p:nvSpPr>
           <p:cNvPr id="2" name="Title 1">
             <a:extLst>
               <a:ext uri="{FF2B5EF4-FFF2-40B4-BE49-F238E27FC236}">
@@ -6710,7 +4959,7 @@
           <a:p>
             <a:fld id="{1D5CD492-2BC6-F348-9965-EC1D86DF57A8}" type="slidenum">
               <a:rPr lang="en-US" smtClean="0"/>
-              <a:t>17</a:t>
+              <a:t>11</a:t>
             </a:fld>
             <a:endParaRPr lang="en-US"/>
           </a:p>
@@ -6954,7 +5203,7 @@
         <p:spPr>
           <a:xfrm>
             <a:off x="457200" y="1417638"/>
-            <a:ext cx="8229600" cy="4525963"/>
+            <a:ext cx="8229600" cy="4938712"/>
           </a:xfrm>
         </p:spPr>
         <p:txBody>
@@ -8776,46 +7025,37 @@
           </a:p>
           <a:p>
             <a:r>
+              <a:rPr lang="sv-SE" dirty="0" err="1"/>
+              <a:t>Static</a:t>
+            </a:r>
+            <a:r>
+              <a:rPr lang="sv-SE" dirty="0"/>
+              <a:t> </a:t>
+            </a:r>
+            <a:r>
+              <a:rPr lang="sv-SE" dirty="0" err="1"/>
+              <a:t>variable</a:t>
+            </a:r>
+            <a:r>
+              <a:rPr lang="sv-SE" dirty="0"/>
+              <a:t> &amp; </a:t>
+            </a:r>
+            <a:r>
+              <a:rPr lang="sv-SE" dirty="0" err="1"/>
+              <a:t>Method</a:t>
+            </a:r>
+            <a:r>
+              <a:rPr lang="sv-SE" dirty="0"/>
+              <a:t>:</a:t>
+            </a:r>
+          </a:p>
+          <a:p>
+            <a:pPr marL="0" indent="0">
+              <a:buNone/>
+            </a:pPr>
+            <a:r>
               <a:rPr lang="sv-SE" dirty="0">
                 <a:hlinkClick r:id="rId3"/>
-              </a:rPr>
-              <a:t>https://www.javatpoint.com/this-keyword</a:t>
-            </a:r>
-            <a:endParaRPr lang="sv-SE" dirty="0"/>
-          </a:p>
-          <a:p>
-            <a:r>
-              <a:rPr lang="sv-SE" dirty="0" err="1"/>
-              <a:t>Static</a:t>
-            </a:r>
-            <a:r>
-              <a:rPr lang="sv-SE" dirty="0"/>
-              <a:t> </a:t>
-            </a:r>
-            <a:r>
-              <a:rPr lang="sv-SE" dirty="0" err="1"/>
-              <a:t>variable</a:t>
-            </a:r>
-            <a:r>
-              <a:rPr lang="sv-SE" dirty="0"/>
-              <a:t> &amp; </a:t>
-            </a:r>
-            <a:r>
-              <a:rPr lang="sv-SE" dirty="0" err="1"/>
-              <a:t>Method</a:t>
-            </a:r>
-            <a:r>
-              <a:rPr lang="sv-SE" dirty="0"/>
-              <a:t>:</a:t>
-            </a:r>
-          </a:p>
-          <a:p>
-            <a:pPr marL="0" indent="0">
-              <a:buNone/>
-            </a:pPr>
-            <a:r>
-              <a:rPr lang="sv-SE" dirty="0">
-                <a:hlinkClick r:id="rId4"/>
               </a:rPr>
               <a:t>https://www.javatpoint.com/static-keyword-in-java</a:t>
             </a:r>
